--- a/Slides.pptx
+++ b/Slides.pptx
@@ -7,6 +7,27 @@
   <p:sldIdLst>
     <p:sldId id="256" r:id="rId2"/>
     <p:sldId id="257" r:id="rId3"/>
+    <p:sldId id="258" r:id="rId4"/>
+    <p:sldId id="259" r:id="rId5"/>
+    <p:sldId id="265" r:id="rId6"/>
+    <p:sldId id="267" r:id="rId7"/>
+    <p:sldId id="266" r:id="rId8"/>
+    <p:sldId id="268" r:id="rId9"/>
+    <p:sldId id="270" r:id="rId10"/>
+    <p:sldId id="271" r:id="rId11"/>
+    <p:sldId id="273" r:id="rId12"/>
+    <p:sldId id="272" r:id="rId13"/>
+    <p:sldId id="274" r:id="rId14"/>
+    <p:sldId id="275" r:id="rId15"/>
+    <p:sldId id="276" r:id="rId16"/>
+    <p:sldId id="277" r:id="rId17"/>
+    <p:sldId id="278" r:id="rId18"/>
+    <p:sldId id="279" r:id="rId19"/>
+    <p:sldId id="260" r:id="rId20"/>
+    <p:sldId id="261" r:id="rId21"/>
+    <p:sldId id="262" r:id="rId22"/>
+    <p:sldId id="263" r:id="rId23"/>
+    <p:sldId id="264" r:id="rId24"/>
   </p:sldIdLst>
   <p:sldSz cx="12192000" cy="6858000"/>
   <p:notesSz cx="6858000" cy="9144000"/>
@@ -105,6 +126,11 @@
       </a:defRPr>
     </a:lvl9pPr>
   </p:defaultTextStyle>
+  <p:extLst>
+    <p:ext uri="{EFAFB233-063F-42B5-8137-9DF3F51BA10A}">
+      <p15:sldGuideLst xmlns:p15="http://schemas.microsoft.com/office/powerpoint/2012/main"/>
+    </p:ext>
+  </p:extLst>
 </p:presentation>
 </file>
 
@@ -257,7 +283,7 @@
           <a:p>
             <a:fld id="{E476955E-1A04-8341-A42B-1A239898E41C}" type="datetimeFigureOut">
               <a:rPr lang="it-IT" smtClean="0"/>
-              <a:t>07/04/25</a:t>
+              <a:t>08/04/25</a:t>
             </a:fld>
             <a:endParaRPr lang="it-IT"/>
           </a:p>
@@ -457,7 +483,7 @@
           <a:p>
             <a:fld id="{E476955E-1A04-8341-A42B-1A239898E41C}" type="datetimeFigureOut">
               <a:rPr lang="it-IT" smtClean="0"/>
-              <a:t>07/04/25</a:t>
+              <a:t>08/04/25</a:t>
             </a:fld>
             <a:endParaRPr lang="it-IT"/>
           </a:p>
@@ -667,7 +693,7 @@
           <a:p>
             <a:fld id="{E476955E-1A04-8341-A42B-1A239898E41C}" type="datetimeFigureOut">
               <a:rPr lang="it-IT" smtClean="0"/>
-              <a:t>07/04/25</a:t>
+              <a:t>08/04/25</a:t>
             </a:fld>
             <a:endParaRPr lang="it-IT"/>
           </a:p>
@@ -867,7 +893,7 @@
           <a:p>
             <a:fld id="{E476955E-1A04-8341-A42B-1A239898E41C}" type="datetimeFigureOut">
               <a:rPr lang="it-IT" smtClean="0"/>
-              <a:t>07/04/25</a:t>
+              <a:t>08/04/25</a:t>
             </a:fld>
             <a:endParaRPr lang="it-IT"/>
           </a:p>
@@ -1143,7 +1169,7 @@
           <a:p>
             <a:fld id="{E476955E-1A04-8341-A42B-1A239898E41C}" type="datetimeFigureOut">
               <a:rPr lang="it-IT" smtClean="0"/>
-              <a:t>07/04/25</a:t>
+              <a:t>08/04/25</a:t>
             </a:fld>
             <a:endParaRPr lang="it-IT"/>
           </a:p>
@@ -1411,7 +1437,7 @@
           <a:p>
             <a:fld id="{E476955E-1A04-8341-A42B-1A239898E41C}" type="datetimeFigureOut">
               <a:rPr lang="it-IT" smtClean="0"/>
-              <a:t>07/04/25</a:t>
+              <a:t>08/04/25</a:t>
             </a:fld>
             <a:endParaRPr lang="it-IT"/>
           </a:p>
@@ -1826,7 +1852,7 @@
           <a:p>
             <a:fld id="{E476955E-1A04-8341-A42B-1A239898E41C}" type="datetimeFigureOut">
               <a:rPr lang="it-IT" smtClean="0"/>
-              <a:t>07/04/25</a:t>
+              <a:t>08/04/25</a:t>
             </a:fld>
             <a:endParaRPr lang="it-IT"/>
           </a:p>
@@ -1968,7 +1994,7 @@
           <a:p>
             <a:fld id="{E476955E-1A04-8341-A42B-1A239898E41C}" type="datetimeFigureOut">
               <a:rPr lang="it-IT" smtClean="0"/>
-              <a:t>07/04/25</a:t>
+              <a:t>08/04/25</a:t>
             </a:fld>
             <a:endParaRPr lang="it-IT"/>
           </a:p>
@@ -2081,7 +2107,7 @@
           <a:p>
             <a:fld id="{E476955E-1A04-8341-A42B-1A239898E41C}" type="datetimeFigureOut">
               <a:rPr lang="it-IT" smtClean="0"/>
-              <a:t>07/04/25</a:t>
+              <a:t>08/04/25</a:t>
             </a:fld>
             <a:endParaRPr lang="it-IT"/>
           </a:p>
@@ -2394,7 +2420,7 @@
           <a:p>
             <a:fld id="{E476955E-1A04-8341-A42B-1A239898E41C}" type="datetimeFigureOut">
               <a:rPr lang="it-IT" smtClean="0"/>
-              <a:t>07/04/25</a:t>
+              <a:t>08/04/25</a:t>
             </a:fld>
             <a:endParaRPr lang="it-IT"/>
           </a:p>
@@ -2683,7 +2709,7 @@
           <a:p>
             <a:fld id="{E476955E-1A04-8341-A42B-1A239898E41C}" type="datetimeFigureOut">
               <a:rPr lang="it-IT" smtClean="0"/>
-              <a:t>07/04/25</a:t>
+              <a:t>08/04/25</a:t>
             </a:fld>
             <a:endParaRPr lang="it-IT"/>
           </a:p>
@@ -2926,7 +2952,7 @@
           <a:p>
             <a:fld id="{E476955E-1A04-8341-A42B-1A239898E41C}" type="datetimeFigureOut">
               <a:rPr lang="it-IT" smtClean="0"/>
-              <a:t>07/04/25</a:t>
+              <a:t>08/04/25</a:t>
             </a:fld>
             <a:endParaRPr lang="it-IT"/>
           </a:p>
@@ -3520,8 +3546,8 @@
         </p:nvSpPr>
         <p:spPr>
           <a:xfrm>
-            <a:off x="2406125" y="835997"/>
-            <a:ext cx="7379747" cy="1569660"/>
+            <a:off x="1203061" y="970497"/>
+            <a:ext cx="9785875" cy="1569660"/>
           </a:xfrm>
           <a:prstGeom prst="rect">
             <a:avLst/>
@@ -3537,19 +3563,25 @@
             <a:pPr algn="ctr"/>
             <a:r>
               <a:rPr lang="it-IT" sz="4800" b="1" dirty="0" err="1">
-                <a:latin typeface="Roboto" panose="02000000000000000000" pitchFamily="2" charset="0"/>
-                <a:ea typeface="Roboto" panose="02000000000000000000" pitchFamily="2" charset="0"/>
+                <a:latin typeface="Menlo" panose="020B0609030804020204" pitchFamily="49" charset="0"/>
+                <a:ea typeface="Menlo" panose="020B0609030804020204" pitchFamily="49" charset="0"/>
+                <a:cs typeface="Menlo" panose="020B0609030804020204" pitchFamily="49" charset="0"/>
               </a:rPr>
               <a:t>Identification</a:t>
             </a:r>
             <a:r>
               <a:rPr lang="it-IT" sz="4800" b="1" dirty="0">
-                <a:latin typeface="Roboto" panose="02000000000000000000" pitchFamily="2" charset="0"/>
-                <a:ea typeface="Roboto" panose="02000000000000000000" pitchFamily="2" charset="0"/>
+                <a:latin typeface="Menlo" panose="020B0609030804020204" pitchFamily="49" charset="0"/>
+                <a:ea typeface="Menlo" panose="020B0609030804020204" pitchFamily="49" charset="0"/>
+                <a:cs typeface="Menlo" panose="020B0609030804020204" pitchFamily="49" charset="0"/>
               </a:rPr>
               <a:t> of malwares from Windows PE files</a:t>
             </a:r>
-            <a:endParaRPr lang="it-IT" sz="4800" dirty="0"/>
+            <a:endParaRPr lang="it-IT" sz="4800" dirty="0">
+              <a:latin typeface="Menlo" panose="020B0609030804020204" pitchFamily="49" charset="0"/>
+              <a:ea typeface="Menlo" panose="020B0609030804020204" pitchFamily="49" charset="0"/>
+              <a:cs typeface="Menlo" panose="020B0609030804020204" pitchFamily="49" charset="0"/>
+            </a:endParaRPr>
           </a:p>
         </p:txBody>
       </p:sp>
@@ -3557,6 +3589,3465 @@
     <p:extLst>
       <p:ext uri="{BB962C8B-B14F-4D97-AF65-F5344CB8AC3E}">
         <p14:creationId xmlns:p14="http://schemas.microsoft.com/office/powerpoint/2010/main" val="3121117659"/>
+      </p:ext>
+    </p:extLst>
+  </p:cSld>
+  <p:clrMapOvr>
+    <a:masterClrMapping/>
+  </p:clrMapOvr>
+</p:sld>
+</file>
+
+<file path=ppt/slides/slide10.xml><?xml version="1.0" encoding="utf-8"?>
+<p:sld xmlns:a="http://schemas.openxmlformats.org/drawingml/2006/main" xmlns:r="http://schemas.openxmlformats.org/officeDocument/2006/relationships" xmlns:p="http://schemas.openxmlformats.org/presentationml/2006/main">
+  <p:cSld>
+    <p:spTree>
+      <p:nvGrpSpPr>
+        <p:cNvPr id="1" name="">
+          <a:extLst>
+            <a:ext uri="{FF2B5EF4-FFF2-40B4-BE49-F238E27FC236}">
+              <a16:creationId xmlns:a16="http://schemas.microsoft.com/office/drawing/2014/main" id="{7950B453-F3F5-BC01-A099-2299E6C85A10}"/>
+            </a:ext>
+          </a:extLst>
+        </p:cNvPr>
+        <p:cNvGrpSpPr/>
+        <p:nvPr/>
+      </p:nvGrpSpPr>
+      <p:grpSpPr>
+        <a:xfrm>
+          <a:off x="0" y="0"/>
+          <a:ext cx="0" cy="0"/>
+          <a:chOff x="0" y="0"/>
+          <a:chExt cx="0" cy="0"/>
+        </a:xfrm>
+      </p:grpSpPr>
+      <p:sp>
+        <p:nvSpPr>
+          <p:cNvPr id="4" name="Oval 3">
+            <a:extLst>
+              <a:ext uri="{FF2B5EF4-FFF2-40B4-BE49-F238E27FC236}">
+                <a16:creationId xmlns:a16="http://schemas.microsoft.com/office/drawing/2014/main" id="{C657BFE7-4369-0291-B982-243053E5E913}"/>
+              </a:ext>
+            </a:extLst>
+          </p:cNvPr>
+          <p:cNvSpPr/>
+          <p:nvPr/>
+        </p:nvSpPr>
+        <p:spPr>
+          <a:xfrm>
+            <a:off x="277097" y="260062"/>
+            <a:ext cx="514350" cy="514350"/>
+          </a:xfrm>
+          <a:prstGeom prst="ellipse">
+            <a:avLst/>
+          </a:prstGeom>
+          <a:solidFill>
+            <a:srgbClr val="0F4A7C"/>
+          </a:solidFill>
+          <a:ln>
+            <a:noFill/>
+          </a:ln>
+        </p:spPr>
+        <p:style>
+          <a:lnRef idx="2">
+            <a:schemeClr val="accent1">
+              <a:shade val="15000"/>
+            </a:schemeClr>
+          </a:lnRef>
+          <a:fillRef idx="1">
+            <a:schemeClr val="accent1"/>
+          </a:fillRef>
+          <a:effectRef idx="0">
+            <a:schemeClr val="accent1"/>
+          </a:effectRef>
+          <a:fontRef idx="minor">
+            <a:schemeClr val="lt1"/>
+          </a:fontRef>
+        </p:style>
+        <p:txBody>
+          <a:bodyPr rtlCol="0" anchor="ctr"/>
+          <a:lstStyle/>
+          <a:p>
+            <a:pPr algn="ctr"/>
+            <a:endParaRPr lang="it-IT"/>
+          </a:p>
+        </p:txBody>
+      </p:sp>
+      <p:pic>
+        <p:nvPicPr>
+          <p:cNvPr id="5" name="Picture 4" descr="A white line drawing of a graph and a magnifying glass&#10;&#10;AI-generated content may be incorrect.">
+            <a:extLst>
+              <a:ext uri="{FF2B5EF4-FFF2-40B4-BE49-F238E27FC236}">
+                <a16:creationId xmlns:a16="http://schemas.microsoft.com/office/drawing/2014/main" id="{CA07E698-8B21-13BB-AA16-E46B3C35349F}"/>
+              </a:ext>
+            </a:extLst>
+          </p:cNvPr>
+          <p:cNvPicPr>
+            <a:picLocks noChangeAspect="1"/>
+          </p:cNvPicPr>
+          <p:nvPr/>
+        </p:nvPicPr>
+        <p:blipFill>
+          <a:blip r:embed="rId2"/>
+          <a:stretch>
+            <a:fillRect/>
+          </a:stretch>
+        </p:blipFill>
+        <p:spPr>
+          <a:xfrm>
+            <a:off x="372407" y="353437"/>
+            <a:ext cx="327600" cy="327600"/>
+          </a:xfrm>
+          <a:prstGeom prst="rect">
+            <a:avLst/>
+          </a:prstGeom>
+        </p:spPr>
+      </p:pic>
+      <p:sp>
+        <p:nvSpPr>
+          <p:cNvPr id="6" name="TextBox 5">
+            <a:extLst>
+              <a:ext uri="{FF2B5EF4-FFF2-40B4-BE49-F238E27FC236}">
+                <a16:creationId xmlns:a16="http://schemas.microsoft.com/office/drawing/2014/main" id="{D45A3FD6-4581-7F6F-94CA-2E1093E875B9}"/>
+              </a:ext>
+            </a:extLst>
+          </p:cNvPr>
+          <p:cNvSpPr txBox="1"/>
+          <p:nvPr/>
+        </p:nvSpPr>
+        <p:spPr>
+          <a:xfrm>
+            <a:off x="882886" y="328130"/>
+            <a:ext cx="4054315" cy="369332"/>
+          </a:xfrm>
+          <a:prstGeom prst="rect">
+            <a:avLst/>
+          </a:prstGeom>
+          <a:noFill/>
+        </p:spPr>
+        <p:txBody>
+          <a:bodyPr wrap="none" rtlCol="0">
+            <a:spAutoFit/>
+          </a:bodyPr>
+          <a:lstStyle/>
+          <a:p>
+            <a:r>
+              <a:rPr lang="it-IT" dirty="0">
+                <a:latin typeface="Roboto" panose="02000000000000000000" pitchFamily="2" charset="0"/>
+                <a:ea typeface="Roboto" panose="02000000000000000000" pitchFamily="2" charset="0"/>
+              </a:rPr>
+              <a:t>Data </a:t>
+            </a:r>
+            <a:r>
+              <a:rPr lang="it-IT" dirty="0" err="1">
+                <a:latin typeface="Roboto" panose="02000000000000000000" pitchFamily="2" charset="0"/>
+                <a:ea typeface="Roboto" panose="02000000000000000000" pitchFamily="2" charset="0"/>
+              </a:rPr>
+              <a:t>Acquisition</a:t>
+            </a:r>
+            <a:r>
+              <a:rPr lang="it-IT" dirty="0">
+                <a:latin typeface="Roboto" panose="02000000000000000000" pitchFamily="2" charset="0"/>
+                <a:ea typeface="Roboto" panose="02000000000000000000" pitchFamily="2" charset="0"/>
+              </a:rPr>
+              <a:t> and Data Exploration</a:t>
+            </a:r>
+          </a:p>
+        </p:txBody>
+      </p:sp>
+      <p:sp>
+        <p:nvSpPr>
+          <p:cNvPr id="7" name="TextBox 6">
+            <a:extLst>
+              <a:ext uri="{FF2B5EF4-FFF2-40B4-BE49-F238E27FC236}">
+                <a16:creationId xmlns:a16="http://schemas.microsoft.com/office/drawing/2014/main" id="{A59FE0E7-A6B4-F21B-2A2D-E7CEB8175966}"/>
+              </a:ext>
+            </a:extLst>
+          </p:cNvPr>
+          <p:cNvSpPr txBox="1"/>
+          <p:nvPr/>
+        </p:nvSpPr>
+        <p:spPr>
+          <a:xfrm>
+            <a:off x="1982545" y="697462"/>
+            <a:ext cx="1854995" cy="369332"/>
+          </a:xfrm>
+          <a:prstGeom prst="rect">
+            <a:avLst/>
+          </a:prstGeom>
+          <a:noFill/>
+        </p:spPr>
+        <p:txBody>
+          <a:bodyPr wrap="none" rtlCol="0">
+            <a:spAutoFit/>
+          </a:bodyPr>
+          <a:lstStyle/>
+          <a:p>
+            <a:r>
+              <a:rPr lang="it-IT" dirty="0">
+                <a:latin typeface="Roboto" panose="02000000000000000000" pitchFamily="2" charset="0"/>
+                <a:ea typeface="Roboto" panose="02000000000000000000" pitchFamily="2" charset="0"/>
+              </a:rPr>
+              <a:t>Dataset </a:t>
+            </a:r>
+            <a:r>
+              <a:rPr lang="it-IT" dirty="0" err="1">
+                <a:latin typeface="Roboto" panose="02000000000000000000" pitchFamily="2" charset="0"/>
+                <a:ea typeface="Roboto" panose="02000000000000000000" pitchFamily="2" charset="0"/>
+              </a:rPr>
+              <a:t>Feaures</a:t>
+            </a:r>
+            <a:endParaRPr lang="it-IT" dirty="0">
+              <a:latin typeface="Roboto" panose="02000000000000000000" pitchFamily="2" charset="0"/>
+              <a:ea typeface="Roboto" panose="02000000000000000000" pitchFamily="2" charset="0"/>
+            </a:endParaRPr>
+          </a:p>
+        </p:txBody>
+      </p:sp>
+      <p:sp>
+        <p:nvSpPr>
+          <p:cNvPr id="2" name="TextBox 1">
+            <a:extLst>
+              <a:ext uri="{FF2B5EF4-FFF2-40B4-BE49-F238E27FC236}">
+                <a16:creationId xmlns:a16="http://schemas.microsoft.com/office/drawing/2014/main" id="{7B9DD899-6FE6-3AD4-5BB2-B1D3BAB6C225}"/>
+              </a:ext>
+            </a:extLst>
+          </p:cNvPr>
+          <p:cNvSpPr txBox="1"/>
+          <p:nvPr/>
+        </p:nvSpPr>
+        <p:spPr>
+          <a:xfrm>
+            <a:off x="277097" y="1214413"/>
+            <a:ext cx="19290858" cy="5383525"/>
+          </a:xfrm>
+          <a:prstGeom prst="rect">
+            <a:avLst/>
+          </a:prstGeom>
+          <a:noFill/>
+        </p:spPr>
+        <p:txBody>
+          <a:bodyPr wrap="none" rtlCol="0">
+            <a:spAutoFit/>
+          </a:bodyPr>
+          <a:lstStyle/>
+          <a:p>
+            <a:pPr>
+              <a:lnSpc>
+                <a:spcPts val="2250"/>
+              </a:lnSpc>
+              <a:buNone/>
+            </a:pPr>
+            <a:r>
+              <a:rPr lang="en-GB" b="0" dirty="0">
+                <a:solidFill>
+                  <a:srgbClr val="000000"/>
+                </a:solidFill>
+                <a:effectLst/>
+                <a:latin typeface="Menlo" panose="020B0609030804020204" pitchFamily="49" charset="0"/>
+              </a:rPr>
+              <a:t>From the number of unique values for each feature and knowing their meaning, we can conclude that the following features are categorical:</a:t>
+            </a:r>
+          </a:p>
+          <a:p>
+            <a:pPr>
+              <a:lnSpc>
+                <a:spcPts val="2250"/>
+              </a:lnSpc>
+              <a:buNone/>
+            </a:pPr>
+            <a:r>
+              <a:rPr lang="en-GB" b="0" dirty="0">
+                <a:solidFill>
+                  <a:srgbClr val="0451A5"/>
+                </a:solidFill>
+                <a:effectLst/>
+                <a:latin typeface="Menlo" panose="020B0609030804020204" pitchFamily="49" charset="0"/>
+              </a:rPr>
+              <a:t>-</a:t>
+            </a:r>
+            <a:r>
+              <a:rPr lang="en-GB" b="0" dirty="0">
+                <a:solidFill>
+                  <a:srgbClr val="000000"/>
+                </a:solidFill>
+                <a:effectLst/>
+                <a:latin typeface="Menlo" panose="020B0609030804020204" pitchFamily="49" charset="0"/>
+              </a:rPr>
+              <a:t> Machine: CPU for which the file was designed (it has 6 unique values).</a:t>
+            </a:r>
+          </a:p>
+          <a:p>
+            <a:pPr>
+              <a:lnSpc>
+                <a:spcPts val="2250"/>
+              </a:lnSpc>
+              <a:buNone/>
+            </a:pPr>
+            <a:r>
+              <a:rPr lang="en-GB" b="0" dirty="0">
+                <a:solidFill>
+                  <a:srgbClr val="0451A5"/>
+                </a:solidFill>
+                <a:effectLst/>
+                <a:latin typeface="Menlo" panose="020B0609030804020204" pitchFamily="49" charset="0"/>
+              </a:rPr>
+              <a:t>-</a:t>
+            </a:r>
+            <a:r>
+              <a:rPr lang="en-GB" b="0" dirty="0">
+                <a:solidFill>
+                  <a:srgbClr val="000000"/>
+                </a:solidFill>
+                <a:effectLst/>
+                <a:latin typeface="Menlo" panose="020B0609030804020204" pitchFamily="49" charset="0"/>
+              </a:rPr>
+              <a:t> </a:t>
+            </a:r>
+            <a:r>
+              <a:rPr lang="en-GB" b="0" dirty="0" err="1">
+                <a:solidFill>
+                  <a:srgbClr val="000000"/>
+                </a:solidFill>
+                <a:effectLst/>
+                <a:latin typeface="Menlo" panose="020B0609030804020204" pitchFamily="49" charset="0"/>
+              </a:rPr>
+              <a:t>MajorImageVersion</a:t>
+            </a:r>
+            <a:r>
+              <a:rPr lang="en-GB" b="0" dirty="0">
+                <a:solidFill>
+                  <a:srgbClr val="000000"/>
+                </a:solidFill>
+                <a:effectLst/>
+                <a:latin typeface="Menlo" panose="020B0609030804020204" pitchFamily="49" charset="0"/>
+              </a:rPr>
+              <a:t>: main version of the software.</a:t>
+            </a:r>
+          </a:p>
+          <a:p>
+            <a:pPr>
+              <a:lnSpc>
+                <a:spcPts val="2250"/>
+              </a:lnSpc>
+              <a:buNone/>
+            </a:pPr>
+            <a:r>
+              <a:rPr lang="en-GB" b="0" dirty="0">
+                <a:solidFill>
+                  <a:srgbClr val="0451A5"/>
+                </a:solidFill>
+                <a:effectLst/>
+                <a:latin typeface="Menlo" panose="020B0609030804020204" pitchFamily="49" charset="0"/>
+              </a:rPr>
+              <a:t>-</a:t>
+            </a:r>
+            <a:r>
+              <a:rPr lang="en-GB" b="0" dirty="0">
+                <a:solidFill>
+                  <a:srgbClr val="000000"/>
+                </a:solidFill>
+                <a:effectLst/>
+                <a:latin typeface="Menlo" panose="020B0609030804020204" pitchFamily="49" charset="0"/>
+              </a:rPr>
+              <a:t> </a:t>
+            </a:r>
+            <a:r>
+              <a:rPr lang="en-GB" b="0" dirty="0" err="1">
+                <a:solidFill>
+                  <a:srgbClr val="000000"/>
+                </a:solidFill>
+                <a:effectLst/>
+                <a:latin typeface="Menlo" panose="020B0609030804020204" pitchFamily="49" charset="0"/>
+              </a:rPr>
+              <a:t>MajorOSVersion</a:t>
+            </a:r>
+            <a:r>
+              <a:rPr lang="en-GB" b="0" dirty="0">
+                <a:solidFill>
+                  <a:srgbClr val="000000"/>
+                </a:solidFill>
+                <a:effectLst/>
+                <a:latin typeface="Menlo" panose="020B0609030804020204" pitchFamily="49" charset="0"/>
+              </a:rPr>
+              <a:t>: main version number of the required operating system.</a:t>
+            </a:r>
+          </a:p>
+          <a:p>
+            <a:pPr>
+              <a:lnSpc>
+                <a:spcPts val="2250"/>
+              </a:lnSpc>
+              <a:buNone/>
+            </a:pPr>
+            <a:r>
+              <a:rPr lang="en-GB" b="0" dirty="0">
+                <a:solidFill>
+                  <a:srgbClr val="0451A5"/>
+                </a:solidFill>
+                <a:effectLst/>
+                <a:latin typeface="Menlo" panose="020B0609030804020204" pitchFamily="49" charset="0"/>
+              </a:rPr>
+              <a:t>-</a:t>
+            </a:r>
+            <a:r>
+              <a:rPr lang="en-GB" b="0" dirty="0">
+                <a:solidFill>
+                  <a:srgbClr val="000000"/>
+                </a:solidFill>
+                <a:effectLst/>
+                <a:latin typeface="Menlo" panose="020B0609030804020204" pitchFamily="49" charset="0"/>
+              </a:rPr>
+              <a:t> </a:t>
+            </a:r>
+            <a:r>
+              <a:rPr lang="en-GB" b="0" dirty="0" err="1">
+                <a:solidFill>
+                  <a:srgbClr val="000000"/>
+                </a:solidFill>
+                <a:effectLst/>
+                <a:latin typeface="Menlo" panose="020B0609030804020204" pitchFamily="49" charset="0"/>
+              </a:rPr>
+              <a:t>MajorLinkerVersion</a:t>
+            </a:r>
+            <a:r>
+              <a:rPr lang="en-GB" b="0" dirty="0">
+                <a:solidFill>
+                  <a:srgbClr val="000000"/>
+                </a:solidFill>
+                <a:effectLst/>
+                <a:latin typeface="Menlo" panose="020B0609030804020204" pitchFamily="49" charset="0"/>
+              </a:rPr>
+              <a:t>: main version number of the linker that created the file.</a:t>
+            </a:r>
+          </a:p>
+          <a:p>
+            <a:pPr>
+              <a:lnSpc>
+                <a:spcPts val="2250"/>
+              </a:lnSpc>
+              <a:buNone/>
+            </a:pPr>
+            <a:r>
+              <a:rPr lang="en-GB" b="0" dirty="0">
+                <a:solidFill>
+                  <a:srgbClr val="0451A5"/>
+                </a:solidFill>
+                <a:effectLst/>
+                <a:latin typeface="Menlo" panose="020B0609030804020204" pitchFamily="49" charset="0"/>
+              </a:rPr>
+              <a:t>-</a:t>
+            </a:r>
+            <a:r>
+              <a:rPr lang="en-GB" b="0" dirty="0">
+                <a:solidFill>
+                  <a:srgbClr val="000000"/>
+                </a:solidFill>
+                <a:effectLst/>
+                <a:latin typeface="Menlo" panose="020B0609030804020204" pitchFamily="49" charset="0"/>
+              </a:rPr>
+              <a:t> </a:t>
+            </a:r>
+            <a:r>
+              <a:rPr lang="en-GB" b="0" dirty="0" err="1">
+                <a:solidFill>
+                  <a:srgbClr val="000000"/>
+                </a:solidFill>
+                <a:effectLst/>
+                <a:latin typeface="Menlo" panose="020B0609030804020204" pitchFamily="49" charset="0"/>
+              </a:rPr>
+              <a:t>MinorLinkerVersion</a:t>
+            </a:r>
+            <a:r>
+              <a:rPr lang="en-GB" b="0" dirty="0">
+                <a:solidFill>
+                  <a:srgbClr val="000000"/>
+                </a:solidFill>
+                <a:effectLst/>
+                <a:latin typeface="Menlo" panose="020B0609030804020204" pitchFamily="49" charset="0"/>
+              </a:rPr>
+              <a:t>: secondary version number of the linker that created the file.</a:t>
+            </a:r>
+          </a:p>
+          <a:p>
+            <a:pPr>
+              <a:lnSpc>
+                <a:spcPts val="2250"/>
+              </a:lnSpc>
+              <a:buNone/>
+            </a:pPr>
+            <a:r>
+              <a:rPr lang="en-GB" b="0" dirty="0">
+                <a:solidFill>
+                  <a:srgbClr val="0451A5"/>
+                </a:solidFill>
+                <a:effectLst/>
+                <a:latin typeface="Menlo" panose="020B0609030804020204" pitchFamily="49" charset="0"/>
+              </a:rPr>
+              <a:t>-</a:t>
+            </a:r>
+            <a:r>
+              <a:rPr lang="en-GB" b="0" dirty="0">
+                <a:solidFill>
+                  <a:srgbClr val="000000"/>
+                </a:solidFill>
+                <a:effectLst/>
+                <a:latin typeface="Menlo" panose="020B0609030804020204" pitchFamily="49" charset="0"/>
+              </a:rPr>
+              <a:t> </a:t>
+            </a:r>
+            <a:r>
+              <a:rPr lang="en-GB" b="0" dirty="0" err="1">
+                <a:solidFill>
+                  <a:srgbClr val="000000"/>
+                </a:solidFill>
+                <a:effectLst/>
+                <a:latin typeface="Menlo" panose="020B0609030804020204" pitchFamily="49" charset="0"/>
+              </a:rPr>
+              <a:t>DllCharacteristics</a:t>
+            </a:r>
+            <a:r>
+              <a:rPr lang="en-GB" b="0" dirty="0">
+                <a:solidFill>
+                  <a:srgbClr val="000000"/>
+                </a:solidFill>
+                <a:effectLst/>
+                <a:latin typeface="Menlo" panose="020B0609030804020204" pitchFamily="49" charset="0"/>
+              </a:rPr>
+              <a:t>: under which circumstances to initialize the DLL.</a:t>
+            </a:r>
+          </a:p>
+          <a:p>
+            <a:pPr>
+              <a:lnSpc>
+                <a:spcPts val="2250"/>
+              </a:lnSpc>
+              <a:buNone/>
+            </a:pPr>
+            <a:r>
+              <a:rPr lang="en-GB" b="0" dirty="0">
+                <a:solidFill>
+                  <a:srgbClr val="0451A5"/>
+                </a:solidFill>
+                <a:effectLst/>
+                <a:latin typeface="Menlo" panose="020B0609030804020204" pitchFamily="49" charset="0"/>
+              </a:rPr>
+              <a:t>-</a:t>
+            </a:r>
+            <a:r>
+              <a:rPr lang="en-GB" b="0" dirty="0">
+                <a:solidFill>
+                  <a:srgbClr val="000000"/>
+                </a:solidFill>
+                <a:effectLst/>
+                <a:latin typeface="Menlo" panose="020B0609030804020204" pitchFamily="49" charset="0"/>
+              </a:rPr>
+              <a:t> </a:t>
+            </a:r>
+            <a:r>
+              <a:rPr lang="en-GB" b="0" dirty="0" err="1">
+                <a:solidFill>
+                  <a:srgbClr val="000000"/>
+                </a:solidFill>
+                <a:effectLst/>
+                <a:latin typeface="Menlo" panose="020B0609030804020204" pitchFamily="49" charset="0"/>
+              </a:rPr>
+              <a:t>NumberOfSections</a:t>
+            </a:r>
+            <a:r>
+              <a:rPr lang="en-GB" b="0" dirty="0">
+                <a:solidFill>
+                  <a:srgbClr val="000000"/>
+                </a:solidFill>
+                <a:effectLst/>
+                <a:latin typeface="Menlo" panose="020B0609030804020204" pitchFamily="49" charset="0"/>
+              </a:rPr>
+              <a:t>: number of sections the PE file should contain.</a:t>
+            </a:r>
+          </a:p>
+          <a:p>
+            <a:pPr>
+              <a:lnSpc>
+                <a:spcPts val="2250"/>
+              </a:lnSpc>
+              <a:buNone/>
+            </a:pPr>
+            <a:br>
+              <a:rPr lang="en-GB" b="0" dirty="0">
+                <a:solidFill>
+                  <a:srgbClr val="000000"/>
+                </a:solidFill>
+                <a:effectLst/>
+                <a:latin typeface="Menlo" panose="020B0609030804020204" pitchFamily="49" charset="0"/>
+              </a:rPr>
+            </a:br>
+            <a:r>
+              <a:rPr lang="en-GB" b="0" dirty="0">
+                <a:solidFill>
+                  <a:srgbClr val="000000"/>
+                </a:solidFill>
+                <a:effectLst/>
+                <a:latin typeface="Menlo" panose="020B0609030804020204" pitchFamily="49" charset="0"/>
+              </a:rPr>
+              <a:t>On the other hand, the following features have continuous numerical values:</a:t>
+            </a:r>
+          </a:p>
+          <a:p>
+            <a:pPr>
+              <a:lnSpc>
+                <a:spcPts val="2250"/>
+              </a:lnSpc>
+              <a:buNone/>
+            </a:pPr>
+            <a:r>
+              <a:rPr lang="en-GB" b="0" dirty="0">
+                <a:solidFill>
+                  <a:srgbClr val="0451A5"/>
+                </a:solidFill>
+                <a:effectLst/>
+                <a:latin typeface="Menlo" panose="020B0609030804020204" pitchFamily="49" charset="0"/>
+              </a:rPr>
+              <a:t>-</a:t>
+            </a:r>
+            <a:r>
+              <a:rPr lang="en-GB" b="0" dirty="0">
+                <a:solidFill>
+                  <a:srgbClr val="000000"/>
+                </a:solidFill>
+                <a:effectLst/>
+                <a:latin typeface="Menlo" panose="020B0609030804020204" pitchFamily="49" charset="0"/>
+              </a:rPr>
+              <a:t> </a:t>
+            </a:r>
+            <a:r>
+              <a:rPr lang="en-GB" b="0" dirty="0" err="1">
+                <a:solidFill>
+                  <a:srgbClr val="000000"/>
+                </a:solidFill>
+                <a:effectLst/>
+                <a:latin typeface="Menlo" panose="020B0609030804020204" pitchFamily="49" charset="0"/>
+              </a:rPr>
+              <a:t>DebugSize</a:t>
+            </a:r>
+            <a:r>
+              <a:rPr lang="en-GB" b="0" dirty="0">
+                <a:solidFill>
+                  <a:srgbClr val="000000"/>
+                </a:solidFill>
+                <a:effectLst/>
+                <a:latin typeface="Menlo" panose="020B0609030804020204" pitchFamily="49" charset="0"/>
+              </a:rPr>
+              <a:t>: size of the debug information.</a:t>
+            </a:r>
+          </a:p>
+          <a:p>
+            <a:pPr>
+              <a:lnSpc>
+                <a:spcPts val="2250"/>
+              </a:lnSpc>
+              <a:buNone/>
+            </a:pPr>
+            <a:r>
+              <a:rPr lang="en-GB" b="0" dirty="0">
+                <a:solidFill>
+                  <a:srgbClr val="0451A5"/>
+                </a:solidFill>
+                <a:effectLst/>
+                <a:latin typeface="Menlo" panose="020B0609030804020204" pitchFamily="49" charset="0"/>
+              </a:rPr>
+              <a:t>-</a:t>
+            </a:r>
+            <a:r>
+              <a:rPr lang="en-GB" b="0" dirty="0">
+                <a:solidFill>
+                  <a:srgbClr val="000000"/>
+                </a:solidFill>
+                <a:effectLst/>
+                <a:latin typeface="Menlo" panose="020B0609030804020204" pitchFamily="49" charset="0"/>
+              </a:rPr>
+              <a:t> </a:t>
+            </a:r>
+            <a:r>
+              <a:rPr lang="en-GB" b="0" dirty="0" err="1">
+                <a:solidFill>
+                  <a:srgbClr val="000000"/>
+                </a:solidFill>
+                <a:effectLst/>
+                <a:latin typeface="Menlo" panose="020B0609030804020204" pitchFamily="49" charset="0"/>
+              </a:rPr>
+              <a:t>DebugRVA</a:t>
+            </a:r>
+            <a:r>
+              <a:rPr lang="en-GB" b="0" dirty="0">
+                <a:solidFill>
+                  <a:srgbClr val="000000"/>
+                </a:solidFill>
+                <a:effectLst/>
+                <a:latin typeface="Menlo" panose="020B0609030804020204" pitchFamily="49" charset="0"/>
+              </a:rPr>
+              <a:t>: Relative Virtual Address (RVA) of the debug information.</a:t>
+            </a:r>
+          </a:p>
+          <a:p>
+            <a:pPr>
+              <a:lnSpc>
+                <a:spcPts val="2250"/>
+              </a:lnSpc>
+              <a:buNone/>
+            </a:pPr>
+            <a:r>
+              <a:rPr lang="en-GB" b="0" dirty="0">
+                <a:solidFill>
+                  <a:srgbClr val="0451A5"/>
+                </a:solidFill>
+                <a:effectLst/>
+                <a:latin typeface="Menlo" panose="020B0609030804020204" pitchFamily="49" charset="0"/>
+              </a:rPr>
+              <a:t>-</a:t>
+            </a:r>
+            <a:r>
+              <a:rPr lang="en-GB" b="0" dirty="0">
+                <a:solidFill>
+                  <a:srgbClr val="000000"/>
+                </a:solidFill>
+                <a:effectLst/>
+                <a:latin typeface="Menlo" panose="020B0609030804020204" pitchFamily="49" charset="0"/>
+              </a:rPr>
+              <a:t> </a:t>
+            </a:r>
+            <a:r>
+              <a:rPr lang="en-GB" b="0" dirty="0" err="1">
+                <a:solidFill>
+                  <a:srgbClr val="000000"/>
+                </a:solidFill>
+                <a:effectLst/>
+                <a:latin typeface="Menlo" panose="020B0609030804020204" pitchFamily="49" charset="0"/>
+              </a:rPr>
+              <a:t>ExportRVA</a:t>
+            </a:r>
+            <a:r>
+              <a:rPr lang="en-GB" b="0" dirty="0">
+                <a:solidFill>
+                  <a:srgbClr val="000000"/>
+                </a:solidFill>
+                <a:effectLst/>
+                <a:latin typeface="Menlo" panose="020B0609030804020204" pitchFamily="49" charset="0"/>
+              </a:rPr>
+              <a:t>: RVA of the export table.</a:t>
+            </a:r>
+          </a:p>
+          <a:p>
+            <a:pPr>
+              <a:lnSpc>
+                <a:spcPts val="2250"/>
+              </a:lnSpc>
+              <a:buNone/>
+            </a:pPr>
+            <a:r>
+              <a:rPr lang="en-GB" b="0" dirty="0">
+                <a:solidFill>
+                  <a:srgbClr val="0451A5"/>
+                </a:solidFill>
+                <a:effectLst/>
+                <a:latin typeface="Menlo" panose="020B0609030804020204" pitchFamily="49" charset="0"/>
+              </a:rPr>
+              <a:t>-</a:t>
+            </a:r>
+            <a:r>
+              <a:rPr lang="en-GB" b="0" dirty="0">
+                <a:solidFill>
+                  <a:srgbClr val="000000"/>
+                </a:solidFill>
+                <a:effectLst/>
+                <a:latin typeface="Menlo" panose="020B0609030804020204" pitchFamily="49" charset="0"/>
+              </a:rPr>
+              <a:t> </a:t>
+            </a:r>
+            <a:r>
+              <a:rPr lang="en-GB" b="0" dirty="0" err="1">
+                <a:solidFill>
+                  <a:srgbClr val="000000"/>
+                </a:solidFill>
+                <a:effectLst/>
+                <a:latin typeface="Menlo" panose="020B0609030804020204" pitchFamily="49" charset="0"/>
+              </a:rPr>
+              <a:t>ExportSize</a:t>
+            </a:r>
+            <a:r>
+              <a:rPr lang="en-GB" b="0" dirty="0">
+                <a:solidFill>
+                  <a:srgbClr val="000000"/>
+                </a:solidFill>
+                <a:effectLst/>
+                <a:latin typeface="Menlo" panose="020B0609030804020204" pitchFamily="49" charset="0"/>
+              </a:rPr>
+              <a:t>: size of the export table.</a:t>
+            </a:r>
+          </a:p>
+          <a:p>
+            <a:pPr>
+              <a:lnSpc>
+                <a:spcPts val="2250"/>
+              </a:lnSpc>
+              <a:buNone/>
+            </a:pPr>
+            <a:r>
+              <a:rPr lang="en-GB" b="0" dirty="0">
+                <a:solidFill>
+                  <a:srgbClr val="0451A5"/>
+                </a:solidFill>
+                <a:effectLst/>
+                <a:latin typeface="Menlo" panose="020B0609030804020204" pitchFamily="49" charset="0"/>
+              </a:rPr>
+              <a:t>-</a:t>
+            </a:r>
+            <a:r>
+              <a:rPr lang="en-GB" b="0" dirty="0">
+                <a:solidFill>
+                  <a:srgbClr val="000000"/>
+                </a:solidFill>
+                <a:effectLst/>
+                <a:latin typeface="Menlo" panose="020B0609030804020204" pitchFamily="49" charset="0"/>
+              </a:rPr>
+              <a:t> </a:t>
+            </a:r>
+            <a:r>
+              <a:rPr lang="en-GB" b="0" dirty="0" err="1">
+                <a:solidFill>
+                  <a:srgbClr val="000000"/>
+                </a:solidFill>
+                <a:effectLst/>
+                <a:latin typeface="Menlo" panose="020B0609030804020204" pitchFamily="49" charset="0"/>
+              </a:rPr>
+              <a:t>IatVRA</a:t>
+            </a:r>
+            <a:r>
+              <a:rPr lang="en-GB" b="0" dirty="0">
+                <a:solidFill>
+                  <a:srgbClr val="000000"/>
+                </a:solidFill>
+                <a:effectLst/>
+                <a:latin typeface="Menlo" panose="020B0609030804020204" pitchFamily="49" charset="0"/>
+              </a:rPr>
+              <a:t>: RVA of the Import Address Table (IAT).</a:t>
+            </a:r>
+          </a:p>
+          <a:p>
+            <a:pPr>
+              <a:lnSpc>
+                <a:spcPts val="2250"/>
+              </a:lnSpc>
+              <a:buNone/>
+            </a:pPr>
+            <a:r>
+              <a:rPr lang="en-GB" b="0" dirty="0">
+                <a:solidFill>
+                  <a:srgbClr val="0451A5"/>
+                </a:solidFill>
+                <a:effectLst/>
+                <a:latin typeface="Menlo" panose="020B0609030804020204" pitchFamily="49" charset="0"/>
+              </a:rPr>
+              <a:t>-</a:t>
+            </a:r>
+            <a:r>
+              <a:rPr lang="en-GB" b="0" dirty="0">
+                <a:solidFill>
+                  <a:srgbClr val="000000"/>
+                </a:solidFill>
+                <a:effectLst/>
+                <a:latin typeface="Menlo" panose="020B0609030804020204" pitchFamily="49" charset="0"/>
+              </a:rPr>
+              <a:t> </a:t>
+            </a:r>
+            <a:r>
+              <a:rPr lang="en-GB" b="0" dirty="0" err="1">
+                <a:solidFill>
+                  <a:srgbClr val="000000"/>
+                </a:solidFill>
+                <a:effectLst/>
+                <a:latin typeface="Menlo" panose="020B0609030804020204" pitchFamily="49" charset="0"/>
+              </a:rPr>
+              <a:t>SizeOfStackReserve</a:t>
+            </a:r>
+            <a:r>
+              <a:rPr lang="en-GB" b="0" dirty="0">
+                <a:solidFill>
+                  <a:srgbClr val="000000"/>
+                </a:solidFill>
+                <a:effectLst/>
+                <a:latin typeface="Menlo" panose="020B0609030804020204" pitchFamily="49" charset="0"/>
+              </a:rPr>
+              <a:t>: amount of memory to reserve for the initial thread stack.</a:t>
+            </a:r>
+          </a:p>
+          <a:p>
+            <a:pPr>
+              <a:lnSpc>
+                <a:spcPts val="2250"/>
+              </a:lnSpc>
+            </a:pPr>
+            <a:r>
+              <a:rPr lang="en-GB" b="0" dirty="0">
+                <a:solidFill>
+                  <a:srgbClr val="0451A5"/>
+                </a:solidFill>
+                <a:effectLst/>
+                <a:latin typeface="Menlo" panose="020B0609030804020204" pitchFamily="49" charset="0"/>
+              </a:rPr>
+              <a:t>-</a:t>
+            </a:r>
+            <a:r>
+              <a:rPr lang="en-GB" b="0" dirty="0">
+                <a:solidFill>
+                  <a:srgbClr val="000000"/>
+                </a:solidFill>
+                <a:effectLst/>
+                <a:latin typeface="Menlo" panose="020B0609030804020204" pitchFamily="49" charset="0"/>
+              </a:rPr>
+              <a:t> </a:t>
+            </a:r>
+            <a:r>
+              <a:rPr lang="en-GB" b="0" dirty="0" err="1">
+                <a:solidFill>
+                  <a:srgbClr val="000000"/>
+                </a:solidFill>
+                <a:effectLst/>
+                <a:latin typeface="Menlo" panose="020B0609030804020204" pitchFamily="49" charset="0"/>
+              </a:rPr>
+              <a:t>ResourceSize</a:t>
+            </a:r>
+            <a:r>
+              <a:rPr lang="en-GB" b="0" dirty="0">
+                <a:solidFill>
+                  <a:srgbClr val="000000"/>
+                </a:solidFill>
+                <a:effectLst/>
+                <a:latin typeface="Menlo" panose="020B0609030804020204" pitchFamily="49" charset="0"/>
+              </a:rPr>
+              <a:t>: size of the resources.</a:t>
+            </a:r>
+          </a:p>
+          <a:p>
+            <a:endParaRPr lang="it-IT" dirty="0"/>
+          </a:p>
+        </p:txBody>
+      </p:sp>
+    </p:spTree>
+    <p:extLst>
+      <p:ext uri="{BB962C8B-B14F-4D97-AF65-F5344CB8AC3E}">
+        <p14:creationId xmlns:p14="http://schemas.microsoft.com/office/powerpoint/2010/main" val="408080385"/>
+      </p:ext>
+    </p:extLst>
+  </p:cSld>
+  <p:clrMapOvr>
+    <a:masterClrMapping/>
+  </p:clrMapOvr>
+</p:sld>
+</file>
+
+<file path=ppt/slides/slide11.xml><?xml version="1.0" encoding="utf-8"?>
+<p:sld xmlns:a="http://schemas.openxmlformats.org/drawingml/2006/main" xmlns:r="http://schemas.openxmlformats.org/officeDocument/2006/relationships" xmlns:p="http://schemas.openxmlformats.org/presentationml/2006/main">
+  <p:cSld>
+    <p:spTree>
+      <p:nvGrpSpPr>
+        <p:cNvPr id="1" name="">
+          <a:extLst>
+            <a:ext uri="{FF2B5EF4-FFF2-40B4-BE49-F238E27FC236}">
+              <a16:creationId xmlns:a16="http://schemas.microsoft.com/office/drawing/2014/main" id="{394F5CB0-234D-2E95-3048-8BEFBED15C03}"/>
+            </a:ext>
+          </a:extLst>
+        </p:cNvPr>
+        <p:cNvGrpSpPr/>
+        <p:nvPr/>
+      </p:nvGrpSpPr>
+      <p:grpSpPr>
+        <a:xfrm>
+          <a:off x="0" y="0"/>
+          <a:ext cx="0" cy="0"/>
+          <a:chOff x="0" y="0"/>
+          <a:chExt cx="0" cy="0"/>
+        </a:xfrm>
+      </p:grpSpPr>
+      <p:sp>
+        <p:nvSpPr>
+          <p:cNvPr id="4" name="Oval 3">
+            <a:extLst>
+              <a:ext uri="{FF2B5EF4-FFF2-40B4-BE49-F238E27FC236}">
+                <a16:creationId xmlns:a16="http://schemas.microsoft.com/office/drawing/2014/main" id="{258AD921-7B20-AC34-62C6-98EAD9425681}"/>
+              </a:ext>
+            </a:extLst>
+          </p:cNvPr>
+          <p:cNvSpPr/>
+          <p:nvPr/>
+        </p:nvSpPr>
+        <p:spPr>
+          <a:xfrm>
+            <a:off x="277097" y="260062"/>
+            <a:ext cx="514350" cy="514350"/>
+          </a:xfrm>
+          <a:prstGeom prst="ellipse">
+            <a:avLst/>
+          </a:prstGeom>
+          <a:solidFill>
+            <a:srgbClr val="0F4A7C"/>
+          </a:solidFill>
+          <a:ln>
+            <a:noFill/>
+          </a:ln>
+        </p:spPr>
+        <p:style>
+          <a:lnRef idx="2">
+            <a:schemeClr val="accent1">
+              <a:shade val="15000"/>
+            </a:schemeClr>
+          </a:lnRef>
+          <a:fillRef idx="1">
+            <a:schemeClr val="accent1"/>
+          </a:fillRef>
+          <a:effectRef idx="0">
+            <a:schemeClr val="accent1"/>
+          </a:effectRef>
+          <a:fontRef idx="minor">
+            <a:schemeClr val="lt1"/>
+          </a:fontRef>
+        </p:style>
+        <p:txBody>
+          <a:bodyPr rtlCol="0" anchor="ctr"/>
+          <a:lstStyle/>
+          <a:p>
+            <a:pPr algn="ctr"/>
+            <a:endParaRPr lang="it-IT"/>
+          </a:p>
+        </p:txBody>
+      </p:sp>
+      <p:pic>
+        <p:nvPicPr>
+          <p:cNvPr id="5" name="Picture 4" descr="A white line drawing of a graph and a magnifying glass&#10;&#10;AI-generated content may be incorrect.">
+            <a:extLst>
+              <a:ext uri="{FF2B5EF4-FFF2-40B4-BE49-F238E27FC236}">
+                <a16:creationId xmlns:a16="http://schemas.microsoft.com/office/drawing/2014/main" id="{0D502A96-55F1-9079-DC13-E82B492C636E}"/>
+              </a:ext>
+            </a:extLst>
+          </p:cNvPr>
+          <p:cNvPicPr>
+            <a:picLocks noChangeAspect="1"/>
+          </p:cNvPicPr>
+          <p:nvPr/>
+        </p:nvPicPr>
+        <p:blipFill>
+          <a:blip r:embed="rId2"/>
+          <a:stretch>
+            <a:fillRect/>
+          </a:stretch>
+        </p:blipFill>
+        <p:spPr>
+          <a:xfrm>
+            <a:off x="372407" y="353437"/>
+            <a:ext cx="327600" cy="327600"/>
+          </a:xfrm>
+          <a:prstGeom prst="rect">
+            <a:avLst/>
+          </a:prstGeom>
+        </p:spPr>
+      </p:pic>
+      <p:sp>
+        <p:nvSpPr>
+          <p:cNvPr id="6" name="TextBox 5">
+            <a:extLst>
+              <a:ext uri="{FF2B5EF4-FFF2-40B4-BE49-F238E27FC236}">
+                <a16:creationId xmlns:a16="http://schemas.microsoft.com/office/drawing/2014/main" id="{71A59B89-A777-F902-97A5-E86D7798D13F}"/>
+              </a:ext>
+            </a:extLst>
+          </p:cNvPr>
+          <p:cNvSpPr txBox="1"/>
+          <p:nvPr/>
+        </p:nvSpPr>
+        <p:spPr>
+          <a:xfrm>
+            <a:off x="882886" y="328130"/>
+            <a:ext cx="4054315" cy="369332"/>
+          </a:xfrm>
+          <a:prstGeom prst="rect">
+            <a:avLst/>
+          </a:prstGeom>
+          <a:noFill/>
+        </p:spPr>
+        <p:txBody>
+          <a:bodyPr wrap="none" rtlCol="0">
+            <a:spAutoFit/>
+          </a:bodyPr>
+          <a:lstStyle/>
+          <a:p>
+            <a:r>
+              <a:rPr lang="it-IT" dirty="0">
+                <a:latin typeface="Roboto" panose="02000000000000000000" pitchFamily="2" charset="0"/>
+                <a:ea typeface="Roboto" panose="02000000000000000000" pitchFamily="2" charset="0"/>
+              </a:rPr>
+              <a:t>Data </a:t>
+            </a:r>
+            <a:r>
+              <a:rPr lang="it-IT" dirty="0" err="1">
+                <a:latin typeface="Roboto" panose="02000000000000000000" pitchFamily="2" charset="0"/>
+                <a:ea typeface="Roboto" panose="02000000000000000000" pitchFamily="2" charset="0"/>
+              </a:rPr>
+              <a:t>Acquisition</a:t>
+            </a:r>
+            <a:r>
+              <a:rPr lang="it-IT" dirty="0">
+                <a:latin typeface="Roboto" panose="02000000000000000000" pitchFamily="2" charset="0"/>
+                <a:ea typeface="Roboto" panose="02000000000000000000" pitchFamily="2" charset="0"/>
+              </a:rPr>
+              <a:t> and Data Exploration</a:t>
+            </a:r>
+          </a:p>
+        </p:txBody>
+      </p:sp>
+      <p:sp>
+        <p:nvSpPr>
+          <p:cNvPr id="7" name="TextBox 6">
+            <a:extLst>
+              <a:ext uri="{FF2B5EF4-FFF2-40B4-BE49-F238E27FC236}">
+                <a16:creationId xmlns:a16="http://schemas.microsoft.com/office/drawing/2014/main" id="{8D1AF812-B1FA-37E9-FF26-B40B1607512B}"/>
+              </a:ext>
+            </a:extLst>
+          </p:cNvPr>
+          <p:cNvSpPr txBox="1"/>
+          <p:nvPr/>
+        </p:nvSpPr>
+        <p:spPr>
+          <a:xfrm>
+            <a:off x="1982545" y="697462"/>
+            <a:ext cx="1854995" cy="369332"/>
+          </a:xfrm>
+          <a:prstGeom prst="rect">
+            <a:avLst/>
+          </a:prstGeom>
+          <a:noFill/>
+        </p:spPr>
+        <p:txBody>
+          <a:bodyPr wrap="none" rtlCol="0">
+            <a:spAutoFit/>
+          </a:bodyPr>
+          <a:lstStyle/>
+          <a:p>
+            <a:r>
+              <a:rPr lang="it-IT" dirty="0">
+                <a:latin typeface="Roboto" panose="02000000000000000000" pitchFamily="2" charset="0"/>
+                <a:ea typeface="Roboto" panose="02000000000000000000" pitchFamily="2" charset="0"/>
+              </a:rPr>
+              <a:t>Dataset </a:t>
+            </a:r>
+            <a:r>
+              <a:rPr lang="it-IT" dirty="0" err="1">
+                <a:latin typeface="Roboto" panose="02000000000000000000" pitchFamily="2" charset="0"/>
+                <a:ea typeface="Roboto" panose="02000000000000000000" pitchFamily="2" charset="0"/>
+              </a:rPr>
+              <a:t>Feaures</a:t>
+            </a:r>
+            <a:endParaRPr lang="it-IT" dirty="0">
+              <a:latin typeface="Roboto" panose="02000000000000000000" pitchFamily="2" charset="0"/>
+              <a:ea typeface="Roboto" panose="02000000000000000000" pitchFamily="2" charset="0"/>
+            </a:endParaRPr>
+          </a:p>
+        </p:txBody>
+      </p:sp>
+      <p:pic>
+        <p:nvPicPr>
+          <p:cNvPr id="8" name="Picture 7" descr="A table with numbers and symbols&#10;&#10;AI-generated content may be incorrect.">
+            <a:extLst>
+              <a:ext uri="{FF2B5EF4-FFF2-40B4-BE49-F238E27FC236}">
+                <a16:creationId xmlns:a16="http://schemas.microsoft.com/office/drawing/2014/main" id="{ADAA447F-4D17-1907-06C4-49BD84E92287}"/>
+              </a:ext>
+            </a:extLst>
+          </p:cNvPr>
+          <p:cNvPicPr>
+            <a:picLocks noChangeAspect="1"/>
+          </p:cNvPicPr>
+          <p:nvPr/>
+        </p:nvPicPr>
+        <p:blipFill>
+          <a:blip r:embed="rId3"/>
+          <a:stretch>
+            <a:fillRect/>
+          </a:stretch>
+        </p:blipFill>
+        <p:spPr>
+          <a:xfrm>
+            <a:off x="389000" y="1814873"/>
+            <a:ext cx="11413999" cy="2819120"/>
+          </a:xfrm>
+          <a:prstGeom prst="rect">
+            <a:avLst/>
+          </a:prstGeom>
+        </p:spPr>
+      </p:pic>
+    </p:spTree>
+    <p:extLst>
+      <p:ext uri="{BB962C8B-B14F-4D97-AF65-F5344CB8AC3E}">
+        <p14:creationId xmlns:p14="http://schemas.microsoft.com/office/powerpoint/2010/main" val="3524348193"/>
+      </p:ext>
+    </p:extLst>
+  </p:cSld>
+  <p:clrMapOvr>
+    <a:masterClrMapping/>
+  </p:clrMapOvr>
+</p:sld>
+</file>
+
+<file path=ppt/slides/slide12.xml><?xml version="1.0" encoding="utf-8"?>
+<p:sld xmlns:a="http://schemas.openxmlformats.org/drawingml/2006/main" xmlns:r="http://schemas.openxmlformats.org/officeDocument/2006/relationships" xmlns:p="http://schemas.openxmlformats.org/presentationml/2006/main">
+  <p:cSld>
+    <p:spTree>
+      <p:nvGrpSpPr>
+        <p:cNvPr id="1" name="">
+          <a:extLst>
+            <a:ext uri="{FF2B5EF4-FFF2-40B4-BE49-F238E27FC236}">
+              <a16:creationId xmlns:a16="http://schemas.microsoft.com/office/drawing/2014/main" id="{03810169-1DEC-7871-F79D-E958BC6DB362}"/>
+            </a:ext>
+          </a:extLst>
+        </p:cNvPr>
+        <p:cNvGrpSpPr/>
+        <p:nvPr/>
+      </p:nvGrpSpPr>
+      <p:grpSpPr>
+        <a:xfrm>
+          <a:off x="0" y="0"/>
+          <a:ext cx="0" cy="0"/>
+          <a:chOff x="0" y="0"/>
+          <a:chExt cx="0" cy="0"/>
+        </a:xfrm>
+      </p:grpSpPr>
+      <p:sp>
+        <p:nvSpPr>
+          <p:cNvPr id="4" name="Oval 3">
+            <a:extLst>
+              <a:ext uri="{FF2B5EF4-FFF2-40B4-BE49-F238E27FC236}">
+                <a16:creationId xmlns:a16="http://schemas.microsoft.com/office/drawing/2014/main" id="{72732234-2E7D-04A2-63E1-2F8BE9922A22}"/>
+              </a:ext>
+            </a:extLst>
+          </p:cNvPr>
+          <p:cNvSpPr/>
+          <p:nvPr/>
+        </p:nvSpPr>
+        <p:spPr>
+          <a:xfrm>
+            <a:off x="277097" y="260062"/>
+            <a:ext cx="514350" cy="514350"/>
+          </a:xfrm>
+          <a:prstGeom prst="ellipse">
+            <a:avLst/>
+          </a:prstGeom>
+          <a:solidFill>
+            <a:srgbClr val="0F4A7C"/>
+          </a:solidFill>
+          <a:ln>
+            <a:noFill/>
+          </a:ln>
+        </p:spPr>
+        <p:style>
+          <a:lnRef idx="2">
+            <a:schemeClr val="accent1">
+              <a:shade val="15000"/>
+            </a:schemeClr>
+          </a:lnRef>
+          <a:fillRef idx="1">
+            <a:schemeClr val="accent1"/>
+          </a:fillRef>
+          <a:effectRef idx="0">
+            <a:schemeClr val="accent1"/>
+          </a:effectRef>
+          <a:fontRef idx="minor">
+            <a:schemeClr val="lt1"/>
+          </a:fontRef>
+        </p:style>
+        <p:txBody>
+          <a:bodyPr rtlCol="0" anchor="ctr"/>
+          <a:lstStyle/>
+          <a:p>
+            <a:pPr algn="ctr"/>
+            <a:endParaRPr lang="it-IT"/>
+          </a:p>
+        </p:txBody>
+      </p:sp>
+      <p:pic>
+        <p:nvPicPr>
+          <p:cNvPr id="5" name="Picture 4" descr="A white line drawing of a graph and a magnifying glass&#10;&#10;AI-generated content may be incorrect.">
+            <a:extLst>
+              <a:ext uri="{FF2B5EF4-FFF2-40B4-BE49-F238E27FC236}">
+                <a16:creationId xmlns:a16="http://schemas.microsoft.com/office/drawing/2014/main" id="{4E1B3921-F232-D47E-81DF-1D9411D5DC00}"/>
+              </a:ext>
+            </a:extLst>
+          </p:cNvPr>
+          <p:cNvPicPr>
+            <a:picLocks noChangeAspect="1"/>
+          </p:cNvPicPr>
+          <p:nvPr/>
+        </p:nvPicPr>
+        <p:blipFill>
+          <a:blip r:embed="rId2"/>
+          <a:stretch>
+            <a:fillRect/>
+          </a:stretch>
+        </p:blipFill>
+        <p:spPr>
+          <a:xfrm>
+            <a:off x="372407" y="353437"/>
+            <a:ext cx="327600" cy="327600"/>
+          </a:xfrm>
+          <a:prstGeom prst="rect">
+            <a:avLst/>
+          </a:prstGeom>
+        </p:spPr>
+      </p:pic>
+      <p:sp>
+        <p:nvSpPr>
+          <p:cNvPr id="6" name="TextBox 5">
+            <a:extLst>
+              <a:ext uri="{FF2B5EF4-FFF2-40B4-BE49-F238E27FC236}">
+                <a16:creationId xmlns:a16="http://schemas.microsoft.com/office/drawing/2014/main" id="{CB3B9E1B-6116-1C46-1CD9-A067A1A69E75}"/>
+              </a:ext>
+            </a:extLst>
+          </p:cNvPr>
+          <p:cNvSpPr txBox="1"/>
+          <p:nvPr/>
+        </p:nvSpPr>
+        <p:spPr>
+          <a:xfrm>
+            <a:off x="882886" y="328130"/>
+            <a:ext cx="4054315" cy="369332"/>
+          </a:xfrm>
+          <a:prstGeom prst="rect">
+            <a:avLst/>
+          </a:prstGeom>
+          <a:noFill/>
+        </p:spPr>
+        <p:txBody>
+          <a:bodyPr wrap="none" rtlCol="0">
+            <a:spAutoFit/>
+          </a:bodyPr>
+          <a:lstStyle/>
+          <a:p>
+            <a:r>
+              <a:rPr lang="it-IT" dirty="0">
+                <a:latin typeface="Roboto" panose="02000000000000000000" pitchFamily="2" charset="0"/>
+                <a:ea typeface="Roboto" panose="02000000000000000000" pitchFamily="2" charset="0"/>
+              </a:rPr>
+              <a:t>Data </a:t>
+            </a:r>
+            <a:r>
+              <a:rPr lang="it-IT" dirty="0" err="1">
+                <a:latin typeface="Roboto" panose="02000000000000000000" pitchFamily="2" charset="0"/>
+                <a:ea typeface="Roboto" panose="02000000000000000000" pitchFamily="2" charset="0"/>
+              </a:rPr>
+              <a:t>Acquisition</a:t>
+            </a:r>
+            <a:r>
+              <a:rPr lang="it-IT" dirty="0">
+                <a:latin typeface="Roboto" panose="02000000000000000000" pitchFamily="2" charset="0"/>
+                <a:ea typeface="Roboto" panose="02000000000000000000" pitchFamily="2" charset="0"/>
+              </a:rPr>
+              <a:t> and Data Exploration</a:t>
+            </a:r>
+          </a:p>
+        </p:txBody>
+      </p:sp>
+      <p:sp>
+        <p:nvSpPr>
+          <p:cNvPr id="7" name="TextBox 6">
+            <a:extLst>
+              <a:ext uri="{FF2B5EF4-FFF2-40B4-BE49-F238E27FC236}">
+                <a16:creationId xmlns:a16="http://schemas.microsoft.com/office/drawing/2014/main" id="{52FFE070-E917-AE19-4ADD-7A509A70EE3E}"/>
+              </a:ext>
+            </a:extLst>
+          </p:cNvPr>
+          <p:cNvSpPr txBox="1"/>
+          <p:nvPr/>
+        </p:nvSpPr>
+        <p:spPr>
+          <a:xfrm>
+            <a:off x="1982545" y="697462"/>
+            <a:ext cx="1854995" cy="369332"/>
+          </a:xfrm>
+          <a:prstGeom prst="rect">
+            <a:avLst/>
+          </a:prstGeom>
+          <a:noFill/>
+        </p:spPr>
+        <p:txBody>
+          <a:bodyPr wrap="none" rtlCol="0">
+            <a:spAutoFit/>
+          </a:bodyPr>
+          <a:lstStyle/>
+          <a:p>
+            <a:r>
+              <a:rPr lang="it-IT" dirty="0">
+                <a:latin typeface="Roboto" panose="02000000000000000000" pitchFamily="2" charset="0"/>
+                <a:ea typeface="Roboto" panose="02000000000000000000" pitchFamily="2" charset="0"/>
+              </a:rPr>
+              <a:t>Dataset </a:t>
+            </a:r>
+            <a:r>
+              <a:rPr lang="it-IT" dirty="0" err="1">
+                <a:latin typeface="Roboto" panose="02000000000000000000" pitchFamily="2" charset="0"/>
+                <a:ea typeface="Roboto" panose="02000000000000000000" pitchFamily="2" charset="0"/>
+              </a:rPr>
+              <a:t>Feaures</a:t>
+            </a:r>
+            <a:endParaRPr lang="it-IT" dirty="0">
+              <a:latin typeface="Roboto" panose="02000000000000000000" pitchFamily="2" charset="0"/>
+              <a:ea typeface="Roboto" panose="02000000000000000000" pitchFamily="2" charset="0"/>
+            </a:endParaRPr>
+          </a:p>
+        </p:txBody>
+      </p:sp>
+      <p:pic>
+        <p:nvPicPr>
+          <p:cNvPr id="8" name="Picture 7" descr="A white background with black and white numbers&#10;&#10;AI-generated content may be incorrect.">
+            <a:extLst>
+              <a:ext uri="{FF2B5EF4-FFF2-40B4-BE49-F238E27FC236}">
+                <a16:creationId xmlns:a16="http://schemas.microsoft.com/office/drawing/2014/main" id="{6EB67BA6-7F3D-AA3E-FE54-D9D138443F76}"/>
+              </a:ext>
+            </a:extLst>
+          </p:cNvPr>
+          <p:cNvPicPr>
+            <a:picLocks noChangeAspect="1"/>
+          </p:cNvPicPr>
+          <p:nvPr/>
+        </p:nvPicPr>
+        <p:blipFill>
+          <a:blip r:embed="rId3"/>
+          <a:stretch>
+            <a:fillRect/>
+          </a:stretch>
+        </p:blipFill>
+        <p:spPr>
+          <a:xfrm>
+            <a:off x="744692" y="1436126"/>
+            <a:ext cx="4330700" cy="3886200"/>
+          </a:xfrm>
+          <a:prstGeom prst="rect">
+            <a:avLst/>
+          </a:prstGeom>
+        </p:spPr>
+      </p:pic>
+      <p:pic>
+        <p:nvPicPr>
+          <p:cNvPr id="10" name="Picture 9" descr="A white background with black numbers and symbols&#10;&#10;AI-generated content may be incorrect.">
+            <a:extLst>
+              <a:ext uri="{FF2B5EF4-FFF2-40B4-BE49-F238E27FC236}">
+                <a16:creationId xmlns:a16="http://schemas.microsoft.com/office/drawing/2014/main" id="{E0912EEB-F18C-FDC7-457C-718F70C4FE7C}"/>
+              </a:ext>
+            </a:extLst>
+          </p:cNvPr>
+          <p:cNvPicPr>
+            <a:picLocks noChangeAspect="1"/>
+          </p:cNvPicPr>
+          <p:nvPr/>
+        </p:nvPicPr>
+        <p:blipFill>
+          <a:blip r:embed="rId4"/>
+          <a:stretch>
+            <a:fillRect/>
+          </a:stretch>
+        </p:blipFill>
+        <p:spPr>
+          <a:xfrm>
+            <a:off x="6096000" y="1436126"/>
+            <a:ext cx="4533900" cy="3987800"/>
+          </a:xfrm>
+          <a:prstGeom prst="rect">
+            <a:avLst/>
+          </a:prstGeom>
+        </p:spPr>
+      </p:pic>
+    </p:spTree>
+    <p:extLst>
+      <p:ext uri="{BB962C8B-B14F-4D97-AF65-F5344CB8AC3E}">
+        <p14:creationId xmlns:p14="http://schemas.microsoft.com/office/powerpoint/2010/main" val="2614886011"/>
+      </p:ext>
+    </p:extLst>
+  </p:cSld>
+  <p:clrMapOvr>
+    <a:masterClrMapping/>
+  </p:clrMapOvr>
+</p:sld>
+</file>
+
+<file path=ppt/slides/slide13.xml><?xml version="1.0" encoding="utf-8"?>
+<p:sld xmlns:a="http://schemas.openxmlformats.org/drawingml/2006/main" xmlns:r="http://schemas.openxmlformats.org/officeDocument/2006/relationships" xmlns:p="http://schemas.openxmlformats.org/presentationml/2006/main">
+  <p:cSld>
+    <p:spTree>
+      <p:nvGrpSpPr>
+        <p:cNvPr id="1" name="">
+          <a:extLst>
+            <a:ext uri="{FF2B5EF4-FFF2-40B4-BE49-F238E27FC236}">
+              <a16:creationId xmlns:a16="http://schemas.microsoft.com/office/drawing/2014/main" id="{E66D5562-3BDE-6128-0B75-F99A82977FB3}"/>
+            </a:ext>
+          </a:extLst>
+        </p:cNvPr>
+        <p:cNvGrpSpPr/>
+        <p:nvPr/>
+      </p:nvGrpSpPr>
+      <p:grpSpPr>
+        <a:xfrm>
+          <a:off x="0" y="0"/>
+          <a:ext cx="0" cy="0"/>
+          <a:chOff x="0" y="0"/>
+          <a:chExt cx="0" cy="0"/>
+        </a:xfrm>
+      </p:grpSpPr>
+      <p:sp>
+        <p:nvSpPr>
+          <p:cNvPr id="4" name="Oval 3">
+            <a:extLst>
+              <a:ext uri="{FF2B5EF4-FFF2-40B4-BE49-F238E27FC236}">
+                <a16:creationId xmlns:a16="http://schemas.microsoft.com/office/drawing/2014/main" id="{7E48FDF4-D419-72C2-8EE9-89EAEA637E1B}"/>
+              </a:ext>
+            </a:extLst>
+          </p:cNvPr>
+          <p:cNvSpPr/>
+          <p:nvPr/>
+        </p:nvSpPr>
+        <p:spPr>
+          <a:xfrm>
+            <a:off x="277097" y="260062"/>
+            <a:ext cx="514350" cy="514350"/>
+          </a:xfrm>
+          <a:prstGeom prst="ellipse">
+            <a:avLst/>
+          </a:prstGeom>
+          <a:solidFill>
+            <a:srgbClr val="0F4A7C"/>
+          </a:solidFill>
+          <a:ln>
+            <a:noFill/>
+          </a:ln>
+        </p:spPr>
+        <p:style>
+          <a:lnRef idx="2">
+            <a:schemeClr val="accent1">
+              <a:shade val="15000"/>
+            </a:schemeClr>
+          </a:lnRef>
+          <a:fillRef idx="1">
+            <a:schemeClr val="accent1"/>
+          </a:fillRef>
+          <a:effectRef idx="0">
+            <a:schemeClr val="accent1"/>
+          </a:effectRef>
+          <a:fontRef idx="minor">
+            <a:schemeClr val="lt1"/>
+          </a:fontRef>
+        </p:style>
+        <p:txBody>
+          <a:bodyPr rtlCol="0" anchor="ctr"/>
+          <a:lstStyle/>
+          <a:p>
+            <a:pPr algn="ctr"/>
+            <a:endParaRPr lang="it-IT"/>
+          </a:p>
+        </p:txBody>
+      </p:sp>
+      <p:pic>
+        <p:nvPicPr>
+          <p:cNvPr id="5" name="Picture 4" descr="A white line drawing of a graph and a magnifying glass&#10;&#10;AI-generated content may be incorrect.">
+            <a:extLst>
+              <a:ext uri="{FF2B5EF4-FFF2-40B4-BE49-F238E27FC236}">
+                <a16:creationId xmlns:a16="http://schemas.microsoft.com/office/drawing/2014/main" id="{9A167CA4-B0E5-2C4B-D96A-1DBB99DCE9C8}"/>
+              </a:ext>
+            </a:extLst>
+          </p:cNvPr>
+          <p:cNvPicPr>
+            <a:picLocks noChangeAspect="1"/>
+          </p:cNvPicPr>
+          <p:nvPr/>
+        </p:nvPicPr>
+        <p:blipFill>
+          <a:blip r:embed="rId2"/>
+          <a:stretch>
+            <a:fillRect/>
+          </a:stretch>
+        </p:blipFill>
+        <p:spPr>
+          <a:xfrm>
+            <a:off x="372407" y="353437"/>
+            <a:ext cx="327600" cy="327600"/>
+          </a:xfrm>
+          <a:prstGeom prst="rect">
+            <a:avLst/>
+          </a:prstGeom>
+        </p:spPr>
+      </p:pic>
+      <p:sp>
+        <p:nvSpPr>
+          <p:cNvPr id="6" name="TextBox 5">
+            <a:extLst>
+              <a:ext uri="{FF2B5EF4-FFF2-40B4-BE49-F238E27FC236}">
+                <a16:creationId xmlns:a16="http://schemas.microsoft.com/office/drawing/2014/main" id="{DB74E365-2788-045C-9917-7B64F7A90800}"/>
+              </a:ext>
+            </a:extLst>
+          </p:cNvPr>
+          <p:cNvSpPr txBox="1"/>
+          <p:nvPr/>
+        </p:nvSpPr>
+        <p:spPr>
+          <a:xfrm>
+            <a:off x="882886" y="328130"/>
+            <a:ext cx="4054315" cy="369332"/>
+          </a:xfrm>
+          <a:prstGeom prst="rect">
+            <a:avLst/>
+          </a:prstGeom>
+          <a:noFill/>
+        </p:spPr>
+        <p:txBody>
+          <a:bodyPr wrap="none" rtlCol="0">
+            <a:spAutoFit/>
+          </a:bodyPr>
+          <a:lstStyle/>
+          <a:p>
+            <a:r>
+              <a:rPr lang="it-IT" dirty="0">
+                <a:latin typeface="Roboto" panose="02000000000000000000" pitchFamily="2" charset="0"/>
+                <a:ea typeface="Roboto" panose="02000000000000000000" pitchFamily="2" charset="0"/>
+              </a:rPr>
+              <a:t>Data </a:t>
+            </a:r>
+            <a:r>
+              <a:rPr lang="it-IT" dirty="0" err="1">
+                <a:latin typeface="Roboto" panose="02000000000000000000" pitchFamily="2" charset="0"/>
+                <a:ea typeface="Roboto" panose="02000000000000000000" pitchFamily="2" charset="0"/>
+              </a:rPr>
+              <a:t>Acquisition</a:t>
+            </a:r>
+            <a:r>
+              <a:rPr lang="it-IT" dirty="0">
+                <a:latin typeface="Roboto" panose="02000000000000000000" pitchFamily="2" charset="0"/>
+                <a:ea typeface="Roboto" panose="02000000000000000000" pitchFamily="2" charset="0"/>
+              </a:rPr>
+              <a:t> and Data Exploration</a:t>
+            </a:r>
+          </a:p>
+        </p:txBody>
+      </p:sp>
+      <p:sp>
+        <p:nvSpPr>
+          <p:cNvPr id="7" name="TextBox 6">
+            <a:extLst>
+              <a:ext uri="{FF2B5EF4-FFF2-40B4-BE49-F238E27FC236}">
+                <a16:creationId xmlns:a16="http://schemas.microsoft.com/office/drawing/2014/main" id="{E4DA947C-BB03-754B-CBB5-7B0167B37858}"/>
+              </a:ext>
+            </a:extLst>
+          </p:cNvPr>
+          <p:cNvSpPr txBox="1"/>
+          <p:nvPr/>
+        </p:nvSpPr>
+        <p:spPr>
+          <a:xfrm>
+            <a:off x="1982545" y="697462"/>
+            <a:ext cx="1854995" cy="369332"/>
+          </a:xfrm>
+          <a:prstGeom prst="rect">
+            <a:avLst/>
+          </a:prstGeom>
+          <a:noFill/>
+        </p:spPr>
+        <p:txBody>
+          <a:bodyPr wrap="none" rtlCol="0">
+            <a:spAutoFit/>
+          </a:bodyPr>
+          <a:lstStyle/>
+          <a:p>
+            <a:r>
+              <a:rPr lang="it-IT" dirty="0">
+                <a:latin typeface="Roboto" panose="02000000000000000000" pitchFamily="2" charset="0"/>
+                <a:ea typeface="Roboto" panose="02000000000000000000" pitchFamily="2" charset="0"/>
+              </a:rPr>
+              <a:t>Dataset </a:t>
+            </a:r>
+            <a:r>
+              <a:rPr lang="it-IT" dirty="0" err="1">
+                <a:latin typeface="Roboto" panose="02000000000000000000" pitchFamily="2" charset="0"/>
+                <a:ea typeface="Roboto" panose="02000000000000000000" pitchFamily="2" charset="0"/>
+              </a:rPr>
+              <a:t>Feaures</a:t>
+            </a:r>
+            <a:endParaRPr lang="it-IT" dirty="0">
+              <a:latin typeface="Roboto" panose="02000000000000000000" pitchFamily="2" charset="0"/>
+              <a:ea typeface="Roboto" panose="02000000000000000000" pitchFamily="2" charset="0"/>
+            </a:endParaRPr>
+          </a:p>
+        </p:txBody>
+      </p:sp>
+      <p:pic>
+        <p:nvPicPr>
+          <p:cNvPr id="2" name="Picture 1">
+            <a:extLst>
+              <a:ext uri="{FF2B5EF4-FFF2-40B4-BE49-F238E27FC236}">
+                <a16:creationId xmlns:a16="http://schemas.microsoft.com/office/drawing/2014/main" id="{34A8FF24-8A55-C6D2-CB7C-F2C852FF0DC2}"/>
+              </a:ext>
+            </a:extLst>
+          </p:cNvPr>
+          <p:cNvPicPr>
+            <a:picLocks noChangeAspect="1"/>
+          </p:cNvPicPr>
+          <p:nvPr/>
+        </p:nvPicPr>
+        <p:blipFill>
+          <a:blip r:embed="rId3"/>
+          <a:stretch>
+            <a:fillRect/>
+          </a:stretch>
+        </p:blipFill>
+        <p:spPr>
+          <a:xfrm>
+            <a:off x="372407" y="1436126"/>
+            <a:ext cx="4564794" cy="2640420"/>
+          </a:xfrm>
+          <a:prstGeom prst="rect">
+            <a:avLst/>
+          </a:prstGeom>
+        </p:spPr>
+      </p:pic>
+    </p:spTree>
+    <p:extLst>
+      <p:ext uri="{BB962C8B-B14F-4D97-AF65-F5344CB8AC3E}">
+        <p14:creationId xmlns:p14="http://schemas.microsoft.com/office/powerpoint/2010/main" val="6304559"/>
+      </p:ext>
+    </p:extLst>
+  </p:cSld>
+  <p:clrMapOvr>
+    <a:masterClrMapping/>
+  </p:clrMapOvr>
+</p:sld>
+</file>
+
+<file path=ppt/slides/slide14.xml><?xml version="1.0" encoding="utf-8"?>
+<p:sld xmlns:a="http://schemas.openxmlformats.org/drawingml/2006/main" xmlns:r="http://schemas.openxmlformats.org/officeDocument/2006/relationships" xmlns:p="http://schemas.openxmlformats.org/presentationml/2006/main">
+  <p:cSld>
+    <p:spTree>
+      <p:nvGrpSpPr>
+        <p:cNvPr id="1" name="">
+          <a:extLst>
+            <a:ext uri="{FF2B5EF4-FFF2-40B4-BE49-F238E27FC236}">
+              <a16:creationId xmlns:a16="http://schemas.microsoft.com/office/drawing/2014/main" id="{F120F54B-FDCD-B17F-D158-040546433EAF}"/>
+            </a:ext>
+          </a:extLst>
+        </p:cNvPr>
+        <p:cNvGrpSpPr/>
+        <p:nvPr/>
+      </p:nvGrpSpPr>
+      <p:grpSpPr>
+        <a:xfrm>
+          <a:off x="0" y="0"/>
+          <a:ext cx="0" cy="0"/>
+          <a:chOff x="0" y="0"/>
+          <a:chExt cx="0" cy="0"/>
+        </a:xfrm>
+      </p:grpSpPr>
+      <p:sp>
+        <p:nvSpPr>
+          <p:cNvPr id="4" name="Oval 3">
+            <a:extLst>
+              <a:ext uri="{FF2B5EF4-FFF2-40B4-BE49-F238E27FC236}">
+                <a16:creationId xmlns:a16="http://schemas.microsoft.com/office/drawing/2014/main" id="{63B921CA-50F6-DCEE-A2BC-08337BA746DD}"/>
+              </a:ext>
+            </a:extLst>
+          </p:cNvPr>
+          <p:cNvSpPr/>
+          <p:nvPr/>
+        </p:nvSpPr>
+        <p:spPr>
+          <a:xfrm>
+            <a:off x="277097" y="260062"/>
+            <a:ext cx="514350" cy="514350"/>
+          </a:xfrm>
+          <a:prstGeom prst="ellipse">
+            <a:avLst/>
+          </a:prstGeom>
+          <a:solidFill>
+            <a:srgbClr val="0F4A7C"/>
+          </a:solidFill>
+          <a:ln>
+            <a:noFill/>
+          </a:ln>
+        </p:spPr>
+        <p:style>
+          <a:lnRef idx="2">
+            <a:schemeClr val="accent1">
+              <a:shade val="15000"/>
+            </a:schemeClr>
+          </a:lnRef>
+          <a:fillRef idx="1">
+            <a:schemeClr val="accent1"/>
+          </a:fillRef>
+          <a:effectRef idx="0">
+            <a:schemeClr val="accent1"/>
+          </a:effectRef>
+          <a:fontRef idx="minor">
+            <a:schemeClr val="lt1"/>
+          </a:fontRef>
+        </p:style>
+        <p:txBody>
+          <a:bodyPr rtlCol="0" anchor="ctr"/>
+          <a:lstStyle/>
+          <a:p>
+            <a:pPr algn="ctr"/>
+            <a:endParaRPr lang="it-IT"/>
+          </a:p>
+        </p:txBody>
+      </p:sp>
+      <p:pic>
+        <p:nvPicPr>
+          <p:cNvPr id="5" name="Picture 4" descr="A white line drawing of a graph and a magnifying glass&#10;&#10;AI-generated content may be incorrect.">
+            <a:extLst>
+              <a:ext uri="{FF2B5EF4-FFF2-40B4-BE49-F238E27FC236}">
+                <a16:creationId xmlns:a16="http://schemas.microsoft.com/office/drawing/2014/main" id="{2D5C66E2-5500-9206-AEF6-98E9417FE0B6}"/>
+              </a:ext>
+            </a:extLst>
+          </p:cNvPr>
+          <p:cNvPicPr>
+            <a:picLocks noChangeAspect="1"/>
+          </p:cNvPicPr>
+          <p:nvPr/>
+        </p:nvPicPr>
+        <p:blipFill>
+          <a:blip r:embed="rId2"/>
+          <a:stretch>
+            <a:fillRect/>
+          </a:stretch>
+        </p:blipFill>
+        <p:spPr>
+          <a:xfrm>
+            <a:off x="372407" y="353437"/>
+            <a:ext cx="327600" cy="327600"/>
+          </a:xfrm>
+          <a:prstGeom prst="rect">
+            <a:avLst/>
+          </a:prstGeom>
+        </p:spPr>
+      </p:pic>
+      <p:sp>
+        <p:nvSpPr>
+          <p:cNvPr id="6" name="TextBox 5">
+            <a:extLst>
+              <a:ext uri="{FF2B5EF4-FFF2-40B4-BE49-F238E27FC236}">
+                <a16:creationId xmlns:a16="http://schemas.microsoft.com/office/drawing/2014/main" id="{A79C9104-F3D5-3951-3353-BBCD157D6A70}"/>
+              </a:ext>
+            </a:extLst>
+          </p:cNvPr>
+          <p:cNvSpPr txBox="1"/>
+          <p:nvPr/>
+        </p:nvSpPr>
+        <p:spPr>
+          <a:xfrm>
+            <a:off x="882886" y="328130"/>
+            <a:ext cx="4054315" cy="369332"/>
+          </a:xfrm>
+          <a:prstGeom prst="rect">
+            <a:avLst/>
+          </a:prstGeom>
+          <a:noFill/>
+        </p:spPr>
+        <p:txBody>
+          <a:bodyPr wrap="none" rtlCol="0">
+            <a:spAutoFit/>
+          </a:bodyPr>
+          <a:lstStyle/>
+          <a:p>
+            <a:r>
+              <a:rPr lang="it-IT" dirty="0">
+                <a:latin typeface="Roboto" panose="02000000000000000000" pitchFamily="2" charset="0"/>
+                <a:ea typeface="Roboto" panose="02000000000000000000" pitchFamily="2" charset="0"/>
+              </a:rPr>
+              <a:t>Data </a:t>
+            </a:r>
+            <a:r>
+              <a:rPr lang="it-IT" dirty="0" err="1">
+                <a:latin typeface="Roboto" panose="02000000000000000000" pitchFamily="2" charset="0"/>
+                <a:ea typeface="Roboto" panose="02000000000000000000" pitchFamily="2" charset="0"/>
+              </a:rPr>
+              <a:t>Acquisition</a:t>
+            </a:r>
+            <a:r>
+              <a:rPr lang="it-IT" dirty="0">
+                <a:latin typeface="Roboto" panose="02000000000000000000" pitchFamily="2" charset="0"/>
+                <a:ea typeface="Roboto" panose="02000000000000000000" pitchFamily="2" charset="0"/>
+              </a:rPr>
+              <a:t> and Data Exploration</a:t>
+            </a:r>
+          </a:p>
+        </p:txBody>
+      </p:sp>
+      <p:sp>
+        <p:nvSpPr>
+          <p:cNvPr id="7" name="TextBox 6">
+            <a:extLst>
+              <a:ext uri="{FF2B5EF4-FFF2-40B4-BE49-F238E27FC236}">
+                <a16:creationId xmlns:a16="http://schemas.microsoft.com/office/drawing/2014/main" id="{39112738-5204-799D-AACD-EBBA030B5F53}"/>
+              </a:ext>
+            </a:extLst>
+          </p:cNvPr>
+          <p:cNvSpPr txBox="1"/>
+          <p:nvPr/>
+        </p:nvSpPr>
+        <p:spPr>
+          <a:xfrm>
+            <a:off x="1982545" y="697462"/>
+            <a:ext cx="1854995" cy="369332"/>
+          </a:xfrm>
+          <a:prstGeom prst="rect">
+            <a:avLst/>
+          </a:prstGeom>
+          <a:noFill/>
+        </p:spPr>
+        <p:txBody>
+          <a:bodyPr wrap="none" rtlCol="0">
+            <a:spAutoFit/>
+          </a:bodyPr>
+          <a:lstStyle/>
+          <a:p>
+            <a:r>
+              <a:rPr lang="it-IT" dirty="0">
+                <a:latin typeface="Roboto" panose="02000000000000000000" pitchFamily="2" charset="0"/>
+                <a:ea typeface="Roboto" panose="02000000000000000000" pitchFamily="2" charset="0"/>
+              </a:rPr>
+              <a:t>Dataset </a:t>
+            </a:r>
+            <a:r>
+              <a:rPr lang="it-IT" dirty="0" err="1">
+                <a:latin typeface="Roboto" panose="02000000000000000000" pitchFamily="2" charset="0"/>
+                <a:ea typeface="Roboto" panose="02000000000000000000" pitchFamily="2" charset="0"/>
+              </a:rPr>
+              <a:t>Feaures</a:t>
+            </a:r>
+            <a:endParaRPr lang="it-IT" dirty="0">
+              <a:latin typeface="Roboto" panose="02000000000000000000" pitchFamily="2" charset="0"/>
+              <a:ea typeface="Roboto" panose="02000000000000000000" pitchFamily="2" charset="0"/>
+            </a:endParaRPr>
+          </a:p>
+        </p:txBody>
+      </p:sp>
+      <p:pic>
+        <p:nvPicPr>
+          <p:cNvPr id="3" name="Picture 2">
+            <a:extLst>
+              <a:ext uri="{FF2B5EF4-FFF2-40B4-BE49-F238E27FC236}">
+                <a16:creationId xmlns:a16="http://schemas.microsoft.com/office/drawing/2014/main" id="{E3794A20-37F2-4749-9C89-36CE77D1C7C3}"/>
+              </a:ext>
+            </a:extLst>
+          </p:cNvPr>
+          <p:cNvPicPr>
+            <a:picLocks noChangeAspect="1"/>
+          </p:cNvPicPr>
+          <p:nvPr/>
+        </p:nvPicPr>
+        <p:blipFill>
+          <a:blip r:embed="rId3"/>
+          <a:stretch>
+            <a:fillRect/>
+          </a:stretch>
+        </p:blipFill>
+        <p:spPr>
+          <a:xfrm>
+            <a:off x="372407" y="0"/>
+            <a:ext cx="4058336" cy="6858000"/>
+          </a:xfrm>
+          <a:prstGeom prst="rect">
+            <a:avLst/>
+          </a:prstGeom>
+        </p:spPr>
+      </p:pic>
+      <p:pic>
+        <p:nvPicPr>
+          <p:cNvPr id="8" name="Picture 7">
+            <a:extLst>
+              <a:ext uri="{FF2B5EF4-FFF2-40B4-BE49-F238E27FC236}">
+                <a16:creationId xmlns:a16="http://schemas.microsoft.com/office/drawing/2014/main" id="{7BCB1930-D12A-6331-58A5-DD3FC4634FF5}"/>
+              </a:ext>
+            </a:extLst>
+          </p:cNvPr>
+          <p:cNvPicPr>
+            <a:picLocks noChangeAspect="1"/>
+          </p:cNvPicPr>
+          <p:nvPr/>
+        </p:nvPicPr>
+        <p:blipFill>
+          <a:blip r:embed="rId4"/>
+          <a:stretch>
+            <a:fillRect/>
+          </a:stretch>
+        </p:blipFill>
+        <p:spPr>
+          <a:xfrm>
+            <a:off x="4522182" y="512796"/>
+            <a:ext cx="4406900" cy="2514600"/>
+          </a:xfrm>
+          <a:prstGeom prst="rect">
+            <a:avLst/>
+          </a:prstGeom>
+        </p:spPr>
+      </p:pic>
+      <p:pic>
+        <p:nvPicPr>
+          <p:cNvPr id="10" name="Picture 9">
+            <a:extLst>
+              <a:ext uri="{FF2B5EF4-FFF2-40B4-BE49-F238E27FC236}">
+                <a16:creationId xmlns:a16="http://schemas.microsoft.com/office/drawing/2014/main" id="{1C122A96-33B0-BA61-1D4F-A4F1FDED9B2C}"/>
+              </a:ext>
+            </a:extLst>
+          </p:cNvPr>
+          <p:cNvPicPr>
+            <a:picLocks noChangeAspect="1"/>
+          </p:cNvPicPr>
+          <p:nvPr/>
+        </p:nvPicPr>
+        <p:blipFill>
+          <a:blip r:embed="rId5"/>
+          <a:stretch>
+            <a:fillRect/>
+          </a:stretch>
+        </p:blipFill>
+        <p:spPr>
+          <a:xfrm>
+            <a:off x="4407882" y="3212062"/>
+            <a:ext cx="4521200" cy="2514600"/>
+          </a:xfrm>
+          <a:prstGeom prst="rect">
+            <a:avLst/>
+          </a:prstGeom>
+        </p:spPr>
+      </p:pic>
+      <p:pic>
+        <p:nvPicPr>
+          <p:cNvPr id="11" name="Picture 10">
+            <a:extLst>
+              <a:ext uri="{FF2B5EF4-FFF2-40B4-BE49-F238E27FC236}">
+                <a16:creationId xmlns:a16="http://schemas.microsoft.com/office/drawing/2014/main" id="{9573C7E3-DC00-0B28-CA5C-AFA235294E37}"/>
+              </a:ext>
+            </a:extLst>
+          </p:cNvPr>
+          <p:cNvPicPr>
+            <a:picLocks noChangeAspect="1"/>
+          </p:cNvPicPr>
+          <p:nvPr/>
+        </p:nvPicPr>
+        <p:blipFill>
+          <a:blip r:embed="rId6"/>
+          <a:stretch>
+            <a:fillRect/>
+          </a:stretch>
+        </p:blipFill>
+        <p:spPr>
+          <a:xfrm>
+            <a:off x="6198172" y="0"/>
+            <a:ext cx="4011283" cy="6858000"/>
+          </a:xfrm>
+          <a:prstGeom prst="rect">
+            <a:avLst/>
+          </a:prstGeom>
+        </p:spPr>
+      </p:pic>
+      <p:pic>
+        <p:nvPicPr>
+          <p:cNvPr id="12" name="Picture 11">
+            <a:extLst>
+              <a:ext uri="{FF2B5EF4-FFF2-40B4-BE49-F238E27FC236}">
+                <a16:creationId xmlns:a16="http://schemas.microsoft.com/office/drawing/2014/main" id="{DEBE97D9-1829-2774-C412-CFD8038FEFAD}"/>
+              </a:ext>
+            </a:extLst>
+          </p:cNvPr>
+          <p:cNvPicPr>
+            <a:picLocks noChangeAspect="1"/>
+          </p:cNvPicPr>
+          <p:nvPr/>
+        </p:nvPicPr>
+        <p:blipFill>
+          <a:blip r:embed="rId7"/>
+          <a:stretch>
+            <a:fillRect/>
+          </a:stretch>
+        </p:blipFill>
+        <p:spPr>
+          <a:xfrm>
+            <a:off x="8180717" y="0"/>
+            <a:ext cx="4011283" cy="6858000"/>
+          </a:xfrm>
+          <a:prstGeom prst="rect">
+            <a:avLst/>
+          </a:prstGeom>
+        </p:spPr>
+      </p:pic>
+      <p:pic>
+        <p:nvPicPr>
+          <p:cNvPr id="13" name="Picture 12">
+            <a:extLst>
+              <a:ext uri="{FF2B5EF4-FFF2-40B4-BE49-F238E27FC236}">
+                <a16:creationId xmlns:a16="http://schemas.microsoft.com/office/drawing/2014/main" id="{B661560C-0C5E-F3A0-B78E-6CA6156ED5EA}"/>
+              </a:ext>
+            </a:extLst>
+          </p:cNvPr>
+          <p:cNvPicPr>
+            <a:picLocks noChangeAspect="1"/>
+          </p:cNvPicPr>
+          <p:nvPr/>
+        </p:nvPicPr>
+        <p:blipFill>
+          <a:blip r:embed="rId8"/>
+          <a:stretch>
+            <a:fillRect/>
+          </a:stretch>
+        </p:blipFill>
+        <p:spPr>
+          <a:xfrm>
+            <a:off x="3662546" y="0"/>
+            <a:ext cx="4058336" cy="6858000"/>
+          </a:xfrm>
+          <a:prstGeom prst="rect">
+            <a:avLst/>
+          </a:prstGeom>
+        </p:spPr>
+      </p:pic>
+      <p:pic>
+        <p:nvPicPr>
+          <p:cNvPr id="14" name="Picture 13">
+            <a:extLst>
+              <a:ext uri="{FF2B5EF4-FFF2-40B4-BE49-F238E27FC236}">
+                <a16:creationId xmlns:a16="http://schemas.microsoft.com/office/drawing/2014/main" id="{C30D8CF7-4122-3021-F566-AE83A8CB7CB1}"/>
+              </a:ext>
+            </a:extLst>
+          </p:cNvPr>
+          <p:cNvPicPr>
+            <a:picLocks noChangeAspect="1"/>
+          </p:cNvPicPr>
+          <p:nvPr/>
+        </p:nvPicPr>
+        <p:blipFill>
+          <a:blip r:embed="rId9"/>
+          <a:stretch>
+            <a:fillRect/>
+          </a:stretch>
+        </p:blipFill>
+        <p:spPr>
+          <a:xfrm>
+            <a:off x="6725632" y="970177"/>
+            <a:ext cx="4356100" cy="2514600"/>
+          </a:xfrm>
+          <a:prstGeom prst="rect">
+            <a:avLst/>
+          </a:prstGeom>
+        </p:spPr>
+      </p:pic>
+    </p:spTree>
+    <p:extLst>
+      <p:ext uri="{BB962C8B-B14F-4D97-AF65-F5344CB8AC3E}">
+        <p14:creationId xmlns:p14="http://schemas.microsoft.com/office/powerpoint/2010/main" val="2185865655"/>
+      </p:ext>
+    </p:extLst>
+  </p:cSld>
+  <p:clrMapOvr>
+    <a:masterClrMapping/>
+  </p:clrMapOvr>
+</p:sld>
+</file>
+
+<file path=ppt/slides/slide15.xml><?xml version="1.0" encoding="utf-8"?>
+<p:sld xmlns:a="http://schemas.openxmlformats.org/drawingml/2006/main" xmlns:r="http://schemas.openxmlformats.org/officeDocument/2006/relationships" xmlns:p="http://schemas.openxmlformats.org/presentationml/2006/main">
+  <p:cSld>
+    <p:spTree>
+      <p:nvGrpSpPr>
+        <p:cNvPr id="1" name="">
+          <a:extLst>
+            <a:ext uri="{FF2B5EF4-FFF2-40B4-BE49-F238E27FC236}">
+              <a16:creationId xmlns:a16="http://schemas.microsoft.com/office/drawing/2014/main" id="{C4135089-8DB1-8BE6-C7B0-44319F460A0B}"/>
+            </a:ext>
+          </a:extLst>
+        </p:cNvPr>
+        <p:cNvGrpSpPr/>
+        <p:nvPr/>
+      </p:nvGrpSpPr>
+      <p:grpSpPr>
+        <a:xfrm>
+          <a:off x="0" y="0"/>
+          <a:ext cx="0" cy="0"/>
+          <a:chOff x="0" y="0"/>
+          <a:chExt cx="0" cy="0"/>
+        </a:xfrm>
+      </p:grpSpPr>
+      <p:sp>
+        <p:nvSpPr>
+          <p:cNvPr id="4" name="Oval 3">
+            <a:extLst>
+              <a:ext uri="{FF2B5EF4-FFF2-40B4-BE49-F238E27FC236}">
+                <a16:creationId xmlns:a16="http://schemas.microsoft.com/office/drawing/2014/main" id="{9BCCDF8B-8060-229D-6AF2-C1EDF0BC7F58}"/>
+              </a:ext>
+            </a:extLst>
+          </p:cNvPr>
+          <p:cNvSpPr/>
+          <p:nvPr/>
+        </p:nvSpPr>
+        <p:spPr>
+          <a:xfrm>
+            <a:off x="277097" y="260062"/>
+            <a:ext cx="514350" cy="514350"/>
+          </a:xfrm>
+          <a:prstGeom prst="ellipse">
+            <a:avLst/>
+          </a:prstGeom>
+          <a:solidFill>
+            <a:srgbClr val="0F4A7C"/>
+          </a:solidFill>
+          <a:ln>
+            <a:noFill/>
+          </a:ln>
+        </p:spPr>
+        <p:style>
+          <a:lnRef idx="2">
+            <a:schemeClr val="accent1">
+              <a:shade val="15000"/>
+            </a:schemeClr>
+          </a:lnRef>
+          <a:fillRef idx="1">
+            <a:schemeClr val="accent1"/>
+          </a:fillRef>
+          <a:effectRef idx="0">
+            <a:schemeClr val="accent1"/>
+          </a:effectRef>
+          <a:fontRef idx="minor">
+            <a:schemeClr val="lt1"/>
+          </a:fontRef>
+        </p:style>
+        <p:txBody>
+          <a:bodyPr rtlCol="0" anchor="ctr"/>
+          <a:lstStyle/>
+          <a:p>
+            <a:pPr algn="ctr"/>
+            <a:endParaRPr lang="it-IT"/>
+          </a:p>
+        </p:txBody>
+      </p:sp>
+      <p:pic>
+        <p:nvPicPr>
+          <p:cNvPr id="5" name="Picture 4" descr="A white line drawing of a graph and a magnifying glass&#10;&#10;AI-generated content may be incorrect.">
+            <a:extLst>
+              <a:ext uri="{FF2B5EF4-FFF2-40B4-BE49-F238E27FC236}">
+                <a16:creationId xmlns:a16="http://schemas.microsoft.com/office/drawing/2014/main" id="{FEBB3428-847B-06C1-DCA3-C32486A8C34D}"/>
+              </a:ext>
+            </a:extLst>
+          </p:cNvPr>
+          <p:cNvPicPr>
+            <a:picLocks noChangeAspect="1"/>
+          </p:cNvPicPr>
+          <p:nvPr/>
+        </p:nvPicPr>
+        <p:blipFill>
+          <a:blip r:embed="rId2"/>
+          <a:stretch>
+            <a:fillRect/>
+          </a:stretch>
+        </p:blipFill>
+        <p:spPr>
+          <a:xfrm>
+            <a:off x="372407" y="353437"/>
+            <a:ext cx="327600" cy="327600"/>
+          </a:xfrm>
+          <a:prstGeom prst="rect">
+            <a:avLst/>
+          </a:prstGeom>
+        </p:spPr>
+      </p:pic>
+      <p:sp>
+        <p:nvSpPr>
+          <p:cNvPr id="6" name="TextBox 5">
+            <a:extLst>
+              <a:ext uri="{FF2B5EF4-FFF2-40B4-BE49-F238E27FC236}">
+                <a16:creationId xmlns:a16="http://schemas.microsoft.com/office/drawing/2014/main" id="{86A51F4B-8E32-E77E-7DD2-B0666F99AD4B}"/>
+              </a:ext>
+            </a:extLst>
+          </p:cNvPr>
+          <p:cNvSpPr txBox="1"/>
+          <p:nvPr/>
+        </p:nvSpPr>
+        <p:spPr>
+          <a:xfrm>
+            <a:off x="882886" y="328130"/>
+            <a:ext cx="4054315" cy="369332"/>
+          </a:xfrm>
+          <a:prstGeom prst="rect">
+            <a:avLst/>
+          </a:prstGeom>
+          <a:noFill/>
+        </p:spPr>
+        <p:txBody>
+          <a:bodyPr wrap="none" rtlCol="0">
+            <a:spAutoFit/>
+          </a:bodyPr>
+          <a:lstStyle/>
+          <a:p>
+            <a:r>
+              <a:rPr lang="it-IT" dirty="0">
+                <a:latin typeface="Roboto" panose="02000000000000000000" pitchFamily="2" charset="0"/>
+                <a:ea typeface="Roboto" panose="02000000000000000000" pitchFamily="2" charset="0"/>
+              </a:rPr>
+              <a:t>Data </a:t>
+            </a:r>
+            <a:r>
+              <a:rPr lang="it-IT" dirty="0" err="1">
+                <a:latin typeface="Roboto" panose="02000000000000000000" pitchFamily="2" charset="0"/>
+                <a:ea typeface="Roboto" panose="02000000000000000000" pitchFamily="2" charset="0"/>
+              </a:rPr>
+              <a:t>Acquisition</a:t>
+            </a:r>
+            <a:r>
+              <a:rPr lang="it-IT" dirty="0">
+                <a:latin typeface="Roboto" panose="02000000000000000000" pitchFamily="2" charset="0"/>
+                <a:ea typeface="Roboto" panose="02000000000000000000" pitchFamily="2" charset="0"/>
+              </a:rPr>
+              <a:t> and Data Exploration</a:t>
+            </a:r>
+          </a:p>
+        </p:txBody>
+      </p:sp>
+      <p:sp>
+        <p:nvSpPr>
+          <p:cNvPr id="7" name="TextBox 6">
+            <a:extLst>
+              <a:ext uri="{FF2B5EF4-FFF2-40B4-BE49-F238E27FC236}">
+                <a16:creationId xmlns:a16="http://schemas.microsoft.com/office/drawing/2014/main" id="{821489F6-BFFB-0008-B4D4-D8B954C3C515}"/>
+              </a:ext>
+            </a:extLst>
+          </p:cNvPr>
+          <p:cNvSpPr txBox="1"/>
+          <p:nvPr/>
+        </p:nvSpPr>
+        <p:spPr>
+          <a:xfrm>
+            <a:off x="1982545" y="697462"/>
+            <a:ext cx="1854995" cy="369332"/>
+          </a:xfrm>
+          <a:prstGeom prst="rect">
+            <a:avLst/>
+          </a:prstGeom>
+          <a:noFill/>
+        </p:spPr>
+        <p:txBody>
+          <a:bodyPr wrap="none" rtlCol="0">
+            <a:spAutoFit/>
+          </a:bodyPr>
+          <a:lstStyle/>
+          <a:p>
+            <a:r>
+              <a:rPr lang="it-IT" dirty="0">
+                <a:latin typeface="Roboto" panose="02000000000000000000" pitchFamily="2" charset="0"/>
+                <a:ea typeface="Roboto" panose="02000000000000000000" pitchFamily="2" charset="0"/>
+              </a:rPr>
+              <a:t>Dataset </a:t>
+            </a:r>
+            <a:r>
+              <a:rPr lang="it-IT" dirty="0" err="1">
+                <a:latin typeface="Roboto" panose="02000000000000000000" pitchFamily="2" charset="0"/>
+                <a:ea typeface="Roboto" panose="02000000000000000000" pitchFamily="2" charset="0"/>
+              </a:rPr>
+              <a:t>Feaures</a:t>
+            </a:r>
+            <a:endParaRPr lang="it-IT" dirty="0">
+              <a:latin typeface="Roboto" panose="02000000000000000000" pitchFamily="2" charset="0"/>
+              <a:ea typeface="Roboto" panose="02000000000000000000" pitchFamily="2" charset="0"/>
+            </a:endParaRPr>
+          </a:p>
+        </p:txBody>
+      </p:sp>
+      <p:pic>
+        <p:nvPicPr>
+          <p:cNvPr id="3" name="Picture 2">
+            <a:extLst>
+              <a:ext uri="{FF2B5EF4-FFF2-40B4-BE49-F238E27FC236}">
+                <a16:creationId xmlns:a16="http://schemas.microsoft.com/office/drawing/2014/main" id="{F320B7F0-85B8-4CEB-AEDE-938836BCEB56}"/>
+              </a:ext>
+            </a:extLst>
+          </p:cNvPr>
+          <p:cNvPicPr>
+            <a:picLocks noChangeAspect="1"/>
+          </p:cNvPicPr>
+          <p:nvPr/>
+        </p:nvPicPr>
+        <p:blipFill>
+          <a:blip r:embed="rId3"/>
+          <a:stretch>
+            <a:fillRect/>
+          </a:stretch>
+        </p:blipFill>
+        <p:spPr>
+          <a:xfrm>
+            <a:off x="534272" y="1703307"/>
+            <a:ext cx="2540000" cy="1498600"/>
+          </a:xfrm>
+          <a:prstGeom prst="rect">
+            <a:avLst/>
+          </a:prstGeom>
+        </p:spPr>
+      </p:pic>
+      <p:pic>
+        <p:nvPicPr>
+          <p:cNvPr id="10" name="Picture 9" descr="A screenshot of a computer code&#10;&#10;AI-generated content may be incorrect.">
+            <a:extLst>
+              <a:ext uri="{FF2B5EF4-FFF2-40B4-BE49-F238E27FC236}">
+                <a16:creationId xmlns:a16="http://schemas.microsoft.com/office/drawing/2014/main" id="{A48D0C0D-2C71-13C0-0FB1-2B4F311C864A}"/>
+              </a:ext>
+            </a:extLst>
+          </p:cNvPr>
+          <p:cNvPicPr>
+            <a:picLocks noChangeAspect="1"/>
+          </p:cNvPicPr>
+          <p:nvPr/>
+        </p:nvPicPr>
+        <p:blipFill>
+          <a:blip r:embed="rId4"/>
+          <a:stretch>
+            <a:fillRect/>
+          </a:stretch>
+        </p:blipFill>
+        <p:spPr>
+          <a:xfrm>
+            <a:off x="4203162" y="1703307"/>
+            <a:ext cx="7226300" cy="2984500"/>
+          </a:xfrm>
+          <a:prstGeom prst="rect">
+            <a:avLst/>
+          </a:prstGeom>
+        </p:spPr>
+      </p:pic>
+    </p:spTree>
+    <p:extLst>
+      <p:ext uri="{BB962C8B-B14F-4D97-AF65-F5344CB8AC3E}">
+        <p14:creationId xmlns:p14="http://schemas.microsoft.com/office/powerpoint/2010/main" val="3501928192"/>
+      </p:ext>
+    </p:extLst>
+  </p:cSld>
+  <p:clrMapOvr>
+    <a:masterClrMapping/>
+  </p:clrMapOvr>
+</p:sld>
+</file>
+
+<file path=ppt/slides/slide16.xml><?xml version="1.0" encoding="utf-8"?>
+<p:sld xmlns:a="http://schemas.openxmlformats.org/drawingml/2006/main" xmlns:r="http://schemas.openxmlformats.org/officeDocument/2006/relationships" xmlns:p="http://schemas.openxmlformats.org/presentationml/2006/main">
+  <p:cSld>
+    <p:spTree>
+      <p:nvGrpSpPr>
+        <p:cNvPr id="1" name="">
+          <a:extLst>
+            <a:ext uri="{FF2B5EF4-FFF2-40B4-BE49-F238E27FC236}">
+              <a16:creationId xmlns:a16="http://schemas.microsoft.com/office/drawing/2014/main" id="{0F3D070F-91EC-4D5F-4B29-8FB481DA20C3}"/>
+            </a:ext>
+          </a:extLst>
+        </p:cNvPr>
+        <p:cNvGrpSpPr/>
+        <p:nvPr/>
+      </p:nvGrpSpPr>
+      <p:grpSpPr>
+        <a:xfrm>
+          <a:off x="0" y="0"/>
+          <a:ext cx="0" cy="0"/>
+          <a:chOff x="0" y="0"/>
+          <a:chExt cx="0" cy="0"/>
+        </a:xfrm>
+      </p:grpSpPr>
+      <p:sp>
+        <p:nvSpPr>
+          <p:cNvPr id="4" name="Oval 3">
+            <a:extLst>
+              <a:ext uri="{FF2B5EF4-FFF2-40B4-BE49-F238E27FC236}">
+                <a16:creationId xmlns:a16="http://schemas.microsoft.com/office/drawing/2014/main" id="{947FEA2B-9978-628B-1A58-8EB6AEC1EC10}"/>
+              </a:ext>
+            </a:extLst>
+          </p:cNvPr>
+          <p:cNvSpPr/>
+          <p:nvPr/>
+        </p:nvSpPr>
+        <p:spPr>
+          <a:xfrm>
+            <a:off x="277097" y="260062"/>
+            <a:ext cx="514350" cy="514350"/>
+          </a:xfrm>
+          <a:prstGeom prst="ellipse">
+            <a:avLst/>
+          </a:prstGeom>
+          <a:solidFill>
+            <a:srgbClr val="0F4A7C"/>
+          </a:solidFill>
+          <a:ln>
+            <a:noFill/>
+          </a:ln>
+        </p:spPr>
+        <p:style>
+          <a:lnRef idx="2">
+            <a:schemeClr val="accent1">
+              <a:shade val="15000"/>
+            </a:schemeClr>
+          </a:lnRef>
+          <a:fillRef idx="1">
+            <a:schemeClr val="accent1"/>
+          </a:fillRef>
+          <a:effectRef idx="0">
+            <a:schemeClr val="accent1"/>
+          </a:effectRef>
+          <a:fontRef idx="minor">
+            <a:schemeClr val="lt1"/>
+          </a:fontRef>
+        </p:style>
+        <p:txBody>
+          <a:bodyPr rtlCol="0" anchor="ctr"/>
+          <a:lstStyle/>
+          <a:p>
+            <a:pPr algn="ctr"/>
+            <a:endParaRPr lang="it-IT"/>
+          </a:p>
+        </p:txBody>
+      </p:sp>
+      <p:pic>
+        <p:nvPicPr>
+          <p:cNvPr id="5" name="Picture 4" descr="A white line drawing of a graph and a magnifying glass&#10;&#10;AI-generated content may be incorrect.">
+            <a:extLst>
+              <a:ext uri="{FF2B5EF4-FFF2-40B4-BE49-F238E27FC236}">
+                <a16:creationId xmlns:a16="http://schemas.microsoft.com/office/drawing/2014/main" id="{B96F5CC7-C043-446C-74E6-527813BF3094}"/>
+              </a:ext>
+            </a:extLst>
+          </p:cNvPr>
+          <p:cNvPicPr>
+            <a:picLocks noChangeAspect="1"/>
+          </p:cNvPicPr>
+          <p:nvPr/>
+        </p:nvPicPr>
+        <p:blipFill>
+          <a:blip r:embed="rId2"/>
+          <a:stretch>
+            <a:fillRect/>
+          </a:stretch>
+        </p:blipFill>
+        <p:spPr>
+          <a:xfrm>
+            <a:off x="372407" y="353437"/>
+            <a:ext cx="327600" cy="327600"/>
+          </a:xfrm>
+          <a:prstGeom prst="rect">
+            <a:avLst/>
+          </a:prstGeom>
+        </p:spPr>
+      </p:pic>
+      <p:sp>
+        <p:nvSpPr>
+          <p:cNvPr id="6" name="TextBox 5">
+            <a:extLst>
+              <a:ext uri="{FF2B5EF4-FFF2-40B4-BE49-F238E27FC236}">
+                <a16:creationId xmlns:a16="http://schemas.microsoft.com/office/drawing/2014/main" id="{9D604EDD-24FD-CCCE-E917-49DA73EA534E}"/>
+              </a:ext>
+            </a:extLst>
+          </p:cNvPr>
+          <p:cNvSpPr txBox="1"/>
+          <p:nvPr/>
+        </p:nvSpPr>
+        <p:spPr>
+          <a:xfrm>
+            <a:off x="882886" y="328130"/>
+            <a:ext cx="4054315" cy="369332"/>
+          </a:xfrm>
+          <a:prstGeom prst="rect">
+            <a:avLst/>
+          </a:prstGeom>
+          <a:noFill/>
+        </p:spPr>
+        <p:txBody>
+          <a:bodyPr wrap="none" rtlCol="0">
+            <a:spAutoFit/>
+          </a:bodyPr>
+          <a:lstStyle/>
+          <a:p>
+            <a:r>
+              <a:rPr lang="it-IT" dirty="0">
+                <a:latin typeface="Roboto" panose="02000000000000000000" pitchFamily="2" charset="0"/>
+                <a:ea typeface="Roboto" panose="02000000000000000000" pitchFamily="2" charset="0"/>
+              </a:rPr>
+              <a:t>Data </a:t>
+            </a:r>
+            <a:r>
+              <a:rPr lang="it-IT" dirty="0" err="1">
+                <a:latin typeface="Roboto" panose="02000000000000000000" pitchFamily="2" charset="0"/>
+                <a:ea typeface="Roboto" panose="02000000000000000000" pitchFamily="2" charset="0"/>
+              </a:rPr>
+              <a:t>Acquisition</a:t>
+            </a:r>
+            <a:r>
+              <a:rPr lang="it-IT" dirty="0">
+                <a:latin typeface="Roboto" panose="02000000000000000000" pitchFamily="2" charset="0"/>
+                <a:ea typeface="Roboto" panose="02000000000000000000" pitchFamily="2" charset="0"/>
+              </a:rPr>
+              <a:t> and Data Exploration</a:t>
+            </a:r>
+          </a:p>
+        </p:txBody>
+      </p:sp>
+      <p:sp>
+        <p:nvSpPr>
+          <p:cNvPr id="7" name="TextBox 6">
+            <a:extLst>
+              <a:ext uri="{FF2B5EF4-FFF2-40B4-BE49-F238E27FC236}">
+                <a16:creationId xmlns:a16="http://schemas.microsoft.com/office/drawing/2014/main" id="{2E4E3519-5C59-65CA-85FC-FA7A00501093}"/>
+              </a:ext>
+            </a:extLst>
+          </p:cNvPr>
+          <p:cNvSpPr txBox="1"/>
+          <p:nvPr/>
+        </p:nvSpPr>
+        <p:spPr>
+          <a:xfrm>
+            <a:off x="1982545" y="697462"/>
+            <a:ext cx="1854995" cy="369332"/>
+          </a:xfrm>
+          <a:prstGeom prst="rect">
+            <a:avLst/>
+          </a:prstGeom>
+          <a:noFill/>
+        </p:spPr>
+        <p:txBody>
+          <a:bodyPr wrap="none" rtlCol="0">
+            <a:spAutoFit/>
+          </a:bodyPr>
+          <a:lstStyle/>
+          <a:p>
+            <a:r>
+              <a:rPr lang="it-IT" dirty="0">
+                <a:latin typeface="Roboto" panose="02000000000000000000" pitchFamily="2" charset="0"/>
+                <a:ea typeface="Roboto" panose="02000000000000000000" pitchFamily="2" charset="0"/>
+              </a:rPr>
+              <a:t>Dataset </a:t>
+            </a:r>
+            <a:r>
+              <a:rPr lang="it-IT" dirty="0" err="1">
+                <a:latin typeface="Roboto" panose="02000000000000000000" pitchFamily="2" charset="0"/>
+                <a:ea typeface="Roboto" panose="02000000000000000000" pitchFamily="2" charset="0"/>
+              </a:rPr>
+              <a:t>Feaures</a:t>
+            </a:r>
+            <a:endParaRPr lang="it-IT" dirty="0">
+              <a:latin typeface="Roboto" panose="02000000000000000000" pitchFamily="2" charset="0"/>
+              <a:ea typeface="Roboto" panose="02000000000000000000" pitchFamily="2" charset="0"/>
+            </a:endParaRPr>
+          </a:p>
+        </p:txBody>
+      </p:sp>
+      <p:pic>
+        <p:nvPicPr>
+          <p:cNvPr id="2" name="Picture 1">
+            <a:extLst>
+              <a:ext uri="{FF2B5EF4-FFF2-40B4-BE49-F238E27FC236}">
+                <a16:creationId xmlns:a16="http://schemas.microsoft.com/office/drawing/2014/main" id="{890B71A4-5504-1119-3E94-E89D9F3BD34E}"/>
+              </a:ext>
+            </a:extLst>
+          </p:cNvPr>
+          <p:cNvPicPr>
+            <a:picLocks noChangeAspect="1"/>
+          </p:cNvPicPr>
+          <p:nvPr/>
+        </p:nvPicPr>
+        <p:blipFill>
+          <a:blip r:embed="rId3"/>
+          <a:stretch>
+            <a:fillRect/>
+          </a:stretch>
+        </p:blipFill>
+        <p:spPr>
+          <a:xfrm>
+            <a:off x="5196611" y="0"/>
+            <a:ext cx="6995389" cy="6858000"/>
+          </a:xfrm>
+          <a:prstGeom prst="rect">
+            <a:avLst/>
+          </a:prstGeom>
+        </p:spPr>
+      </p:pic>
+    </p:spTree>
+    <p:extLst>
+      <p:ext uri="{BB962C8B-B14F-4D97-AF65-F5344CB8AC3E}">
+        <p14:creationId xmlns:p14="http://schemas.microsoft.com/office/powerpoint/2010/main" val="4066451963"/>
+      </p:ext>
+    </p:extLst>
+  </p:cSld>
+  <p:clrMapOvr>
+    <a:masterClrMapping/>
+  </p:clrMapOvr>
+</p:sld>
+</file>
+
+<file path=ppt/slides/slide17.xml><?xml version="1.0" encoding="utf-8"?>
+<p:sld xmlns:a="http://schemas.openxmlformats.org/drawingml/2006/main" xmlns:r="http://schemas.openxmlformats.org/officeDocument/2006/relationships" xmlns:p="http://schemas.openxmlformats.org/presentationml/2006/main">
+  <p:cSld>
+    <p:spTree>
+      <p:nvGrpSpPr>
+        <p:cNvPr id="1" name="">
+          <a:extLst>
+            <a:ext uri="{FF2B5EF4-FFF2-40B4-BE49-F238E27FC236}">
+              <a16:creationId xmlns:a16="http://schemas.microsoft.com/office/drawing/2014/main" id="{694552BB-E40E-FB91-566A-E0D2C6128AA8}"/>
+            </a:ext>
+          </a:extLst>
+        </p:cNvPr>
+        <p:cNvGrpSpPr/>
+        <p:nvPr/>
+      </p:nvGrpSpPr>
+      <p:grpSpPr>
+        <a:xfrm>
+          <a:off x="0" y="0"/>
+          <a:ext cx="0" cy="0"/>
+          <a:chOff x="0" y="0"/>
+          <a:chExt cx="0" cy="0"/>
+        </a:xfrm>
+      </p:grpSpPr>
+      <p:sp>
+        <p:nvSpPr>
+          <p:cNvPr id="4" name="Oval 3">
+            <a:extLst>
+              <a:ext uri="{FF2B5EF4-FFF2-40B4-BE49-F238E27FC236}">
+                <a16:creationId xmlns:a16="http://schemas.microsoft.com/office/drawing/2014/main" id="{B87F5E3A-8B8D-A4FB-FA00-F243CABEE359}"/>
+              </a:ext>
+            </a:extLst>
+          </p:cNvPr>
+          <p:cNvSpPr/>
+          <p:nvPr/>
+        </p:nvSpPr>
+        <p:spPr>
+          <a:xfrm>
+            <a:off x="277097" y="260062"/>
+            <a:ext cx="514350" cy="514350"/>
+          </a:xfrm>
+          <a:prstGeom prst="ellipse">
+            <a:avLst/>
+          </a:prstGeom>
+          <a:solidFill>
+            <a:srgbClr val="0F4A7C"/>
+          </a:solidFill>
+          <a:ln>
+            <a:noFill/>
+          </a:ln>
+        </p:spPr>
+        <p:style>
+          <a:lnRef idx="2">
+            <a:schemeClr val="accent1">
+              <a:shade val="15000"/>
+            </a:schemeClr>
+          </a:lnRef>
+          <a:fillRef idx="1">
+            <a:schemeClr val="accent1"/>
+          </a:fillRef>
+          <a:effectRef idx="0">
+            <a:schemeClr val="accent1"/>
+          </a:effectRef>
+          <a:fontRef idx="minor">
+            <a:schemeClr val="lt1"/>
+          </a:fontRef>
+        </p:style>
+        <p:txBody>
+          <a:bodyPr rtlCol="0" anchor="ctr"/>
+          <a:lstStyle/>
+          <a:p>
+            <a:pPr algn="ctr"/>
+            <a:endParaRPr lang="it-IT"/>
+          </a:p>
+        </p:txBody>
+      </p:sp>
+      <p:pic>
+        <p:nvPicPr>
+          <p:cNvPr id="5" name="Picture 4" descr="A white line drawing of a graph and a magnifying glass&#10;&#10;AI-generated content may be incorrect.">
+            <a:extLst>
+              <a:ext uri="{FF2B5EF4-FFF2-40B4-BE49-F238E27FC236}">
+                <a16:creationId xmlns:a16="http://schemas.microsoft.com/office/drawing/2014/main" id="{52581CBE-690B-04F4-2416-EEEADCF5A18C}"/>
+              </a:ext>
+            </a:extLst>
+          </p:cNvPr>
+          <p:cNvPicPr>
+            <a:picLocks noChangeAspect="1"/>
+          </p:cNvPicPr>
+          <p:nvPr/>
+        </p:nvPicPr>
+        <p:blipFill>
+          <a:blip r:embed="rId2"/>
+          <a:stretch>
+            <a:fillRect/>
+          </a:stretch>
+        </p:blipFill>
+        <p:spPr>
+          <a:xfrm>
+            <a:off x="372407" y="353437"/>
+            <a:ext cx="327600" cy="327600"/>
+          </a:xfrm>
+          <a:prstGeom prst="rect">
+            <a:avLst/>
+          </a:prstGeom>
+        </p:spPr>
+      </p:pic>
+      <p:sp>
+        <p:nvSpPr>
+          <p:cNvPr id="6" name="TextBox 5">
+            <a:extLst>
+              <a:ext uri="{FF2B5EF4-FFF2-40B4-BE49-F238E27FC236}">
+                <a16:creationId xmlns:a16="http://schemas.microsoft.com/office/drawing/2014/main" id="{D1BBBBA3-C692-C869-FBE2-176ED9B6D012}"/>
+              </a:ext>
+            </a:extLst>
+          </p:cNvPr>
+          <p:cNvSpPr txBox="1"/>
+          <p:nvPr/>
+        </p:nvSpPr>
+        <p:spPr>
+          <a:xfrm>
+            <a:off x="882886" y="328130"/>
+            <a:ext cx="4054315" cy="369332"/>
+          </a:xfrm>
+          <a:prstGeom prst="rect">
+            <a:avLst/>
+          </a:prstGeom>
+          <a:noFill/>
+        </p:spPr>
+        <p:txBody>
+          <a:bodyPr wrap="none" rtlCol="0">
+            <a:spAutoFit/>
+          </a:bodyPr>
+          <a:lstStyle/>
+          <a:p>
+            <a:r>
+              <a:rPr lang="it-IT" dirty="0">
+                <a:latin typeface="Roboto" panose="02000000000000000000" pitchFamily="2" charset="0"/>
+                <a:ea typeface="Roboto" panose="02000000000000000000" pitchFamily="2" charset="0"/>
+              </a:rPr>
+              <a:t>Data </a:t>
+            </a:r>
+            <a:r>
+              <a:rPr lang="it-IT" dirty="0" err="1">
+                <a:latin typeface="Roboto" panose="02000000000000000000" pitchFamily="2" charset="0"/>
+                <a:ea typeface="Roboto" panose="02000000000000000000" pitchFamily="2" charset="0"/>
+              </a:rPr>
+              <a:t>Acquisition</a:t>
+            </a:r>
+            <a:r>
+              <a:rPr lang="it-IT" dirty="0">
+                <a:latin typeface="Roboto" panose="02000000000000000000" pitchFamily="2" charset="0"/>
+                <a:ea typeface="Roboto" panose="02000000000000000000" pitchFamily="2" charset="0"/>
+              </a:rPr>
+              <a:t> and Data Exploration</a:t>
+            </a:r>
+          </a:p>
+        </p:txBody>
+      </p:sp>
+      <p:sp>
+        <p:nvSpPr>
+          <p:cNvPr id="7" name="TextBox 6">
+            <a:extLst>
+              <a:ext uri="{FF2B5EF4-FFF2-40B4-BE49-F238E27FC236}">
+                <a16:creationId xmlns:a16="http://schemas.microsoft.com/office/drawing/2014/main" id="{9F05EFDD-38E4-4344-1AD9-36F0A7B69B1B}"/>
+              </a:ext>
+            </a:extLst>
+          </p:cNvPr>
+          <p:cNvSpPr txBox="1"/>
+          <p:nvPr/>
+        </p:nvSpPr>
+        <p:spPr>
+          <a:xfrm>
+            <a:off x="1982545" y="697462"/>
+            <a:ext cx="1854995" cy="369332"/>
+          </a:xfrm>
+          <a:prstGeom prst="rect">
+            <a:avLst/>
+          </a:prstGeom>
+          <a:noFill/>
+        </p:spPr>
+        <p:txBody>
+          <a:bodyPr wrap="none" rtlCol="0">
+            <a:spAutoFit/>
+          </a:bodyPr>
+          <a:lstStyle/>
+          <a:p>
+            <a:r>
+              <a:rPr lang="it-IT" dirty="0">
+                <a:latin typeface="Roboto" panose="02000000000000000000" pitchFamily="2" charset="0"/>
+                <a:ea typeface="Roboto" panose="02000000000000000000" pitchFamily="2" charset="0"/>
+              </a:rPr>
+              <a:t>Dataset </a:t>
+            </a:r>
+            <a:r>
+              <a:rPr lang="it-IT" dirty="0" err="1">
+                <a:latin typeface="Roboto" panose="02000000000000000000" pitchFamily="2" charset="0"/>
+                <a:ea typeface="Roboto" panose="02000000000000000000" pitchFamily="2" charset="0"/>
+              </a:rPr>
+              <a:t>Feaures</a:t>
+            </a:r>
+            <a:endParaRPr lang="it-IT" dirty="0">
+              <a:latin typeface="Roboto" panose="02000000000000000000" pitchFamily="2" charset="0"/>
+              <a:ea typeface="Roboto" panose="02000000000000000000" pitchFamily="2" charset="0"/>
+            </a:endParaRPr>
+          </a:p>
+        </p:txBody>
+      </p:sp>
+      <p:pic>
+        <p:nvPicPr>
+          <p:cNvPr id="3" name="Picture 2">
+            <a:extLst>
+              <a:ext uri="{FF2B5EF4-FFF2-40B4-BE49-F238E27FC236}">
+                <a16:creationId xmlns:a16="http://schemas.microsoft.com/office/drawing/2014/main" id="{151AC80C-FC6A-F3BF-79F0-BE15F03B4B77}"/>
+              </a:ext>
+            </a:extLst>
+          </p:cNvPr>
+          <p:cNvPicPr>
+            <a:picLocks noChangeAspect="1"/>
+          </p:cNvPicPr>
+          <p:nvPr/>
+        </p:nvPicPr>
+        <p:blipFill>
+          <a:blip r:embed="rId3"/>
+          <a:stretch>
+            <a:fillRect/>
+          </a:stretch>
+        </p:blipFill>
+        <p:spPr>
+          <a:xfrm>
+            <a:off x="5201265" y="0"/>
+            <a:ext cx="6990735" cy="6858000"/>
+          </a:xfrm>
+          <a:prstGeom prst="rect">
+            <a:avLst/>
+          </a:prstGeom>
+        </p:spPr>
+      </p:pic>
+    </p:spTree>
+    <p:extLst>
+      <p:ext uri="{BB962C8B-B14F-4D97-AF65-F5344CB8AC3E}">
+        <p14:creationId xmlns:p14="http://schemas.microsoft.com/office/powerpoint/2010/main" val="546657155"/>
+      </p:ext>
+    </p:extLst>
+  </p:cSld>
+  <p:clrMapOvr>
+    <a:masterClrMapping/>
+  </p:clrMapOvr>
+</p:sld>
+</file>
+
+<file path=ppt/slides/slide18.xml><?xml version="1.0" encoding="utf-8"?>
+<p:sld xmlns:a="http://schemas.openxmlformats.org/drawingml/2006/main" xmlns:r="http://schemas.openxmlformats.org/officeDocument/2006/relationships" xmlns:p="http://schemas.openxmlformats.org/presentationml/2006/main">
+  <p:cSld>
+    <p:spTree>
+      <p:nvGrpSpPr>
+        <p:cNvPr id="1" name="">
+          <a:extLst>
+            <a:ext uri="{FF2B5EF4-FFF2-40B4-BE49-F238E27FC236}">
+              <a16:creationId xmlns:a16="http://schemas.microsoft.com/office/drawing/2014/main" id="{0BA2A258-78D0-27BB-1BFE-146A0F3FD1E5}"/>
+            </a:ext>
+          </a:extLst>
+        </p:cNvPr>
+        <p:cNvGrpSpPr/>
+        <p:nvPr/>
+      </p:nvGrpSpPr>
+      <p:grpSpPr>
+        <a:xfrm>
+          <a:off x="0" y="0"/>
+          <a:ext cx="0" cy="0"/>
+          <a:chOff x="0" y="0"/>
+          <a:chExt cx="0" cy="0"/>
+        </a:xfrm>
+      </p:grpSpPr>
+      <p:sp>
+        <p:nvSpPr>
+          <p:cNvPr id="4" name="Oval 3">
+            <a:extLst>
+              <a:ext uri="{FF2B5EF4-FFF2-40B4-BE49-F238E27FC236}">
+                <a16:creationId xmlns:a16="http://schemas.microsoft.com/office/drawing/2014/main" id="{504ABC29-54BF-2F97-4184-5BF9E310AD1E}"/>
+              </a:ext>
+            </a:extLst>
+          </p:cNvPr>
+          <p:cNvSpPr/>
+          <p:nvPr/>
+        </p:nvSpPr>
+        <p:spPr>
+          <a:xfrm>
+            <a:off x="277097" y="260062"/>
+            <a:ext cx="514350" cy="514350"/>
+          </a:xfrm>
+          <a:prstGeom prst="ellipse">
+            <a:avLst/>
+          </a:prstGeom>
+          <a:solidFill>
+            <a:srgbClr val="0F4A7C"/>
+          </a:solidFill>
+          <a:ln>
+            <a:noFill/>
+          </a:ln>
+        </p:spPr>
+        <p:style>
+          <a:lnRef idx="2">
+            <a:schemeClr val="accent1">
+              <a:shade val="15000"/>
+            </a:schemeClr>
+          </a:lnRef>
+          <a:fillRef idx="1">
+            <a:schemeClr val="accent1"/>
+          </a:fillRef>
+          <a:effectRef idx="0">
+            <a:schemeClr val="accent1"/>
+          </a:effectRef>
+          <a:fontRef idx="minor">
+            <a:schemeClr val="lt1"/>
+          </a:fontRef>
+        </p:style>
+        <p:txBody>
+          <a:bodyPr rtlCol="0" anchor="ctr"/>
+          <a:lstStyle/>
+          <a:p>
+            <a:pPr algn="ctr"/>
+            <a:endParaRPr lang="it-IT"/>
+          </a:p>
+        </p:txBody>
+      </p:sp>
+      <p:pic>
+        <p:nvPicPr>
+          <p:cNvPr id="5" name="Picture 4" descr="A white line drawing of a graph and a magnifying glass&#10;&#10;AI-generated content may be incorrect.">
+            <a:extLst>
+              <a:ext uri="{FF2B5EF4-FFF2-40B4-BE49-F238E27FC236}">
+                <a16:creationId xmlns:a16="http://schemas.microsoft.com/office/drawing/2014/main" id="{C0D27DDB-B278-755D-838C-01EAF183B494}"/>
+              </a:ext>
+            </a:extLst>
+          </p:cNvPr>
+          <p:cNvPicPr>
+            <a:picLocks noChangeAspect="1"/>
+          </p:cNvPicPr>
+          <p:nvPr/>
+        </p:nvPicPr>
+        <p:blipFill>
+          <a:blip r:embed="rId2"/>
+          <a:stretch>
+            <a:fillRect/>
+          </a:stretch>
+        </p:blipFill>
+        <p:spPr>
+          <a:xfrm>
+            <a:off x="372407" y="353437"/>
+            <a:ext cx="327600" cy="327600"/>
+          </a:xfrm>
+          <a:prstGeom prst="rect">
+            <a:avLst/>
+          </a:prstGeom>
+        </p:spPr>
+      </p:pic>
+      <p:sp>
+        <p:nvSpPr>
+          <p:cNvPr id="6" name="TextBox 5">
+            <a:extLst>
+              <a:ext uri="{FF2B5EF4-FFF2-40B4-BE49-F238E27FC236}">
+                <a16:creationId xmlns:a16="http://schemas.microsoft.com/office/drawing/2014/main" id="{5068215E-CDA1-5820-16E9-3C62A94FD5DE}"/>
+              </a:ext>
+            </a:extLst>
+          </p:cNvPr>
+          <p:cNvSpPr txBox="1"/>
+          <p:nvPr/>
+        </p:nvSpPr>
+        <p:spPr>
+          <a:xfrm>
+            <a:off x="882886" y="328130"/>
+            <a:ext cx="4054315" cy="369332"/>
+          </a:xfrm>
+          <a:prstGeom prst="rect">
+            <a:avLst/>
+          </a:prstGeom>
+          <a:noFill/>
+        </p:spPr>
+        <p:txBody>
+          <a:bodyPr wrap="none" rtlCol="0">
+            <a:spAutoFit/>
+          </a:bodyPr>
+          <a:lstStyle/>
+          <a:p>
+            <a:r>
+              <a:rPr lang="it-IT" dirty="0">
+                <a:latin typeface="Roboto" panose="02000000000000000000" pitchFamily="2" charset="0"/>
+                <a:ea typeface="Roboto" panose="02000000000000000000" pitchFamily="2" charset="0"/>
+              </a:rPr>
+              <a:t>Data </a:t>
+            </a:r>
+            <a:r>
+              <a:rPr lang="it-IT" dirty="0" err="1">
+                <a:latin typeface="Roboto" panose="02000000000000000000" pitchFamily="2" charset="0"/>
+                <a:ea typeface="Roboto" panose="02000000000000000000" pitchFamily="2" charset="0"/>
+              </a:rPr>
+              <a:t>Acquisition</a:t>
+            </a:r>
+            <a:r>
+              <a:rPr lang="it-IT" dirty="0">
+                <a:latin typeface="Roboto" panose="02000000000000000000" pitchFamily="2" charset="0"/>
+                <a:ea typeface="Roboto" panose="02000000000000000000" pitchFamily="2" charset="0"/>
+              </a:rPr>
+              <a:t> and Data Exploration</a:t>
+            </a:r>
+          </a:p>
+        </p:txBody>
+      </p:sp>
+      <p:sp>
+        <p:nvSpPr>
+          <p:cNvPr id="7" name="TextBox 6">
+            <a:extLst>
+              <a:ext uri="{FF2B5EF4-FFF2-40B4-BE49-F238E27FC236}">
+                <a16:creationId xmlns:a16="http://schemas.microsoft.com/office/drawing/2014/main" id="{FD757644-2681-3E2A-18A1-94CD19E41EC1}"/>
+              </a:ext>
+            </a:extLst>
+          </p:cNvPr>
+          <p:cNvSpPr txBox="1"/>
+          <p:nvPr/>
+        </p:nvSpPr>
+        <p:spPr>
+          <a:xfrm>
+            <a:off x="1982545" y="697462"/>
+            <a:ext cx="1854995" cy="369332"/>
+          </a:xfrm>
+          <a:prstGeom prst="rect">
+            <a:avLst/>
+          </a:prstGeom>
+          <a:noFill/>
+        </p:spPr>
+        <p:txBody>
+          <a:bodyPr wrap="none" rtlCol="0">
+            <a:spAutoFit/>
+          </a:bodyPr>
+          <a:lstStyle/>
+          <a:p>
+            <a:r>
+              <a:rPr lang="it-IT" dirty="0">
+                <a:latin typeface="Roboto" panose="02000000000000000000" pitchFamily="2" charset="0"/>
+                <a:ea typeface="Roboto" panose="02000000000000000000" pitchFamily="2" charset="0"/>
+              </a:rPr>
+              <a:t>Dataset </a:t>
+            </a:r>
+            <a:r>
+              <a:rPr lang="it-IT" dirty="0" err="1">
+                <a:latin typeface="Roboto" panose="02000000000000000000" pitchFamily="2" charset="0"/>
+                <a:ea typeface="Roboto" panose="02000000000000000000" pitchFamily="2" charset="0"/>
+              </a:rPr>
+              <a:t>Feaures</a:t>
+            </a:r>
+            <a:endParaRPr lang="it-IT" dirty="0">
+              <a:latin typeface="Roboto" panose="02000000000000000000" pitchFamily="2" charset="0"/>
+              <a:ea typeface="Roboto" panose="02000000000000000000" pitchFamily="2" charset="0"/>
+            </a:endParaRPr>
+          </a:p>
+        </p:txBody>
+      </p:sp>
+      <p:pic>
+        <p:nvPicPr>
+          <p:cNvPr id="2" name="Picture 1">
+            <a:extLst>
+              <a:ext uri="{FF2B5EF4-FFF2-40B4-BE49-F238E27FC236}">
+                <a16:creationId xmlns:a16="http://schemas.microsoft.com/office/drawing/2014/main" id="{7865601E-3B41-CC4E-150A-A425485CCA4D}"/>
+              </a:ext>
+            </a:extLst>
+          </p:cNvPr>
+          <p:cNvPicPr>
+            <a:picLocks noChangeAspect="1"/>
+          </p:cNvPicPr>
+          <p:nvPr/>
+        </p:nvPicPr>
+        <p:blipFill>
+          <a:blip r:embed="rId3"/>
+          <a:stretch>
+            <a:fillRect/>
+          </a:stretch>
+        </p:blipFill>
+        <p:spPr>
+          <a:xfrm>
+            <a:off x="7722621" y="0"/>
+            <a:ext cx="1263682" cy="6858000"/>
+          </a:xfrm>
+          <a:prstGeom prst="rect">
+            <a:avLst/>
+          </a:prstGeom>
+        </p:spPr>
+      </p:pic>
+    </p:spTree>
+    <p:extLst>
+      <p:ext uri="{BB962C8B-B14F-4D97-AF65-F5344CB8AC3E}">
+        <p14:creationId xmlns:p14="http://schemas.microsoft.com/office/powerpoint/2010/main" val="880128396"/>
+      </p:ext>
+    </p:extLst>
+  </p:cSld>
+  <p:clrMapOvr>
+    <a:masterClrMapping/>
+  </p:clrMapOvr>
+</p:sld>
+</file>
+
+<file path=ppt/slides/slide19.xml><?xml version="1.0" encoding="utf-8"?>
+<p:sld xmlns:a="http://schemas.openxmlformats.org/drawingml/2006/main" xmlns:r="http://schemas.openxmlformats.org/officeDocument/2006/relationships" xmlns:p="http://schemas.openxmlformats.org/presentationml/2006/main">
+  <p:cSld>
+    <p:spTree>
+      <p:nvGrpSpPr>
+        <p:cNvPr id="1" name=""/>
+        <p:cNvGrpSpPr/>
+        <p:nvPr/>
+      </p:nvGrpSpPr>
+      <p:grpSpPr>
+        <a:xfrm>
+          <a:off x="0" y="0"/>
+          <a:ext cx="0" cy="0"/>
+          <a:chOff x="0" y="0"/>
+          <a:chExt cx="0" cy="0"/>
+        </a:xfrm>
+      </p:grpSpPr>
+      <p:sp>
+        <p:nvSpPr>
+          <p:cNvPr id="3" name="Content Placeholder 2">
+            <a:extLst>
+              <a:ext uri="{FF2B5EF4-FFF2-40B4-BE49-F238E27FC236}">
+                <a16:creationId xmlns:a16="http://schemas.microsoft.com/office/drawing/2014/main" id="{457C9FD3-7BEB-822E-D984-EFAD7F9935B1}"/>
+              </a:ext>
+            </a:extLst>
+          </p:cNvPr>
+          <p:cNvSpPr>
+            <a:spLocks noGrp="1"/>
+          </p:cNvSpPr>
+          <p:nvPr>
+            <p:ph idx="1"/>
+          </p:nvPr>
+        </p:nvSpPr>
+        <p:spPr/>
+        <p:txBody>
+          <a:bodyPr/>
+          <a:lstStyle/>
+          <a:p>
+            <a:r>
+              <a:rPr lang="it-IT" dirty="0" err="1"/>
+              <a:t>Xvalidation</a:t>
+            </a:r>
+            <a:r>
+              <a:rPr lang="it-IT" dirty="0"/>
+              <a:t> per valutare performance</a:t>
+            </a:r>
+          </a:p>
+          <a:p>
+            <a:r>
+              <a:rPr lang="it-IT" dirty="0"/>
+              <a:t>Intro agli esperimenti</a:t>
+            </a:r>
+          </a:p>
+          <a:p>
+            <a:r>
+              <a:rPr lang="it-IT" dirty="0"/>
+              <a:t>Variabili categoriche + numeriche con </a:t>
+            </a:r>
+            <a:r>
+              <a:rPr lang="it-IT" dirty="0" err="1"/>
+              <a:t>pre</a:t>
+            </a:r>
+            <a:r>
+              <a:rPr lang="it-IT" dirty="0"/>
+              <a:t>-processing diversi</a:t>
+            </a:r>
+          </a:p>
+          <a:p>
+            <a:pPr lvl="1"/>
+            <a:r>
+              <a:rPr lang="it-IT" dirty="0" err="1"/>
+              <a:t>Cat</a:t>
+            </a:r>
+            <a:r>
+              <a:rPr lang="it-IT" dirty="0"/>
+              <a:t> + LR -&gt; OHE</a:t>
+            </a:r>
+          </a:p>
+          <a:p>
+            <a:pPr lvl="1"/>
+            <a:r>
+              <a:rPr lang="it-IT" dirty="0" err="1"/>
+              <a:t>Num</a:t>
+            </a:r>
+            <a:r>
+              <a:rPr lang="it-IT" dirty="0"/>
+              <a:t> + LR -&gt; </a:t>
+            </a:r>
+            <a:r>
+              <a:rPr lang="it-IT" dirty="0" err="1"/>
+              <a:t>StandardScaler</a:t>
+            </a:r>
+            <a:endParaRPr lang="it-IT" dirty="0"/>
+          </a:p>
+          <a:p>
+            <a:pPr lvl="1"/>
+            <a:r>
+              <a:rPr lang="it-IT" dirty="0"/>
+              <a:t>Int + LR -&gt; SS + OHE + FS(SFM)</a:t>
+            </a:r>
+          </a:p>
+          <a:p>
+            <a:pPr lvl="1"/>
+            <a:r>
+              <a:rPr lang="it-IT" dirty="0" err="1"/>
+              <a:t>Num</a:t>
+            </a:r>
+            <a:r>
+              <a:rPr lang="it-IT" dirty="0"/>
+              <a:t> + RF -&gt; Niente</a:t>
+            </a:r>
+          </a:p>
+          <a:p>
+            <a:pPr lvl="1"/>
+            <a:r>
+              <a:rPr lang="it-IT" dirty="0" err="1"/>
+              <a:t>Cat</a:t>
+            </a:r>
+            <a:r>
+              <a:rPr lang="it-IT" dirty="0"/>
+              <a:t> + RF -&gt; Niente (+ conversione prima)</a:t>
+            </a:r>
+          </a:p>
+          <a:p>
+            <a:pPr lvl="1"/>
+            <a:r>
+              <a:rPr lang="it-IT" dirty="0"/>
+              <a:t>Int + RF -&gt; Niente </a:t>
+            </a:r>
+          </a:p>
+          <a:p>
+            <a:pPr lvl="1"/>
+            <a:endParaRPr lang="it-IT" dirty="0"/>
+          </a:p>
+        </p:txBody>
+      </p:sp>
+      <p:sp>
+        <p:nvSpPr>
+          <p:cNvPr id="4" name="Oval 3">
+            <a:extLst>
+              <a:ext uri="{FF2B5EF4-FFF2-40B4-BE49-F238E27FC236}">
+                <a16:creationId xmlns:a16="http://schemas.microsoft.com/office/drawing/2014/main" id="{BA7FB16B-214B-2CC9-AF09-3164ECA445F1}"/>
+              </a:ext>
+            </a:extLst>
+          </p:cNvPr>
+          <p:cNvSpPr/>
+          <p:nvPr/>
+        </p:nvSpPr>
+        <p:spPr>
+          <a:xfrm>
+            <a:off x="188962" y="166687"/>
+            <a:ext cx="514350" cy="514350"/>
+          </a:xfrm>
+          <a:prstGeom prst="ellipse">
+            <a:avLst/>
+          </a:prstGeom>
+          <a:solidFill>
+            <a:srgbClr val="0F4A7C"/>
+          </a:solidFill>
+          <a:ln>
+            <a:noFill/>
+          </a:ln>
+        </p:spPr>
+        <p:style>
+          <a:lnRef idx="2">
+            <a:schemeClr val="accent1">
+              <a:shade val="15000"/>
+            </a:schemeClr>
+          </a:lnRef>
+          <a:fillRef idx="1">
+            <a:schemeClr val="accent1"/>
+          </a:fillRef>
+          <a:effectRef idx="0">
+            <a:schemeClr val="accent1"/>
+          </a:effectRef>
+          <a:fontRef idx="minor">
+            <a:schemeClr val="lt1"/>
+          </a:fontRef>
+        </p:style>
+        <p:txBody>
+          <a:bodyPr rtlCol="0" anchor="ctr"/>
+          <a:lstStyle/>
+          <a:p>
+            <a:pPr algn="ctr"/>
+            <a:endParaRPr lang="it-IT"/>
+          </a:p>
+        </p:txBody>
+      </p:sp>
+      <p:pic>
+        <p:nvPicPr>
+          <p:cNvPr id="5" name="Picture 4" descr="A white outline of a gear with a piece of paper&#10;&#10;AI-generated content may be incorrect.">
+            <a:extLst>
+              <a:ext uri="{FF2B5EF4-FFF2-40B4-BE49-F238E27FC236}">
+                <a16:creationId xmlns:a16="http://schemas.microsoft.com/office/drawing/2014/main" id="{B1A0040A-554E-15AC-2F12-29F47D371E03}"/>
+              </a:ext>
+            </a:extLst>
+          </p:cNvPr>
+          <p:cNvPicPr>
+            <a:picLocks noChangeAspect="1"/>
+          </p:cNvPicPr>
+          <p:nvPr/>
+        </p:nvPicPr>
+        <p:blipFill>
+          <a:blip r:embed="rId2"/>
+          <a:stretch>
+            <a:fillRect/>
+          </a:stretch>
+        </p:blipFill>
+        <p:spPr>
+          <a:xfrm>
+            <a:off x="284272" y="260062"/>
+            <a:ext cx="327600" cy="327600"/>
+          </a:xfrm>
+          <a:prstGeom prst="rect">
+            <a:avLst/>
+          </a:prstGeom>
+        </p:spPr>
+      </p:pic>
+      <p:sp>
+        <p:nvSpPr>
+          <p:cNvPr id="6" name="TextBox 5">
+            <a:extLst>
+              <a:ext uri="{FF2B5EF4-FFF2-40B4-BE49-F238E27FC236}">
+                <a16:creationId xmlns:a16="http://schemas.microsoft.com/office/drawing/2014/main" id="{98707D87-A38C-F129-4ADD-050514297655}"/>
+              </a:ext>
+            </a:extLst>
+          </p:cNvPr>
+          <p:cNvSpPr txBox="1"/>
+          <p:nvPr/>
+        </p:nvSpPr>
+        <p:spPr>
+          <a:xfrm>
+            <a:off x="794751" y="239196"/>
+            <a:ext cx="2196435" cy="369332"/>
+          </a:xfrm>
+          <a:prstGeom prst="rect">
+            <a:avLst/>
+          </a:prstGeom>
+          <a:noFill/>
+        </p:spPr>
+        <p:txBody>
+          <a:bodyPr wrap="none" rtlCol="0">
+            <a:spAutoFit/>
+          </a:bodyPr>
+          <a:lstStyle/>
+          <a:p>
+            <a:r>
+              <a:rPr lang="it-IT" dirty="0">
+                <a:latin typeface="Roboto" panose="02000000000000000000" pitchFamily="2" charset="0"/>
+                <a:ea typeface="Roboto" panose="02000000000000000000" pitchFamily="2" charset="0"/>
+              </a:rPr>
+              <a:t>Data </a:t>
+            </a:r>
+            <a:r>
+              <a:rPr lang="it-IT" dirty="0" err="1">
+                <a:latin typeface="Roboto" panose="02000000000000000000" pitchFamily="2" charset="0"/>
+                <a:ea typeface="Roboto" panose="02000000000000000000" pitchFamily="2" charset="0"/>
+              </a:rPr>
+              <a:t>Preprocessing</a:t>
+            </a:r>
+            <a:endParaRPr lang="it-IT" dirty="0">
+              <a:latin typeface="Roboto" panose="02000000000000000000" pitchFamily="2" charset="0"/>
+              <a:ea typeface="Roboto" panose="02000000000000000000" pitchFamily="2" charset="0"/>
+            </a:endParaRPr>
+          </a:p>
+        </p:txBody>
+      </p:sp>
+    </p:spTree>
+    <p:extLst>
+      <p:ext uri="{BB962C8B-B14F-4D97-AF65-F5344CB8AC3E}">
+        <p14:creationId xmlns:p14="http://schemas.microsoft.com/office/powerpoint/2010/main" val="1912939758"/>
       </p:ext>
     </p:extLst>
   </p:cSld>
@@ -4554,7 +8045,7 @@
         <p:spPr>
           <a:xfrm>
             <a:off x="6798944" y="4460484"/>
-            <a:ext cx="3573607" cy="369332"/>
+            <a:ext cx="511679" cy="369332"/>
           </a:xfrm>
           <a:prstGeom prst="rect">
             <a:avLst/>
@@ -4568,18 +8059,11 @@
           <a:lstStyle/>
           <a:p>
             <a:r>
-              <a:rPr lang="it-IT" dirty="0">
-                <a:latin typeface="Roboto" panose="02000000000000000000" pitchFamily="2" charset="0"/>
-                <a:ea typeface="Roboto" panose="02000000000000000000" pitchFamily="2" charset="0"/>
-              </a:rPr>
-              <a:t>Next Steps and </a:t>
-            </a:r>
-            <a:r>
               <a:rPr lang="it-IT" dirty="0" err="1">
                 <a:latin typeface="Roboto" panose="02000000000000000000" pitchFamily="2" charset="0"/>
                 <a:ea typeface="Roboto" panose="02000000000000000000" pitchFamily="2" charset="0"/>
               </a:rPr>
-              <a:t>Aknowledgments</a:t>
+              <a:t>xAI</a:t>
             </a:r>
             <a:endParaRPr lang="it-IT" dirty="0">
               <a:latin typeface="Roboto" panose="02000000000000000000" pitchFamily="2" charset="0"/>
@@ -4761,18 +8245,3102 @@
   <p:clrMapOvr>
     <a:masterClrMapping/>
   </p:clrMapOvr>
-  <mc:AlternateContent xmlns:mc="http://schemas.openxmlformats.org/markup-compatibility/2006">
-    <mc:Choice xmlns:p159="http://schemas.microsoft.com/office/powerpoint/2015/09/main" Requires="p159">
+  <mc:AlternateContent xmlns:mc="http://schemas.openxmlformats.org/markup-compatibility/2006" xmlns:p159="http://schemas.microsoft.com/office/powerpoint/2015/09/main">
+    <mc:Choice Requires="p159">
       <p:transition xmlns:p14="http://schemas.microsoft.com/office/powerpoint/2010/main" spd="slow" p14:dur="2000">
         <p159:morph option="byObject"/>
       </p:transition>
     </mc:Choice>
-    <mc:Fallback>
+    <mc:Fallback xmlns="">
       <p:transition spd="slow">
         <p:fade/>
       </p:transition>
     </mc:Fallback>
   </mc:AlternateContent>
+</p:sld>
+</file>
+
+<file path=ppt/slides/slide20.xml><?xml version="1.0" encoding="utf-8"?>
+<p:sld xmlns:a="http://schemas.openxmlformats.org/drawingml/2006/main" xmlns:r="http://schemas.openxmlformats.org/officeDocument/2006/relationships" xmlns:p="http://schemas.openxmlformats.org/presentationml/2006/main">
+  <p:cSld>
+    <p:spTree>
+      <p:nvGrpSpPr>
+        <p:cNvPr id="1" name=""/>
+        <p:cNvGrpSpPr/>
+        <p:nvPr/>
+      </p:nvGrpSpPr>
+      <p:grpSpPr>
+        <a:xfrm>
+          <a:off x="0" y="0"/>
+          <a:ext cx="0" cy="0"/>
+          <a:chOff x="0" y="0"/>
+          <a:chExt cx="0" cy="0"/>
+        </a:xfrm>
+      </p:grpSpPr>
+      <p:sp>
+        <p:nvSpPr>
+          <p:cNvPr id="3" name="Content Placeholder 2">
+            <a:extLst>
+              <a:ext uri="{FF2B5EF4-FFF2-40B4-BE49-F238E27FC236}">
+                <a16:creationId xmlns:a16="http://schemas.microsoft.com/office/drawing/2014/main" id="{90E299AB-D531-8DAD-B494-D3457C5DB713}"/>
+              </a:ext>
+            </a:extLst>
+          </p:cNvPr>
+          <p:cNvSpPr>
+            <a:spLocks noGrp="1"/>
+          </p:cNvSpPr>
+          <p:nvPr>
+            <p:ph idx="1"/>
+          </p:nvPr>
+        </p:nvSpPr>
+        <p:spPr/>
+        <p:txBody>
+          <a:bodyPr/>
+          <a:lstStyle/>
+          <a:p>
+            <a:r>
+              <a:rPr lang="it-IT" dirty="0"/>
+              <a:t>Spiega algoritmi</a:t>
+            </a:r>
+          </a:p>
+          <a:p>
+            <a:r>
+              <a:rPr lang="it-IT" dirty="0"/>
+              <a:t>Tabelle risultati</a:t>
+            </a:r>
+          </a:p>
+          <a:p>
+            <a:r>
+              <a:rPr lang="it-IT" dirty="0"/>
+              <a:t>T-test</a:t>
+            </a:r>
+          </a:p>
+          <a:p>
+            <a:endParaRPr lang="it-IT" dirty="0"/>
+          </a:p>
+        </p:txBody>
+      </p:sp>
+      <p:sp>
+        <p:nvSpPr>
+          <p:cNvPr id="4" name="Oval 3">
+            <a:extLst>
+              <a:ext uri="{FF2B5EF4-FFF2-40B4-BE49-F238E27FC236}">
+                <a16:creationId xmlns:a16="http://schemas.microsoft.com/office/drawing/2014/main" id="{9096A6BE-983C-BF8C-EF4F-3E4D40F86F85}"/>
+              </a:ext>
+            </a:extLst>
+          </p:cNvPr>
+          <p:cNvSpPr/>
+          <p:nvPr/>
+        </p:nvSpPr>
+        <p:spPr>
+          <a:xfrm>
+            <a:off x="210996" y="166687"/>
+            <a:ext cx="514350" cy="514350"/>
+          </a:xfrm>
+          <a:prstGeom prst="ellipse">
+            <a:avLst/>
+          </a:prstGeom>
+          <a:solidFill>
+            <a:srgbClr val="0F4A7C"/>
+          </a:solidFill>
+          <a:ln>
+            <a:noFill/>
+          </a:ln>
+        </p:spPr>
+        <p:style>
+          <a:lnRef idx="2">
+            <a:schemeClr val="accent1">
+              <a:shade val="15000"/>
+            </a:schemeClr>
+          </a:lnRef>
+          <a:fillRef idx="1">
+            <a:schemeClr val="accent1"/>
+          </a:fillRef>
+          <a:effectRef idx="0">
+            <a:schemeClr val="accent1"/>
+          </a:effectRef>
+          <a:fontRef idx="minor">
+            <a:schemeClr val="lt1"/>
+          </a:fontRef>
+        </p:style>
+        <p:txBody>
+          <a:bodyPr rtlCol="0" anchor="ctr"/>
+          <a:lstStyle/>
+          <a:p>
+            <a:pPr algn="ctr"/>
+            <a:endParaRPr lang="it-IT"/>
+          </a:p>
+        </p:txBody>
+      </p:sp>
+      <p:pic>
+        <p:nvPicPr>
+          <p:cNvPr id="5" name="Picture 4" descr="A white line drawing of a data filter&#10;&#10;AI-generated content may be incorrect.">
+            <a:extLst>
+              <a:ext uri="{FF2B5EF4-FFF2-40B4-BE49-F238E27FC236}">
+                <a16:creationId xmlns:a16="http://schemas.microsoft.com/office/drawing/2014/main" id="{BDB60CCF-1274-3C87-3E5F-0701DC1C4C7B}"/>
+              </a:ext>
+            </a:extLst>
+          </p:cNvPr>
+          <p:cNvPicPr>
+            <a:picLocks noChangeAspect="1"/>
+          </p:cNvPicPr>
+          <p:nvPr/>
+        </p:nvPicPr>
+        <p:blipFill>
+          <a:blip r:embed="rId2"/>
+          <a:stretch>
+            <a:fillRect/>
+          </a:stretch>
+        </p:blipFill>
+        <p:spPr>
+          <a:xfrm>
+            <a:off x="306306" y="260062"/>
+            <a:ext cx="327600" cy="327600"/>
+          </a:xfrm>
+          <a:prstGeom prst="rect">
+            <a:avLst/>
+          </a:prstGeom>
+        </p:spPr>
+      </p:pic>
+      <p:sp>
+        <p:nvSpPr>
+          <p:cNvPr id="6" name="TextBox 5">
+            <a:extLst>
+              <a:ext uri="{FF2B5EF4-FFF2-40B4-BE49-F238E27FC236}">
+                <a16:creationId xmlns:a16="http://schemas.microsoft.com/office/drawing/2014/main" id="{18D2CF94-C291-305D-92B2-64E453B18B62}"/>
+              </a:ext>
+            </a:extLst>
+          </p:cNvPr>
+          <p:cNvSpPr txBox="1"/>
+          <p:nvPr/>
+        </p:nvSpPr>
+        <p:spPr>
+          <a:xfrm>
+            <a:off x="816785" y="239196"/>
+            <a:ext cx="1866217" cy="369332"/>
+          </a:xfrm>
+          <a:prstGeom prst="rect">
+            <a:avLst/>
+          </a:prstGeom>
+          <a:noFill/>
+        </p:spPr>
+        <p:txBody>
+          <a:bodyPr wrap="none" rtlCol="0">
+            <a:spAutoFit/>
+          </a:bodyPr>
+          <a:lstStyle/>
+          <a:p>
+            <a:r>
+              <a:rPr lang="it-IT" dirty="0">
+                <a:latin typeface="Roboto" panose="02000000000000000000" pitchFamily="2" charset="0"/>
+                <a:ea typeface="Roboto" panose="02000000000000000000" pitchFamily="2" charset="0"/>
+              </a:rPr>
+              <a:t>Data Processing</a:t>
+            </a:r>
+          </a:p>
+        </p:txBody>
+      </p:sp>
+    </p:spTree>
+    <p:extLst>
+      <p:ext uri="{BB962C8B-B14F-4D97-AF65-F5344CB8AC3E}">
+        <p14:creationId xmlns:p14="http://schemas.microsoft.com/office/powerpoint/2010/main" val="1176356888"/>
+      </p:ext>
+    </p:extLst>
+  </p:cSld>
+  <p:clrMapOvr>
+    <a:masterClrMapping/>
+  </p:clrMapOvr>
+</p:sld>
+</file>
+
+<file path=ppt/slides/slide21.xml><?xml version="1.0" encoding="utf-8"?>
+<p:sld xmlns:a="http://schemas.openxmlformats.org/drawingml/2006/main" xmlns:r="http://schemas.openxmlformats.org/officeDocument/2006/relationships" xmlns:p="http://schemas.openxmlformats.org/presentationml/2006/main">
+  <p:cSld>
+    <p:spTree>
+      <p:nvGrpSpPr>
+        <p:cNvPr id="1" name=""/>
+        <p:cNvGrpSpPr/>
+        <p:nvPr/>
+      </p:nvGrpSpPr>
+      <p:grpSpPr>
+        <a:xfrm>
+          <a:off x="0" y="0"/>
+          <a:ext cx="0" cy="0"/>
+          <a:chOff x="0" y="0"/>
+          <a:chExt cx="0" cy="0"/>
+        </a:xfrm>
+      </p:grpSpPr>
+      <p:sp>
+        <p:nvSpPr>
+          <p:cNvPr id="3" name="Content Placeholder 2">
+            <a:extLst>
+              <a:ext uri="{FF2B5EF4-FFF2-40B4-BE49-F238E27FC236}">
+                <a16:creationId xmlns:a16="http://schemas.microsoft.com/office/drawing/2014/main" id="{A5A11BF2-4606-DAE1-6689-76741FD889E6}"/>
+              </a:ext>
+            </a:extLst>
+          </p:cNvPr>
+          <p:cNvSpPr>
+            <a:spLocks noGrp="1"/>
+          </p:cNvSpPr>
+          <p:nvPr>
+            <p:ph idx="1"/>
+          </p:nvPr>
+        </p:nvSpPr>
+        <p:spPr/>
+        <p:txBody>
+          <a:bodyPr/>
+          <a:lstStyle/>
+          <a:p>
+            <a:r>
+              <a:rPr lang="it-IT" dirty="0"/>
+              <a:t>Mean </a:t>
+            </a:r>
+            <a:r>
+              <a:rPr lang="it-IT" dirty="0" err="1"/>
+              <a:t>values</a:t>
+            </a:r>
+            <a:r>
+              <a:rPr lang="it-IT" dirty="0"/>
+              <a:t> e conclusione che utilizzare intero dataset non ha particolari vantaggi in termini di accuratezza</a:t>
+            </a:r>
+          </a:p>
+          <a:p>
+            <a:r>
+              <a:rPr lang="it-IT" dirty="0"/>
+              <a:t>Variabili categoriche interessanti</a:t>
+            </a:r>
+          </a:p>
+          <a:p>
+            <a:r>
+              <a:rPr lang="it-IT" dirty="0" err="1"/>
+              <a:t>xAI</a:t>
+            </a:r>
+            <a:endParaRPr lang="it-IT" dirty="0"/>
+          </a:p>
+        </p:txBody>
+      </p:sp>
+      <p:sp>
+        <p:nvSpPr>
+          <p:cNvPr id="4" name="Oval 3">
+            <a:extLst>
+              <a:ext uri="{FF2B5EF4-FFF2-40B4-BE49-F238E27FC236}">
+                <a16:creationId xmlns:a16="http://schemas.microsoft.com/office/drawing/2014/main" id="{9DE46FCE-86E9-A0ED-3AF2-728224630D22}"/>
+              </a:ext>
+            </a:extLst>
+          </p:cNvPr>
+          <p:cNvSpPr/>
+          <p:nvPr/>
+        </p:nvSpPr>
+        <p:spPr>
+          <a:xfrm>
+            <a:off x="233029" y="166687"/>
+            <a:ext cx="514350" cy="514350"/>
+          </a:xfrm>
+          <a:prstGeom prst="ellipse">
+            <a:avLst/>
+          </a:prstGeom>
+          <a:solidFill>
+            <a:srgbClr val="0F4A7C"/>
+          </a:solidFill>
+          <a:ln>
+            <a:noFill/>
+          </a:ln>
+        </p:spPr>
+        <p:style>
+          <a:lnRef idx="2">
+            <a:schemeClr val="accent1">
+              <a:shade val="15000"/>
+            </a:schemeClr>
+          </a:lnRef>
+          <a:fillRef idx="1">
+            <a:schemeClr val="accent1"/>
+          </a:fillRef>
+          <a:effectRef idx="0">
+            <a:schemeClr val="accent1"/>
+          </a:effectRef>
+          <a:fontRef idx="minor">
+            <a:schemeClr val="lt1"/>
+          </a:fontRef>
+        </p:style>
+        <p:txBody>
+          <a:bodyPr rtlCol="0" anchor="ctr"/>
+          <a:lstStyle/>
+          <a:p>
+            <a:pPr algn="ctr"/>
+            <a:endParaRPr lang="it-IT"/>
+          </a:p>
+        </p:txBody>
+      </p:sp>
+      <p:pic>
+        <p:nvPicPr>
+          <p:cNvPr id="5" name="Picture 4" descr="A white icon with a check mark&#10;&#10;AI-generated content may be incorrect.">
+            <a:extLst>
+              <a:ext uri="{FF2B5EF4-FFF2-40B4-BE49-F238E27FC236}">
+                <a16:creationId xmlns:a16="http://schemas.microsoft.com/office/drawing/2014/main" id="{35D0E04C-6C88-55F0-489E-A9BBA41185A1}"/>
+              </a:ext>
+            </a:extLst>
+          </p:cNvPr>
+          <p:cNvPicPr>
+            <a:picLocks noChangeAspect="1"/>
+          </p:cNvPicPr>
+          <p:nvPr/>
+        </p:nvPicPr>
+        <p:blipFill>
+          <a:blip r:embed="rId2"/>
+          <a:stretch>
+            <a:fillRect/>
+          </a:stretch>
+        </p:blipFill>
+        <p:spPr>
+          <a:xfrm>
+            <a:off x="328339" y="260062"/>
+            <a:ext cx="327600" cy="327600"/>
+          </a:xfrm>
+          <a:prstGeom prst="rect">
+            <a:avLst/>
+          </a:prstGeom>
+        </p:spPr>
+      </p:pic>
+      <p:sp>
+        <p:nvSpPr>
+          <p:cNvPr id="6" name="TextBox 5">
+            <a:extLst>
+              <a:ext uri="{FF2B5EF4-FFF2-40B4-BE49-F238E27FC236}">
+                <a16:creationId xmlns:a16="http://schemas.microsoft.com/office/drawing/2014/main" id="{FF105968-7A0E-318D-3F05-8360B6169AC8}"/>
+              </a:ext>
+            </a:extLst>
+          </p:cNvPr>
+          <p:cNvSpPr txBox="1"/>
+          <p:nvPr/>
+        </p:nvSpPr>
+        <p:spPr>
+          <a:xfrm>
+            <a:off x="838818" y="239196"/>
+            <a:ext cx="4113627" cy="369332"/>
+          </a:xfrm>
+          <a:prstGeom prst="rect">
+            <a:avLst/>
+          </a:prstGeom>
+          <a:noFill/>
+        </p:spPr>
+        <p:txBody>
+          <a:bodyPr wrap="none" rtlCol="0">
+            <a:spAutoFit/>
+          </a:bodyPr>
+          <a:lstStyle/>
+          <a:p>
+            <a:r>
+              <a:rPr lang="it-IT" dirty="0" err="1">
+                <a:latin typeface="Roboto" panose="02000000000000000000" pitchFamily="2" charset="0"/>
+                <a:ea typeface="Roboto" panose="02000000000000000000" pitchFamily="2" charset="0"/>
+              </a:rPr>
+              <a:t>Result</a:t>
+            </a:r>
+            <a:r>
+              <a:rPr lang="it-IT" dirty="0">
+                <a:latin typeface="Roboto" panose="02000000000000000000" pitchFamily="2" charset="0"/>
+                <a:ea typeface="Roboto" panose="02000000000000000000" pitchFamily="2" charset="0"/>
+              </a:rPr>
+              <a:t> </a:t>
+            </a:r>
+            <a:r>
+              <a:rPr lang="it-IT" dirty="0" err="1">
+                <a:latin typeface="Roboto" panose="02000000000000000000" pitchFamily="2" charset="0"/>
+                <a:ea typeface="Roboto" panose="02000000000000000000" pitchFamily="2" charset="0"/>
+              </a:rPr>
+              <a:t>Summary</a:t>
+            </a:r>
+            <a:r>
+              <a:rPr lang="it-IT" dirty="0">
+                <a:latin typeface="Roboto" panose="02000000000000000000" pitchFamily="2" charset="0"/>
+                <a:ea typeface="Roboto" panose="02000000000000000000" pitchFamily="2" charset="0"/>
+              </a:rPr>
+              <a:t> and </a:t>
+            </a:r>
+            <a:r>
+              <a:rPr lang="it-IT" dirty="0" err="1">
+                <a:latin typeface="Roboto" panose="02000000000000000000" pitchFamily="2" charset="0"/>
+                <a:ea typeface="Roboto" panose="02000000000000000000" pitchFamily="2" charset="0"/>
+              </a:rPr>
+              <a:t>Relevant</a:t>
+            </a:r>
+            <a:r>
+              <a:rPr lang="it-IT" dirty="0">
+                <a:latin typeface="Roboto" panose="02000000000000000000" pitchFamily="2" charset="0"/>
+                <a:ea typeface="Roboto" panose="02000000000000000000" pitchFamily="2" charset="0"/>
+              </a:rPr>
+              <a:t> Insights</a:t>
+            </a:r>
+          </a:p>
+        </p:txBody>
+      </p:sp>
+    </p:spTree>
+    <p:extLst>
+      <p:ext uri="{BB962C8B-B14F-4D97-AF65-F5344CB8AC3E}">
+        <p14:creationId xmlns:p14="http://schemas.microsoft.com/office/powerpoint/2010/main" val="3479873982"/>
+      </p:ext>
+    </p:extLst>
+  </p:cSld>
+  <p:clrMapOvr>
+    <a:masterClrMapping/>
+  </p:clrMapOvr>
+</p:sld>
+</file>
+
+<file path=ppt/slides/slide22.xml><?xml version="1.0" encoding="utf-8"?>
+<p:sld xmlns:a="http://schemas.openxmlformats.org/drawingml/2006/main" xmlns:r="http://schemas.openxmlformats.org/officeDocument/2006/relationships" xmlns:p="http://schemas.openxmlformats.org/presentationml/2006/main">
+  <p:cSld>
+    <p:spTree>
+      <p:nvGrpSpPr>
+        <p:cNvPr id="1" name=""/>
+        <p:cNvGrpSpPr/>
+        <p:nvPr/>
+      </p:nvGrpSpPr>
+      <p:grpSpPr>
+        <a:xfrm>
+          <a:off x="0" y="0"/>
+          <a:ext cx="0" cy="0"/>
+          <a:chOff x="0" y="0"/>
+          <a:chExt cx="0" cy="0"/>
+        </a:xfrm>
+      </p:grpSpPr>
+      <p:sp>
+        <p:nvSpPr>
+          <p:cNvPr id="3" name="Content Placeholder 2">
+            <a:extLst>
+              <a:ext uri="{FF2B5EF4-FFF2-40B4-BE49-F238E27FC236}">
+                <a16:creationId xmlns:a16="http://schemas.microsoft.com/office/drawing/2014/main" id="{53D5A9F0-0C80-468D-7092-8513BCB91F61}"/>
+              </a:ext>
+            </a:extLst>
+          </p:cNvPr>
+          <p:cNvSpPr>
+            <a:spLocks noGrp="1"/>
+          </p:cNvSpPr>
+          <p:nvPr>
+            <p:ph idx="1"/>
+          </p:nvPr>
+        </p:nvSpPr>
+        <p:spPr/>
+        <p:txBody>
+          <a:bodyPr/>
+          <a:lstStyle/>
+          <a:p>
+            <a:r>
+              <a:rPr lang="it-IT" dirty="0"/>
+              <a:t>White vs Black Box</a:t>
+            </a:r>
+          </a:p>
+          <a:p>
+            <a:r>
+              <a:rPr lang="it-IT" dirty="0"/>
+              <a:t>SHAP spiega cos’è e utilizzi –&gt; Su LR per avere la stessa metrica di </a:t>
+            </a:r>
+            <a:r>
+              <a:rPr lang="it-IT" dirty="0" err="1"/>
+              <a:t>RandomForest</a:t>
+            </a:r>
+            <a:r>
+              <a:rPr lang="it-IT" dirty="0"/>
+              <a:t> + aggregazione delle variabili di </a:t>
+            </a:r>
+            <a:r>
+              <a:rPr lang="it-IT" dirty="0" err="1"/>
+              <a:t>OneHotEncoding</a:t>
+            </a:r>
+            <a:r>
+              <a:rPr lang="it-IT" dirty="0"/>
+              <a:t> nelle variabili originali</a:t>
+            </a:r>
+          </a:p>
+        </p:txBody>
+      </p:sp>
+      <p:sp>
+        <p:nvSpPr>
+          <p:cNvPr id="4" name="Oval 3">
+            <a:extLst>
+              <a:ext uri="{FF2B5EF4-FFF2-40B4-BE49-F238E27FC236}">
+                <a16:creationId xmlns:a16="http://schemas.microsoft.com/office/drawing/2014/main" id="{13C94F7A-2B03-A0EE-02BD-1FEB699D91C2}"/>
+              </a:ext>
+            </a:extLst>
+          </p:cNvPr>
+          <p:cNvSpPr/>
+          <p:nvPr/>
+        </p:nvSpPr>
+        <p:spPr>
+          <a:xfrm>
+            <a:off x="332181" y="260062"/>
+            <a:ext cx="514350" cy="514350"/>
+          </a:xfrm>
+          <a:prstGeom prst="ellipse">
+            <a:avLst/>
+          </a:prstGeom>
+          <a:solidFill>
+            <a:srgbClr val="0F4A7C"/>
+          </a:solidFill>
+          <a:ln>
+            <a:noFill/>
+          </a:ln>
+        </p:spPr>
+        <p:style>
+          <a:lnRef idx="2">
+            <a:schemeClr val="accent1">
+              <a:shade val="15000"/>
+            </a:schemeClr>
+          </a:lnRef>
+          <a:fillRef idx="1">
+            <a:schemeClr val="accent1"/>
+          </a:fillRef>
+          <a:effectRef idx="0">
+            <a:schemeClr val="accent1"/>
+          </a:effectRef>
+          <a:fontRef idx="minor">
+            <a:schemeClr val="lt1"/>
+          </a:fontRef>
+        </p:style>
+        <p:txBody>
+          <a:bodyPr rtlCol="0" anchor="ctr"/>
+          <a:lstStyle/>
+          <a:p>
+            <a:pPr algn="ctr"/>
+            <a:endParaRPr lang="it-IT"/>
+          </a:p>
+        </p:txBody>
+      </p:sp>
+      <p:pic>
+        <p:nvPicPr>
+          <p:cNvPr id="5" name="Picture 4" descr="A hand giving a thumbs up and a star&#10;&#10;AI-generated content may be incorrect.">
+            <a:extLst>
+              <a:ext uri="{FF2B5EF4-FFF2-40B4-BE49-F238E27FC236}">
+                <a16:creationId xmlns:a16="http://schemas.microsoft.com/office/drawing/2014/main" id="{62EFF062-991D-3373-46A5-907172849C5C}"/>
+              </a:ext>
+            </a:extLst>
+          </p:cNvPr>
+          <p:cNvPicPr>
+            <a:picLocks noChangeAspect="1"/>
+          </p:cNvPicPr>
+          <p:nvPr/>
+        </p:nvPicPr>
+        <p:blipFill>
+          <a:blip r:embed="rId2"/>
+          <a:stretch>
+            <a:fillRect/>
+          </a:stretch>
+        </p:blipFill>
+        <p:spPr>
+          <a:xfrm>
+            <a:off x="427491" y="353437"/>
+            <a:ext cx="327600" cy="327600"/>
+          </a:xfrm>
+          <a:prstGeom prst="rect">
+            <a:avLst/>
+          </a:prstGeom>
+        </p:spPr>
+      </p:pic>
+      <p:sp>
+        <p:nvSpPr>
+          <p:cNvPr id="6" name="TextBox 5">
+            <a:extLst>
+              <a:ext uri="{FF2B5EF4-FFF2-40B4-BE49-F238E27FC236}">
+                <a16:creationId xmlns:a16="http://schemas.microsoft.com/office/drawing/2014/main" id="{0841B69A-54F5-C400-C98F-5B3F928B70F5}"/>
+              </a:ext>
+            </a:extLst>
+          </p:cNvPr>
+          <p:cNvSpPr txBox="1"/>
+          <p:nvPr/>
+        </p:nvSpPr>
+        <p:spPr>
+          <a:xfrm>
+            <a:off x="937970" y="336413"/>
+            <a:ext cx="511679" cy="369332"/>
+          </a:xfrm>
+          <a:prstGeom prst="rect">
+            <a:avLst/>
+          </a:prstGeom>
+          <a:noFill/>
+        </p:spPr>
+        <p:txBody>
+          <a:bodyPr wrap="none" rtlCol="0">
+            <a:spAutoFit/>
+          </a:bodyPr>
+          <a:lstStyle/>
+          <a:p>
+            <a:r>
+              <a:rPr lang="it-IT" dirty="0" err="1">
+                <a:latin typeface="Roboto" panose="02000000000000000000" pitchFamily="2" charset="0"/>
+                <a:ea typeface="Roboto" panose="02000000000000000000" pitchFamily="2" charset="0"/>
+              </a:rPr>
+              <a:t>xAI</a:t>
+            </a:r>
+            <a:endParaRPr lang="it-IT" dirty="0">
+              <a:latin typeface="Roboto" panose="02000000000000000000" pitchFamily="2" charset="0"/>
+              <a:ea typeface="Roboto" panose="02000000000000000000" pitchFamily="2" charset="0"/>
+            </a:endParaRPr>
+          </a:p>
+        </p:txBody>
+      </p:sp>
+    </p:spTree>
+    <p:extLst>
+      <p:ext uri="{BB962C8B-B14F-4D97-AF65-F5344CB8AC3E}">
+        <p14:creationId xmlns:p14="http://schemas.microsoft.com/office/powerpoint/2010/main" val="1340394830"/>
+      </p:ext>
+    </p:extLst>
+  </p:cSld>
+  <p:clrMapOvr>
+    <a:masterClrMapping/>
+  </p:clrMapOvr>
+</p:sld>
+</file>
+
+<file path=ppt/slides/slide23.xml><?xml version="1.0" encoding="utf-8"?>
+<p:sld xmlns:a="http://schemas.openxmlformats.org/drawingml/2006/main" xmlns:r="http://schemas.openxmlformats.org/officeDocument/2006/relationships" xmlns:p="http://schemas.openxmlformats.org/presentationml/2006/main">
+  <p:cSld>
+    <p:spTree>
+      <p:nvGrpSpPr>
+        <p:cNvPr id="1" name=""/>
+        <p:cNvGrpSpPr/>
+        <p:nvPr/>
+      </p:nvGrpSpPr>
+      <p:grpSpPr>
+        <a:xfrm>
+          <a:off x="0" y="0"/>
+          <a:ext cx="0" cy="0"/>
+          <a:chOff x="0" y="0"/>
+          <a:chExt cx="0" cy="0"/>
+        </a:xfrm>
+      </p:grpSpPr>
+      <p:sp>
+        <p:nvSpPr>
+          <p:cNvPr id="3" name="Content Placeholder 2">
+            <a:extLst>
+              <a:ext uri="{FF2B5EF4-FFF2-40B4-BE49-F238E27FC236}">
+                <a16:creationId xmlns:a16="http://schemas.microsoft.com/office/drawing/2014/main" id="{57E3F703-D5BB-989B-ED83-E59EAA041E75}"/>
+              </a:ext>
+            </a:extLst>
+          </p:cNvPr>
+          <p:cNvSpPr>
+            <a:spLocks noGrp="1"/>
+          </p:cNvSpPr>
+          <p:nvPr>
+            <p:ph idx="1"/>
+          </p:nvPr>
+        </p:nvSpPr>
+        <p:spPr/>
+        <p:txBody>
+          <a:bodyPr/>
+          <a:lstStyle/>
+          <a:p>
+            <a:r>
+              <a:rPr lang="it-IT" dirty="0"/>
+              <a:t>Link PE</a:t>
+            </a:r>
+          </a:p>
+          <a:p>
+            <a:r>
+              <a:rPr lang="it-IT" dirty="0"/>
+              <a:t>Link </a:t>
+            </a:r>
+            <a:r>
+              <a:rPr lang="it-IT" dirty="0" err="1"/>
+              <a:t>seaborn</a:t>
+            </a:r>
+            <a:endParaRPr lang="it-IT" dirty="0"/>
+          </a:p>
+          <a:p>
+            <a:r>
+              <a:rPr lang="it-IT" dirty="0"/>
+              <a:t>Giacomo</a:t>
+            </a:r>
+          </a:p>
+        </p:txBody>
+      </p:sp>
+      <p:sp>
+        <p:nvSpPr>
+          <p:cNvPr id="4" name="Oval 3">
+            <a:extLst>
+              <a:ext uri="{FF2B5EF4-FFF2-40B4-BE49-F238E27FC236}">
+                <a16:creationId xmlns:a16="http://schemas.microsoft.com/office/drawing/2014/main" id="{4A802861-99E0-57D7-65F9-D006F6AF0E80}"/>
+              </a:ext>
+            </a:extLst>
+          </p:cNvPr>
+          <p:cNvSpPr/>
+          <p:nvPr/>
+        </p:nvSpPr>
+        <p:spPr>
+          <a:xfrm>
+            <a:off x="279002" y="166687"/>
+            <a:ext cx="514350" cy="514350"/>
+          </a:xfrm>
+          <a:prstGeom prst="ellipse">
+            <a:avLst/>
+          </a:prstGeom>
+          <a:solidFill>
+            <a:srgbClr val="0F4A7C"/>
+          </a:solidFill>
+          <a:ln>
+            <a:noFill/>
+          </a:ln>
+        </p:spPr>
+        <p:style>
+          <a:lnRef idx="2">
+            <a:schemeClr val="accent1">
+              <a:shade val="15000"/>
+            </a:schemeClr>
+          </a:lnRef>
+          <a:fillRef idx="1">
+            <a:schemeClr val="accent1"/>
+          </a:fillRef>
+          <a:effectRef idx="0">
+            <a:schemeClr val="accent1"/>
+          </a:effectRef>
+          <a:fontRef idx="minor">
+            <a:schemeClr val="lt1"/>
+          </a:fontRef>
+        </p:style>
+        <p:txBody>
+          <a:bodyPr rtlCol="0" anchor="ctr"/>
+          <a:lstStyle/>
+          <a:p>
+            <a:pPr algn="ctr"/>
+            <a:endParaRPr lang="it-IT"/>
+          </a:p>
+        </p:txBody>
+      </p:sp>
+      <p:pic>
+        <p:nvPicPr>
+          <p:cNvPr id="5" name="Picture 4" descr="A white outline of a book&#10;&#10;AI-generated content may be incorrect.">
+            <a:extLst>
+              <a:ext uri="{FF2B5EF4-FFF2-40B4-BE49-F238E27FC236}">
+                <a16:creationId xmlns:a16="http://schemas.microsoft.com/office/drawing/2014/main" id="{815C50A6-4B86-2DB7-3FC6-F2E1ACDA04D0}"/>
+              </a:ext>
+            </a:extLst>
+          </p:cNvPr>
+          <p:cNvPicPr>
+            <a:picLocks noChangeAspect="1"/>
+          </p:cNvPicPr>
+          <p:nvPr/>
+        </p:nvPicPr>
+        <p:blipFill>
+          <a:blip r:embed="rId2"/>
+          <a:stretch>
+            <a:fillRect/>
+          </a:stretch>
+        </p:blipFill>
+        <p:spPr>
+          <a:xfrm>
+            <a:off x="372407" y="260062"/>
+            <a:ext cx="327600" cy="327600"/>
+          </a:xfrm>
+          <a:prstGeom prst="rect">
+            <a:avLst/>
+          </a:prstGeom>
+        </p:spPr>
+      </p:pic>
+      <p:sp>
+        <p:nvSpPr>
+          <p:cNvPr id="6" name="TextBox 5">
+            <a:extLst>
+              <a:ext uri="{FF2B5EF4-FFF2-40B4-BE49-F238E27FC236}">
+                <a16:creationId xmlns:a16="http://schemas.microsoft.com/office/drawing/2014/main" id="{53D2BBF4-428A-DBF3-337F-68C19390EBC0}"/>
+              </a:ext>
+            </a:extLst>
+          </p:cNvPr>
+          <p:cNvSpPr txBox="1"/>
+          <p:nvPr/>
+        </p:nvSpPr>
+        <p:spPr>
+          <a:xfrm>
+            <a:off x="882886" y="239196"/>
+            <a:ext cx="1338828" cy="369332"/>
+          </a:xfrm>
+          <a:prstGeom prst="rect">
+            <a:avLst/>
+          </a:prstGeom>
+          <a:noFill/>
+        </p:spPr>
+        <p:txBody>
+          <a:bodyPr wrap="none" rtlCol="0">
+            <a:spAutoFit/>
+          </a:bodyPr>
+          <a:lstStyle/>
+          <a:p>
+            <a:r>
+              <a:rPr lang="it-IT" dirty="0" err="1">
+                <a:latin typeface="Roboto" panose="02000000000000000000" pitchFamily="2" charset="0"/>
+                <a:ea typeface="Roboto" panose="02000000000000000000" pitchFamily="2" charset="0"/>
+              </a:rPr>
+              <a:t>References</a:t>
+            </a:r>
+            <a:endParaRPr lang="it-IT" dirty="0">
+              <a:latin typeface="Roboto" panose="02000000000000000000" pitchFamily="2" charset="0"/>
+              <a:ea typeface="Roboto" panose="02000000000000000000" pitchFamily="2" charset="0"/>
+            </a:endParaRPr>
+          </a:p>
+        </p:txBody>
+      </p:sp>
+    </p:spTree>
+    <p:extLst>
+      <p:ext uri="{BB962C8B-B14F-4D97-AF65-F5344CB8AC3E}">
+        <p14:creationId xmlns:p14="http://schemas.microsoft.com/office/powerpoint/2010/main" val="2348444215"/>
+      </p:ext>
+    </p:extLst>
+  </p:cSld>
+  <p:clrMapOvr>
+    <a:masterClrMapping/>
+  </p:clrMapOvr>
+</p:sld>
+</file>
+
+<file path=ppt/slides/slide3.xml><?xml version="1.0" encoding="utf-8"?>
+<p:sld xmlns:a="http://schemas.openxmlformats.org/drawingml/2006/main" xmlns:r="http://schemas.openxmlformats.org/officeDocument/2006/relationships" xmlns:p="http://schemas.openxmlformats.org/presentationml/2006/main">
+  <p:cSld>
+    <p:spTree>
+      <p:nvGrpSpPr>
+        <p:cNvPr id="1" name=""/>
+        <p:cNvGrpSpPr/>
+        <p:nvPr/>
+      </p:nvGrpSpPr>
+      <p:grpSpPr>
+        <a:xfrm>
+          <a:off x="0" y="0"/>
+          <a:ext cx="0" cy="0"/>
+          <a:chOff x="0" y="0"/>
+          <a:chExt cx="0" cy="0"/>
+        </a:xfrm>
+      </p:grpSpPr>
+      <p:sp>
+        <p:nvSpPr>
+          <p:cNvPr id="4" name="Oval 3">
+            <a:extLst>
+              <a:ext uri="{FF2B5EF4-FFF2-40B4-BE49-F238E27FC236}">
+                <a16:creationId xmlns:a16="http://schemas.microsoft.com/office/drawing/2014/main" id="{EFACA4D4-E893-A1BB-0976-DBB59E250CA7}"/>
+              </a:ext>
+            </a:extLst>
+          </p:cNvPr>
+          <p:cNvSpPr/>
+          <p:nvPr/>
+        </p:nvSpPr>
+        <p:spPr>
+          <a:xfrm>
+            <a:off x="376234" y="340631"/>
+            <a:ext cx="992409" cy="992409"/>
+          </a:xfrm>
+          <a:prstGeom prst="ellipse">
+            <a:avLst/>
+          </a:prstGeom>
+          <a:solidFill>
+            <a:srgbClr val="0F4A7C"/>
+          </a:solidFill>
+          <a:ln>
+            <a:noFill/>
+          </a:ln>
+        </p:spPr>
+        <p:style>
+          <a:lnRef idx="2">
+            <a:schemeClr val="accent1">
+              <a:shade val="15000"/>
+            </a:schemeClr>
+          </a:lnRef>
+          <a:fillRef idx="1">
+            <a:schemeClr val="accent1"/>
+          </a:fillRef>
+          <a:effectRef idx="0">
+            <a:schemeClr val="accent1"/>
+          </a:effectRef>
+          <a:fontRef idx="minor">
+            <a:schemeClr val="lt1"/>
+          </a:fontRef>
+        </p:style>
+        <p:txBody>
+          <a:bodyPr rtlCol="0" anchor="ctr"/>
+          <a:lstStyle/>
+          <a:p>
+            <a:pPr algn="ctr"/>
+            <a:endParaRPr lang="it-IT"/>
+          </a:p>
+        </p:txBody>
+      </p:sp>
+      <p:pic>
+        <p:nvPicPr>
+          <p:cNvPr id="5" name="Picture 4" descr="A white circle with a dart in center&#10;&#10;AI-generated content may be incorrect.">
+            <a:extLst>
+              <a:ext uri="{FF2B5EF4-FFF2-40B4-BE49-F238E27FC236}">
+                <a16:creationId xmlns:a16="http://schemas.microsoft.com/office/drawing/2014/main" id="{A384494A-4216-40B5-576A-587A7F51AB09}"/>
+              </a:ext>
+            </a:extLst>
+          </p:cNvPr>
+          <p:cNvPicPr>
+            <a:picLocks noChangeAspect="1"/>
+          </p:cNvPicPr>
+          <p:nvPr/>
+        </p:nvPicPr>
+        <p:blipFill>
+          <a:blip r:embed="rId2"/>
+          <a:stretch>
+            <a:fillRect/>
+          </a:stretch>
+        </p:blipFill>
+        <p:spPr>
+          <a:xfrm flipV="1">
+            <a:off x="494839" y="459236"/>
+            <a:ext cx="755197" cy="755197"/>
+          </a:xfrm>
+          <a:prstGeom prst="rect">
+            <a:avLst/>
+          </a:prstGeom>
+        </p:spPr>
+      </p:pic>
+      <p:sp>
+        <p:nvSpPr>
+          <p:cNvPr id="6" name="TextBox 5">
+            <a:extLst>
+              <a:ext uri="{FF2B5EF4-FFF2-40B4-BE49-F238E27FC236}">
+                <a16:creationId xmlns:a16="http://schemas.microsoft.com/office/drawing/2014/main" id="{A00251B9-4E2A-2C4B-1D94-50F270984CBF}"/>
+              </a:ext>
+            </a:extLst>
+          </p:cNvPr>
+          <p:cNvSpPr txBox="1"/>
+          <p:nvPr/>
+        </p:nvSpPr>
+        <p:spPr>
+          <a:xfrm>
+            <a:off x="1487248" y="575224"/>
+            <a:ext cx="2576346" cy="523220"/>
+          </a:xfrm>
+          <a:prstGeom prst="rect">
+            <a:avLst/>
+          </a:prstGeom>
+          <a:noFill/>
+        </p:spPr>
+        <p:txBody>
+          <a:bodyPr wrap="none" rtlCol="0">
+            <a:spAutoFit/>
+          </a:bodyPr>
+          <a:lstStyle/>
+          <a:p>
+            <a:r>
+              <a:rPr lang="it-IT" sz="2800" b="1" dirty="0">
+                <a:latin typeface="Roboto" panose="02000000000000000000" pitchFamily="2" charset="0"/>
+                <a:ea typeface="Roboto" panose="02000000000000000000" pitchFamily="2" charset="0"/>
+              </a:rPr>
+              <a:t>Goal Definition</a:t>
+            </a:r>
+          </a:p>
+        </p:txBody>
+      </p:sp>
+      <p:pic>
+        <p:nvPicPr>
+          <p:cNvPr id="7" name="Picture 6" descr="A blue logo with text and a face&#10;&#10;AI-generated content may be incorrect.">
+            <a:extLst>
+              <a:ext uri="{FF2B5EF4-FFF2-40B4-BE49-F238E27FC236}">
+                <a16:creationId xmlns:a16="http://schemas.microsoft.com/office/drawing/2014/main" id="{68914E85-A134-D883-4A6B-31661ACD448C}"/>
+              </a:ext>
+            </a:extLst>
+          </p:cNvPr>
+          <p:cNvPicPr>
+            <a:picLocks noChangeAspect="1"/>
+          </p:cNvPicPr>
+          <p:nvPr/>
+        </p:nvPicPr>
+        <p:blipFill>
+          <a:blip r:embed="rId3"/>
+          <a:stretch>
+            <a:fillRect/>
+          </a:stretch>
+        </p:blipFill>
+        <p:spPr>
+          <a:xfrm>
+            <a:off x="376235" y="5371420"/>
+            <a:ext cx="1145948" cy="1145948"/>
+          </a:xfrm>
+          <a:prstGeom prst="rect">
+            <a:avLst/>
+          </a:prstGeom>
+        </p:spPr>
+      </p:pic>
+      <p:sp>
+        <p:nvSpPr>
+          <p:cNvPr id="8" name="TextBox 7">
+            <a:extLst>
+              <a:ext uri="{FF2B5EF4-FFF2-40B4-BE49-F238E27FC236}">
+                <a16:creationId xmlns:a16="http://schemas.microsoft.com/office/drawing/2014/main" id="{F575AF7E-6CA3-35F5-CF96-A0B57A3A9AFC}"/>
+              </a:ext>
+            </a:extLst>
+          </p:cNvPr>
+          <p:cNvSpPr txBox="1"/>
+          <p:nvPr/>
+        </p:nvSpPr>
+        <p:spPr>
+          <a:xfrm>
+            <a:off x="2200619" y="1843950"/>
+            <a:ext cx="7790762" cy="3170099"/>
+          </a:xfrm>
+          <a:prstGeom prst="rect">
+            <a:avLst/>
+          </a:prstGeom>
+          <a:noFill/>
+        </p:spPr>
+        <p:txBody>
+          <a:bodyPr wrap="square" rtlCol="0">
+            <a:spAutoFit/>
+          </a:bodyPr>
+          <a:lstStyle/>
+          <a:p>
+            <a:pPr algn="ctr"/>
+            <a:r>
+              <a:rPr lang="it-IT" sz="2000" dirty="0" err="1">
+                <a:latin typeface="Roboto" panose="02000000000000000000" pitchFamily="2" charset="0"/>
+                <a:ea typeface="Roboto" panose="02000000000000000000" pitchFamily="2" charset="0"/>
+              </a:rPr>
+              <a:t>Developing</a:t>
+            </a:r>
+            <a:r>
+              <a:rPr lang="it-IT" sz="2000" dirty="0">
+                <a:latin typeface="Roboto" panose="02000000000000000000" pitchFamily="2" charset="0"/>
+                <a:ea typeface="Roboto" panose="02000000000000000000" pitchFamily="2" charset="0"/>
+              </a:rPr>
+              <a:t> a machine learning model </a:t>
+            </a:r>
+            <a:r>
+              <a:rPr lang="it-IT" sz="2000" dirty="0" err="1">
+                <a:latin typeface="Roboto" panose="02000000000000000000" pitchFamily="2" charset="0"/>
+                <a:ea typeface="Roboto" panose="02000000000000000000" pitchFamily="2" charset="0"/>
+              </a:rPr>
+              <a:t>capable</a:t>
+            </a:r>
+            <a:r>
+              <a:rPr lang="it-IT" sz="2000" dirty="0">
+                <a:latin typeface="Roboto" panose="02000000000000000000" pitchFamily="2" charset="0"/>
+                <a:ea typeface="Roboto" panose="02000000000000000000" pitchFamily="2" charset="0"/>
+              </a:rPr>
+              <a:t> of </a:t>
+            </a:r>
+            <a:r>
+              <a:rPr lang="it-IT" sz="2000" dirty="0" err="1">
+                <a:latin typeface="Roboto" panose="02000000000000000000" pitchFamily="2" charset="0"/>
+                <a:ea typeface="Roboto" panose="02000000000000000000" pitchFamily="2" charset="0"/>
+              </a:rPr>
+              <a:t>classifying</a:t>
+            </a:r>
+            <a:r>
+              <a:rPr lang="it-IT" sz="2000" dirty="0">
+                <a:latin typeface="Roboto" panose="02000000000000000000" pitchFamily="2" charset="0"/>
+                <a:ea typeface="Roboto" panose="02000000000000000000" pitchFamily="2" charset="0"/>
+              </a:rPr>
+              <a:t> Windows </a:t>
+            </a:r>
+            <a:r>
+              <a:rPr lang="it-IT" sz="2000" dirty="0" err="1">
+                <a:latin typeface="Roboto" panose="02000000000000000000" pitchFamily="2" charset="0"/>
+                <a:ea typeface="Roboto" panose="02000000000000000000" pitchFamily="2" charset="0"/>
+              </a:rPr>
+              <a:t>Portable</a:t>
+            </a:r>
+            <a:r>
+              <a:rPr lang="it-IT" sz="2000" dirty="0">
+                <a:latin typeface="Roboto" panose="02000000000000000000" pitchFamily="2" charset="0"/>
+                <a:ea typeface="Roboto" panose="02000000000000000000" pitchFamily="2" charset="0"/>
+              </a:rPr>
+              <a:t> </a:t>
+            </a:r>
+            <a:r>
+              <a:rPr lang="it-IT" sz="2000" dirty="0" err="1">
+                <a:latin typeface="Roboto" panose="02000000000000000000" pitchFamily="2" charset="0"/>
+                <a:ea typeface="Roboto" panose="02000000000000000000" pitchFamily="2" charset="0"/>
+              </a:rPr>
+              <a:t>executable</a:t>
+            </a:r>
+            <a:r>
+              <a:rPr lang="it-IT" sz="2000" dirty="0">
+                <a:latin typeface="Roboto" panose="02000000000000000000" pitchFamily="2" charset="0"/>
+                <a:ea typeface="Roboto" panose="02000000000000000000" pitchFamily="2" charset="0"/>
+              </a:rPr>
+              <a:t> (PE) files </a:t>
+            </a:r>
+            <a:r>
+              <a:rPr lang="it-IT" sz="2000" dirty="0" err="1">
+                <a:latin typeface="Roboto" panose="02000000000000000000" pitchFamily="2" charset="0"/>
+                <a:ea typeface="Roboto" panose="02000000000000000000" pitchFamily="2" charset="0"/>
+              </a:rPr>
+              <a:t>as</a:t>
+            </a:r>
+            <a:r>
+              <a:rPr lang="it-IT" sz="2000" dirty="0">
+                <a:latin typeface="Roboto" panose="02000000000000000000" pitchFamily="2" charset="0"/>
+                <a:ea typeface="Roboto" panose="02000000000000000000" pitchFamily="2" charset="0"/>
+              </a:rPr>
+              <a:t> </a:t>
+            </a:r>
+            <a:r>
+              <a:rPr lang="it-IT" sz="2000" dirty="0" err="1">
+                <a:latin typeface="Roboto" panose="02000000000000000000" pitchFamily="2" charset="0"/>
+                <a:ea typeface="Roboto" panose="02000000000000000000" pitchFamily="2" charset="0"/>
+              </a:rPr>
+              <a:t>malicious</a:t>
+            </a:r>
+            <a:r>
+              <a:rPr lang="it-IT" sz="2000" dirty="0">
+                <a:latin typeface="Roboto" panose="02000000000000000000" pitchFamily="2" charset="0"/>
+                <a:ea typeface="Roboto" panose="02000000000000000000" pitchFamily="2" charset="0"/>
+              </a:rPr>
+              <a:t> or </a:t>
+            </a:r>
+            <a:r>
+              <a:rPr lang="it-IT" sz="2000" dirty="0" err="1">
+                <a:latin typeface="Roboto" panose="02000000000000000000" pitchFamily="2" charset="0"/>
+                <a:ea typeface="Roboto" panose="02000000000000000000" pitchFamily="2" charset="0"/>
+              </a:rPr>
+              <a:t>bening</a:t>
+            </a:r>
+            <a:r>
+              <a:rPr lang="it-IT" sz="2000" dirty="0">
+                <a:latin typeface="Roboto" panose="02000000000000000000" pitchFamily="2" charset="0"/>
+                <a:ea typeface="Roboto" panose="02000000000000000000" pitchFamily="2" charset="0"/>
+              </a:rPr>
+              <a:t> </a:t>
+            </a:r>
+            <a:r>
+              <a:rPr lang="it-IT" sz="2000" dirty="0" err="1">
+                <a:latin typeface="Roboto" panose="02000000000000000000" pitchFamily="2" charset="0"/>
+                <a:ea typeface="Roboto" panose="02000000000000000000" pitchFamily="2" charset="0"/>
+              </a:rPr>
+              <a:t>based</a:t>
+            </a:r>
+            <a:r>
+              <a:rPr lang="it-IT" sz="2000" dirty="0">
+                <a:latin typeface="Roboto" panose="02000000000000000000" pitchFamily="2" charset="0"/>
+                <a:ea typeface="Roboto" panose="02000000000000000000" pitchFamily="2" charset="0"/>
+              </a:rPr>
+              <a:t> on </a:t>
+            </a:r>
+            <a:r>
+              <a:rPr lang="it-IT" sz="2000" dirty="0" err="1">
+                <a:latin typeface="Roboto" panose="02000000000000000000" pitchFamily="2" charset="0"/>
+                <a:ea typeface="Roboto" panose="02000000000000000000" pitchFamily="2" charset="0"/>
+              </a:rPr>
+              <a:t>static</a:t>
+            </a:r>
+            <a:r>
+              <a:rPr lang="it-IT" sz="2000" dirty="0">
+                <a:latin typeface="Roboto" panose="02000000000000000000" pitchFamily="2" charset="0"/>
+                <a:ea typeface="Roboto" panose="02000000000000000000" pitchFamily="2" charset="0"/>
+              </a:rPr>
+              <a:t> features </a:t>
+            </a:r>
+            <a:r>
+              <a:rPr lang="it-IT" sz="2000" dirty="0" err="1">
+                <a:latin typeface="Roboto" panose="02000000000000000000" pitchFamily="2" charset="0"/>
+                <a:ea typeface="Roboto" panose="02000000000000000000" pitchFamily="2" charset="0"/>
+              </a:rPr>
+              <a:t>extracted</a:t>
+            </a:r>
+            <a:r>
+              <a:rPr lang="it-IT" sz="2000" dirty="0">
+                <a:latin typeface="Roboto" panose="02000000000000000000" pitchFamily="2" charset="0"/>
+                <a:ea typeface="Roboto" panose="02000000000000000000" pitchFamily="2" charset="0"/>
+              </a:rPr>
+              <a:t> from the files </a:t>
+            </a:r>
+            <a:r>
+              <a:rPr lang="it-IT" sz="2000" dirty="0" err="1">
+                <a:latin typeface="Roboto" panose="02000000000000000000" pitchFamily="2" charset="0"/>
+                <a:ea typeface="Roboto" panose="02000000000000000000" pitchFamily="2" charset="0"/>
+              </a:rPr>
+              <a:t>themselves</a:t>
+            </a:r>
+            <a:r>
+              <a:rPr lang="it-IT" sz="2000" dirty="0">
+                <a:latin typeface="Roboto" panose="02000000000000000000" pitchFamily="2" charset="0"/>
+                <a:ea typeface="Roboto" panose="02000000000000000000" pitchFamily="2" charset="0"/>
+              </a:rPr>
+              <a:t>.</a:t>
+            </a:r>
+          </a:p>
+          <a:p>
+            <a:pPr algn="ctr"/>
+            <a:endParaRPr lang="it-IT" sz="2000" dirty="0">
+              <a:latin typeface="Roboto" panose="02000000000000000000" pitchFamily="2" charset="0"/>
+              <a:ea typeface="Roboto" panose="02000000000000000000" pitchFamily="2" charset="0"/>
+            </a:endParaRPr>
+          </a:p>
+          <a:p>
+            <a:pPr algn="ctr"/>
+            <a:r>
+              <a:rPr lang="it-IT" sz="2000" dirty="0">
+                <a:latin typeface="Roboto" panose="02000000000000000000" pitchFamily="2" charset="0"/>
+                <a:ea typeface="Roboto" panose="02000000000000000000" pitchFamily="2" charset="0"/>
+              </a:rPr>
+              <a:t>To </a:t>
+            </a:r>
+            <a:r>
+              <a:rPr lang="it-IT" sz="2000" dirty="0" err="1">
+                <a:latin typeface="Roboto" panose="02000000000000000000" pitchFamily="2" charset="0"/>
+                <a:ea typeface="Roboto" panose="02000000000000000000" pitchFamily="2" charset="0"/>
+              </a:rPr>
+              <a:t>achieve</a:t>
+            </a:r>
+            <a:r>
+              <a:rPr lang="it-IT" sz="2000" dirty="0">
+                <a:latin typeface="Roboto" panose="02000000000000000000" pitchFamily="2" charset="0"/>
+                <a:ea typeface="Roboto" panose="02000000000000000000" pitchFamily="2" charset="0"/>
+              </a:rPr>
+              <a:t> </a:t>
+            </a:r>
+            <a:r>
+              <a:rPr lang="it-IT" sz="2000" dirty="0" err="1">
+                <a:latin typeface="Roboto" panose="02000000000000000000" pitchFamily="2" charset="0"/>
+                <a:ea typeface="Roboto" panose="02000000000000000000" pitchFamily="2" charset="0"/>
+              </a:rPr>
+              <a:t>this</a:t>
+            </a:r>
+            <a:r>
+              <a:rPr lang="it-IT" sz="2000" dirty="0">
+                <a:latin typeface="Roboto" panose="02000000000000000000" pitchFamily="2" charset="0"/>
+                <a:ea typeface="Roboto" panose="02000000000000000000" pitchFamily="2" charset="0"/>
+              </a:rPr>
+              <a:t> </a:t>
+            </a:r>
+            <a:r>
+              <a:rPr lang="it-IT" sz="2000" dirty="0" err="1">
+                <a:latin typeface="Roboto" panose="02000000000000000000" pitchFamily="2" charset="0"/>
+                <a:ea typeface="Roboto" panose="02000000000000000000" pitchFamily="2" charset="0"/>
+              </a:rPr>
+              <a:t>objective</a:t>
+            </a:r>
+            <a:r>
+              <a:rPr lang="it-IT" sz="2000" dirty="0">
+                <a:latin typeface="Roboto" panose="02000000000000000000" pitchFamily="2" charset="0"/>
+                <a:ea typeface="Roboto" panose="02000000000000000000" pitchFamily="2" charset="0"/>
+              </a:rPr>
+              <a:t>, the dataset </a:t>
+            </a:r>
+            <a:r>
+              <a:rPr lang="it-IT" sz="2000" dirty="0" err="1">
+                <a:latin typeface="Roboto" panose="02000000000000000000" pitchFamily="2" charset="0"/>
+                <a:ea typeface="Roboto" panose="02000000000000000000" pitchFamily="2" charset="0"/>
+              </a:rPr>
+              <a:t>used</a:t>
+            </a:r>
+            <a:r>
+              <a:rPr lang="it-IT" sz="2000" dirty="0">
+                <a:latin typeface="Roboto" panose="02000000000000000000" pitchFamily="2" charset="0"/>
+                <a:ea typeface="Roboto" panose="02000000000000000000" pitchFamily="2" charset="0"/>
+              </a:rPr>
+              <a:t> </a:t>
+            </a:r>
+            <a:r>
+              <a:rPr lang="it-IT" sz="2000" dirty="0" err="1">
+                <a:latin typeface="Roboto" panose="02000000000000000000" pitchFamily="2" charset="0"/>
+                <a:ea typeface="Roboto" panose="02000000000000000000" pitchFamily="2" charset="0"/>
+              </a:rPr>
+              <a:t>consists</a:t>
+            </a:r>
+            <a:r>
+              <a:rPr lang="it-IT" sz="2000" dirty="0">
+                <a:latin typeface="Roboto" panose="02000000000000000000" pitchFamily="2" charset="0"/>
+                <a:ea typeface="Roboto" panose="02000000000000000000" pitchFamily="2" charset="0"/>
+              </a:rPr>
+              <a:t> of PE file </a:t>
+            </a:r>
+            <a:r>
+              <a:rPr lang="it-IT" sz="2000" dirty="0" err="1">
+                <a:latin typeface="Roboto" panose="02000000000000000000" pitchFamily="2" charset="0"/>
+                <a:ea typeface="Roboto" panose="02000000000000000000" pitchFamily="2" charset="0"/>
+              </a:rPr>
+              <a:t>characteristics</a:t>
+            </a:r>
+            <a:r>
+              <a:rPr lang="it-IT" sz="2000" dirty="0">
+                <a:latin typeface="Roboto" panose="02000000000000000000" pitchFamily="2" charset="0"/>
+                <a:ea typeface="Roboto" panose="02000000000000000000" pitchFamily="2" charset="0"/>
+              </a:rPr>
+              <a:t> </a:t>
+            </a:r>
+            <a:r>
+              <a:rPr lang="it-IT" sz="2000" dirty="0" err="1">
+                <a:latin typeface="Roboto" panose="02000000000000000000" pitchFamily="2" charset="0"/>
+                <a:ea typeface="Roboto" panose="02000000000000000000" pitchFamily="2" charset="0"/>
+              </a:rPr>
+              <a:t>extracted</a:t>
+            </a:r>
+            <a:r>
+              <a:rPr lang="it-IT" sz="2000" dirty="0">
+                <a:latin typeface="Roboto" panose="02000000000000000000" pitchFamily="2" charset="0"/>
+                <a:ea typeface="Roboto" panose="02000000000000000000" pitchFamily="2" charset="0"/>
+              </a:rPr>
+              <a:t> from a </a:t>
+            </a:r>
+            <a:r>
+              <a:rPr lang="it-IT" sz="2000" dirty="0" err="1">
+                <a:latin typeface="Roboto" panose="02000000000000000000" pitchFamily="2" charset="0"/>
+                <a:ea typeface="Roboto" panose="02000000000000000000" pitchFamily="2" charset="0"/>
+              </a:rPr>
+              <a:t>collection</a:t>
+            </a:r>
+            <a:r>
+              <a:rPr lang="it-IT" sz="2000" dirty="0">
+                <a:latin typeface="Roboto" panose="02000000000000000000" pitchFamily="2" charset="0"/>
+                <a:ea typeface="Roboto" panose="02000000000000000000" pitchFamily="2" charset="0"/>
+              </a:rPr>
+              <a:t> of Windows </a:t>
+            </a:r>
+            <a:r>
+              <a:rPr lang="it-IT" sz="2000" dirty="0" err="1">
+                <a:latin typeface="Roboto" panose="02000000000000000000" pitchFamily="2" charset="0"/>
+                <a:ea typeface="Roboto" panose="02000000000000000000" pitchFamily="2" charset="0"/>
+              </a:rPr>
+              <a:t>executable</a:t>
+            </a:r>
+            <a:r>
+              <a:rPr lang="it-IT" sz="2000" dirty="0">
+                <a:latin typeface="Roboto" panose="02000000000000000000" pitchFamily="2" charset="0"/>
+                <a:ea typeface="Roboto" panose="02000000000000000000" pitchFamily="2" charset="0"/>
+              </a:rPr>
+              <a:t> and DLL files. </a:t>
+            </a:r>
+            <a:r>
+              <a:rPr lang="it-IT" sz="2000" dirty="0" err="1">
+                <a:latin typeface="Roboto" panose="02000000000000000000" pitchFamily="2" charset="0"/>
+                <a:ea typeface="Roboto" panose="02000000000000000000" pitchFamily="2" charset="0"/>
+              </a:rPr>
+              <a:t>Each</a:t>
+            </a:r>
+            <a:r>
+              <a:rPr lang="it-IT" sz="2000" dirty="0">
+                <a:latin typeface="Roboto" panose="02000000000000000000" pitchFamily="2" charset="0"/>
+                <a:ea typeface="Roboto" panose="02000000000000000000" pitchFamily="2" charset="0"/>
+              </a:rPr>
+              <a:t> entry </a:t>
+            </a:r>
+            <a:r>
+              <a:rPr lang="it-IT" sz="2000" dirty="0" err="1">
+                <a:latin typeface="Roboto" panose="02000000000000000000" pitchFamily="2" charset="0"/>
+                <a:ea typeface="Roboto" panose="02000000000000000000" pitchFamily="2" charset="0"/>
+              </a:rPr>
+              <a:t>represents</a:t>
+            </a:r>
+            <a:r>
+              <a:rPr lang="it-IT" sz="2000" dirty="0">
+                <a:latin typeface="Roboto" panose="02000000000000000000" pitchFamily="2" charset="0"/>
+                <a:ea typeface="Roboto" panose="02000000000000000000" pitchFamily="2" charset="0"/>
+              </a:rPr>
+              <a:t> a </a:t>
+            </a:r>
+            <a:r>
+              <a:rPr lang="it-IT" sz="2000" dirty="0" err="1">
+                <a:latin typeface="Roboto" panose="02000000000000000000" pitchFamily="2" charset="0"/>
+                <a:ea typeface="Roboto" panose="02000000000000000000" pitchFamily="2" charset="0"/>
+              </a:rPr>
+              <a:t>unique</a:t>
+            </a:r>
+            <a:r>
+              <a:rPr lang="it-IT" sz="2000" dirty="0">
+                <a:latin typeface="Roboto" panose="02000000000000000000" pitchFamily="2" charset="0"/>
+                <a:ea typeface="Roboto" panose="02000000000000000000" pitchFamily="2" charset="0"/>
+              </a:rPr>
+              <a:t> file with </a:t>
+            </a:r>
+            <a:r>
+              <a:rPr lang="it-IT" sz="2000" dirty="0" err="1">
+                <a:latin typeface="Roboto" panose="02000000000000000000" pitchFamily="2" charset="0"/>
+                <a:ea typeface="Roboto" panose="02000000000000000000" pitchFamily="2" charset="0"/>
+              </a:rPr>
+              <a:t>various</a:t>
+            </a:r>
+            <a:r>
+              <a:rPr lang="it-IT" sz="2000" dirty="0">
+                <a:latin typeface="Roboto" panose="02000000000000000000" pitchFamily="2" charset="0"/>
+                <a:ea typeface="Roboto" panose="02000000000000000000" pitchFamily="2" charset="0"/>
+              </a:rPr>
+              <a:t> </a:t>
+            </a:r>
+            <a:r>
+              <a:rPr lang="it-IT" sz="2000" dirty="0" err="1">
+                <a:latin typeface="Roboto" panose="02000000000000000000" pitchFamily="2" charset="0"/>
+                <a:ea typeface="Roboto" panose="02000000000000000000" pitchFamily="2" charset="0"/>
+              </a:rPr>
+              <a:t>attributes</a:t>
+            </a:r>
+            <a:r>
+              <a:rPr lang="it-IT" sz="2000" dirty="0">
+                <a:latin typeface="Roboto" panose="02000000000000000000" pitchFamily="2" charset="0"/>
+                <a:ea typeface="Roboto" panose="02000000000000000000" pitchFamily="2" charset="0"/>
+              </a:rPr>
+              <a:t> </a:t>
+            </a:r>
+            <a:r>
+              <a:rPr lang="it-IT" sz="2000" dirty="0" err="1">
+                <a:latin typeface="Roboto" panose="02000000000000000000" pitchFamily="2" charset="0"/>
+                <a:ea typeface="Roboto" panose="02000000000000000000" pitchFamily="2" charset="0"/>
+              </a:rPr>
+              <a:t>extracted</a:t>
+            </a:r>
+            <a:r>
+              <a:rPr lang="it-IT" sz="2000" dirty="0">
+                <a:latin typeface="Roboto" panose="02000000000000000000" pitchFamily="2" charset="0"/>
+                <a:ea typeface="Roboto" panose="02000000000000000000" pitchFamily="2" charset="0"/>
+              </a:rPr>
+              <a:t> from </a:t>
+            </a:r>
+            <a:r>
+              <a:rPr lang="it-IT" sz="2000" dirty="0" err="1">
+                <a:latin typeface="Roboto" panose="02000000000000000000" pitchFamily="2" charset="0"/>
+                <a:ea typeface="Roboto" panose="02000000000000000000" pitchFamily="2" charset="0"/>
+              </a:rPr>
+              <a:t>its</a:t>
+            </a:r>
+            <a:r>
+              <a:rPr lang="it-IT" sz="2000" dirty="0">
+                <a:latin typeface="Roboto" panose="02000000000000000000" pitchFamily="2" charset="0"/>
+                <a:ea typeface="Roboto" panose="02000000000000000000" pitchFamily="2" charset="0"/>
+              </a:rPr>
+              <a:t> PE </a:t>
+            </a:r>
+            <a:r>
+              <a:rPr lang="it-IT" sz="2000" dirty="0" err="1">
+                <a:latin typeface="Roboto" panose="02000000000000000000" pitchFamily="2" charset="0"/>
+                <a:ea typeface="Roboto" panose="02000000000000000000" pitchFamily="2" charset="0"/>
+              </a:rPr>
+              <a:t>header</a:t>
+            </a:r>
+            <a:r>
+              <a:rPr lang="it-IT" sz="2000" dirty="0">
+                <a:latin typeface="Roboto" panose="02000000000000000000" pitchFamily="2" charset="0"/>
+                <a:ea typeface="Roboto" panose="02000000000000000000" pitchFamily="2" charset="0"/>
+              </a:rPr>
+              <a:t> and </a:t>
+            </a:r>
+            <a:r>
+              <a:rPr lang="it-IT" sz="2000" dirty="0" err="1">
+                <a:latin typeface="Roboto" panose="02000000000000000000" pitchFamily="2" charset="0"/>
+                <a:ea typeface="Roboto" panose="02000000000000000000" pitchFamily="2" charset="0"/>
+              </a:rPr>
+              <a:t>structure</a:t>
+            </a:r>
+            <a:r>
+              <a:rPr lang="it-IT" sz="2000" dirty="0">
+                <a:latin typeface="Roboto" panose="02000000000000000000" pitchFamily="2" charset="0"/>
+                <a:ea typeface="Roboto" panose="02000000000000000000" pitchFamily="2" charset="0"/>
+              </a:rPr>
+              <a:t>. The dataset </a:t>
+            </a:r>
+            <a:r>
+              <a:rPr lang="it-IT" sz="2000" dirty="0" err="1">
+                <a:latin typeface="Roboto" panose="02000000000000000000" pitchFamily="2" charset="0"/>
+                <a:ea typeface="Roboto" panose="02000000000000000000" pitchFamily="2" charset="0"/>
+              </a:rPr>
+              <a:t>includes</a:t>
+            </a:r>
+            <a:r>
+              <a:rPr lang="it-IT" sz="2000" dirty="0">
+                <a:latin typeface="Roboto" panose="02000000000000000000" pitchFamily="2" charset="0"/>
+                <a:ea typeface="Roboto" panose="02000000000000000000" pitchFamily="2" charset="0"/>
+              </a:rPr>
+              <a:t> </a:t>
+            </a:r>
+            <a:r>
+              <a:rPr lang="it-IT" sz="2000" dirty="0" err="1">
+                <a:latin typeface="Roboto" panose="02000000000000000000" pitchFamily="2" charset="0"/>
+                <a:ea typeface="Roboto" panose="02000000000000000000" pitchFamily="2" charset="0"/>
+              </a:rPr>
+              <a:t>both</a:t>
+            </a:r>
+            <a:r>
+              <a:rPr lang="it-IT" sz="2000" dirty="0">
+                <a:latin typeface="Roboto" panose="02000000000000000000" pitchFamily="2" charset="0"/>
+                <a:ea typeface="Roboto" panose="02000000000000000000" pitchFamily="2" charset="0"/>
+              </a:rPr>
+              <a:t> </a:t>
+            </a:r>
+            <a:r>
+              <a:rPr lang="it-IT" sz="2000" dirty="0" err="1">
+                <a:latin typeface="Roboto" panose="02000000000000000000" pitchFamily="2" charset="0"/>
+                <a:ea typeface="Roboto" panose="02000000000000000000" pitchFamily="2" charset="0"/>
+              </a:rPr>
+              <a:t>benign</a:t>
+            </a:r>
+            <a:r>
+              <a:rPr lang="it-IT" sz="2000" dirty="0">
+                <a:latin typeface="Roboto" panose="02000000000000000000" pitchFamily="2" charset="0"/>
+                <a:ea typeface="Roboto" panose="02000000000000000000" pitchFamily="2" charset="0"/>
+              </a:rPr>
+              <a:t> software samples and </a:t>
+            </a:r>
+            <a:r>
+              <a:rPr lang="it-IT" sz="2000" dirty="0" err="1">
+                <a:latin typeface="Roboto" panose="02000000000000000000" pitchFamily="2" charset="0"/>
+                <a:ea typeface="Roboto" panose="02000000000000000000" pitchFamily="2" charset="0"/>
+              </a:rPr>
+              <a:t>known</a:t>
+            </a:r>
+            <a:r>
+              <a:rPr lang="it-IT" sz="2000" dirty="0">
+                <a:latin typeface="Roboto" panose="02000000000000000000" pitchFamily="2" charset="0"/>
+                <a:ea typeface="Roboto" panose="02000000000000000000" pitchFamily="2" charset="0"/>
+              </a:rPr>
+              <a:t> malware samples.</a:t>
+            </a:r>
+          </a:p>
+        </p:txBody>
+      </p:sp>
+    </p:spTree>
+    <p:extLst>
+      <p:ext uri="{BB962C8B-B14F-4D97-AF65-F5344CB8AC3E}">
+        <p14:creationId xmlns:p14="http://schemas.microsoft.com/office/powerpoint/2010/main" val="1234624550"/>
+      </p:ext>
+    </p:extLst>
+  </p:cSld>
+  <p:clrMapOvr>
+    <a:masterClrMapping/>
+  </p:clrMapOvr>
+  <mc:AlternateContent xmlns:mc="http://schemas.openxmlformats.org/markup-compatibility/2006" xmlns:p159="http://schemas.microsoft.com/office/powerpoint/2015/09/main">
+    <mc:Choice Requires="p159">
+      <p:transition xmlns:p14="http://schemas.microsoft.com/office/powerpoint/2010/main" spd="slow" p14:dur="2000">
+        <p159:morph option="byObject"/>
+      </p:transition>
+    </mc:Choice>
+    <mc:Fallback xmlns="">
+      <p:transition spd="slow">
+        <p:fade/>
+      </p:transition>
+    </mc:Fallback>
+  </mc:AlternateContent>
+</p:sld>
+</file>
+
+<file path=ppt/slides/slide4.xml><?xml version="1.0" encoding="utf-8"?>
+<p:sld xmlns:a="http://schemas.openxmlformats.org/drawingml/2006/main" xmlns:r="http://schemas.openxmlformats.org/officeDocument/2006/relationships" xmlns:p="http://schemas.openxmlformats.org/presentationml/2006/main">
+  <p:cSld>
+    <p:spTree>
+      <p:nvGrpSpPr>
+        <p:cNvPr id="1" name=""/>
+        <p:cNvGrpSpPr/>
+        <p:nvPr/>
+      </p:nvGrpSpPr>
+      <p:grpSpPr>
+        <a:xfrm>
+          <a:off x="0" y="0"/>
+          <a:ext cx="0" cy="0"/>
+          <a:chOff x="0" y="0"/>
+          <a:chExt cx="0" cy="0"/>
+        </a:xfrm>
+      </p:grpSpPr>
+      <p:sp>
+        <p:nvSpPr>
+          <p:cNvPr id="3" name="Content Placeholder 2">
+            <a:extLst>
+              <a:ext uri="{FF2B5EF4-FFF2-40B4-BE49-F238E27FC236}">
+                <a16:creationId xmlns:a16="http://schemas.microsoft.com/office/drawing/2014/main" id="{F46C0C3E-7ABA-AB18-473B-2C8501371902}"/>
+              </a:ext>
+            </a:extLst>
+          </p:cNvPr>
+          <p:cNvSpPr>
+            <a:spLocks noGrp="1"/>
+          </p:cNvSpPr>
+          <p:nvPr>
+            <p:ph idx="1"/>
+          </p:nvPr>
+        </p:nvSpPr>
+        <p:spPr/>
+        <p:txBody>
+          <a:bodyPr>
+            <a:normAutofit fontScale="85000" lnSpcReduction="20000"/>
+          </a:bodyPr>
+          <a:lstStyle/>
+          <a:p>
+            <a:r>
+              <a:rPr lang="it-IT" dirty="0"/>
+              <a:t>Head Dataset</a:t>
+            </a:r>
+          </a:p>
+          <a:p>
+            <a:r>
+              <a:rPr lang="it-IT" dirty="0"/>
+              <a:t>Alcune righe </a:t>
+            </a:r>
+          </a:p>
+          <a:p>
+            <a:r>
+              <a:rPr lang="it-IT" dirty="0"/>
+              <a:t>Informazioni sui tipi delle feature</a:t>
+            </a:r>
+          </a:p>
+          <a:p>
+            <a:r>
+              <a:rPr lang="it-IT" dirty="0"/>
+              <a:t>Statistiche</a:t>
+            </a:r>
+          </a:p>
+          <a:p>
+            <a:pPr lvl="1"/>
+            <a:r>
+              <a:rPr lang="it-IT" dirty="0"/>
+              <a:t>No </a:t>
+            </a:r>
+            <a:r>
+              <a:rPr lang="it-IT" dirty="0" err="1"/>
+              <a:t>missing</a:t>
+            </a:r>
+            <a:r>
+              <a:rPr lang="it-IT" dirty="0"/>
+              <a:t> data</a:t>
+            </a:r>
+          </a:p>
+          <a:p>
+            <a:pPr lvl="1"/>
+            <a:r>
+              <a:rPr lang="it-IT" dirty="0" err="1"/>
+              <a:t>FileName</a:t>
+            </a:r>
+            <a:r>
+              <a:rPr lang="it-IT" dirty="0"/>
+              <a:t> e MD5Hash hanno valore diverso x ogni riga</a:t>
+            </a:r>
+          </a:p>
+          <a:p>
+            <a:pPr lvl="1"/>
+            <a:r>
+              <a:rPr lang="it-IT" dirty="0"/>
+              <a:t>Divisione tra variabili categoriche e variabili numeriche</a:t>
+            </a:r>
+          </a:p>
+          <a:p>
+            <a:pPr lvl="1"/>
+            <a:r>
+              <a:rPr lang="it-IT" dirty="0" err="1"/>
+              <a:t>Describe</a:t>
+            </a:r>
+            <a:r>
+              <a:rPr lang="it-IT" dirty="0"/>
+              <a:t> delle variabili numeriche</a:t>
+            </a:r>
+          </a:p>
+          <a:p>
+            <a:pPr lvl="1"/>
+            <a:r>
+              <a:rPr lang="it-IT" dirty="0"/>
+              <a:t>Zeri significativi per queste variabili</a:t>
+            </a:r>
+          </a:p>
+          <a:p>
+            <a:r>
+              <a:rPr lang="it-IT" dirty="0"/>
+              <a:t>Visualizzazione dei plot</a:t>
+            </a:r>
+          </a:p>
+          <a:p>
+            <a:pPr lvl="1"/>
+            <a:r>
+              <a:rPr lang="it-IT" dirty="0"/>
+              <a:t>Bitcoin </a:t>
+            </a:r>
+            <a:r>
+              <a:rPr lang="it-IT" dirty="0" err="1"/>
+              <a:t>address</a:t>
+            </a:r>
+            <a:r>
+              <a:rPr lang="it-IT" dirty="0"/>
+              <a:t> è binaria, sbilanciata, non è certo che sia malware</a:t>
+            </a:r>
+          </a:p>
+          <a:p>
+            <a:r>
+              <a:rPr lang="it-IT" dirty="0"/>
+              <a:t>Unione delle variabili</a:t>
+            </a:r>
+          </a:p>
+          <a:p>
+            <a:r>
+              <a:rPr lang="it-IT" dirty="0"/>
+              <a:t>Correlazione -&gt; Problema con chi2 quindi Cramer, tutti test + ANOVA</a:t>
+            </a:r>
+          </a:p>
+          <a:p>
+            <a:endParaRPr lang="it-IT" dirty="0"/>
+          </a:p>
+        </p:txBody>
+      </p:sp>
+      <p:sp>
+        <p:nvSpPr>
+          <p:cNvPr id="4" name="Oval 3">
+            <a:extLst>
+              <a:ext uri="{FF2B5EF4-FFF2-40B4-BE49-F238E27FC236}">
+                <a16:creationId xmlns:a16="http://schemas.microsoft.com/office/drawing/2014/main" id="{ECB02BB1-1A60-C528-878A-A3C62117FBE5}"/>
+              </a:ext>
+            </a:extLst>
+          </p:cNvPr>
+          <p:cNvSpPr/>
+          <p:nvPr/>
+        </p:nvSpPr>
+        <p:spPr>
+          <a:xfrm>
+            <a:off x="277097" y="260062"/>
+            <a:ext cx="514350" cy="514350"/>
+          </a:xfrm>
+          <a:prstGeom prst="ellipse">
+            <a:avLst/>
+          </a:prstGeom>
+          <a:solidFill>
+            <a:srgbClr val="0F4A7C"/>
+          </a:solidFill>
+          <a:ln>
+            <a:noFill/>
+          </a:ln>
+        </p:spPr>
+        <p:style>
+          <a:lnRef idx="2">
+            <a:schemeClr val="accent1">
+              <a:shade val="15000"/>
+            </a:schemeClr>
+          </a:lnRef>
+          <a:fillRef idx="1">
+            <a:schemeClr val="accent1"/>
+          </a:fillRef>
+          <a:effectRef idx="0">
+            <a:schemeClr val="accent1"/>
+          </a:effectRef>
+          <a:fontRef idx="minor">
+            <a:schemeClr val="lt1"/>
+          </a:fontRef>
+        </p:style>
+        <p:txBody>
+          <a:bodyPr rtlCol="0" anchor="ctr"/>
+          <a:lstStyle/>
+          <a:p>
+            <a:pPr algn="ctr"/>
+            <a:endParaRPr lang="it-IT"/>
+          </a:p>
+        </p:txBody>
+      </p:sp>
+      <p:pic>
+        <p:nvPicPr>
+          <p:cNvPr id="5" name="Picture 4" descr="A white line drawing of a graph and a magnifying glass&#10;&#10;AI-generated content may be incorrect.">
+            <a:extLst>
+              <a:ext uri="{FF2B5EF4-FFF2-40B4-BE49-F238E27FC236}">
+                <a16:creationId xmlns:a16="http://schemas.microsoft.com/office/drawing/2014/main" id="{990C8CE9-087C-334F-20D5-45F5D0F695FF}"/>
+              </a:ext>
+            </a:extLst>
+          </p:cNvPr>
+          <p:cNvPicPr>
+            <a:picLocks noChangeAspect="1"/>
+          </p:cNvPicPr>
+          <p:nvPr/>
+        </p:nvPicPr>
+        <p:blipFill>
+          <a:blip r:embed="rId2"/>
+          <a:stretch>
+            <a:fillRect/>
+          </a:stretch>
+        </p:blipFill>
+        <p:spPr>
+          <a:xfrm>
+            <a:off x="372407" y="353437"/>
+            <a:ext cx="327600" cy="327600"/>
+          </a:xfrm>
+          <a:prstGeom prst="rect">
+            <a:avLst/>
+          </a:prstGeom>
+        </p:spPr>
+      </p:pic>
+      <p:sp>
+        <p:nvSpPr>
+          <p:cNvPr id="6" name="TextBox 5">
+            <a:extLst>
+              <a:ext uri="{FF2B5EF4-FFF2-40B4-BE49-F238E27FC236}">
+                <a16:creationId xmlns:a16="http://schemas.microsoft.com/office/drawing/2014/main" id="{A6BAF34F-48D7-501B-26B5-70CC724A8697}"/>
+              </a:ext>
+            </a:extLst>
+          </p:cNvPr>
+          <p:cNvSpPr txBox="1"/>
+          <p:nvPr/>
+        </p:nvSpPr>
+        <p:spPr>
+          <a:xfrm>
+            <a:off x="882886" y="328130"/>
+            <a:ext cx="4054315" cy="369332"/>
+          </a:xfrm>
+          <a:prstGeom prst="rect">
+            <a:avLst/>
+          </a:prstGeom>
+          <a:noFill/>
+        </p:spPr>
+        <p:txBody>
+          <a:bodyPr wrap="none" rtlCol="0">
+            <a:spAutoFit/>
+          </a:bodyPr>
+          <a:lstStyle/>
+          <a:p>
+            <a:r>
+              <a:rPr lang="it-IT" dirty="0">
+                <a:latin typeface="Roboto" panose="02000000000000000000" pitchFamily="2" charset="0"/>
+                <a:ea typeface="Roboto" panose="02000000000000000000" pitchFamily="2" charset="0"/>
+              </a:rPr>
+              <a:t>Data </a:t>
+            </a:r>
+            <a:r>
+              <a:rPr lang="it-IT" dirty="0" err="1">
+                <a:latin typeface="Roboto" panose="02000000000000000000" pitchFamily="2" charset="0"/>
+                <a:ea typeface="Roboto" panose="02000000000000000000" pitchFamily="2" charset="0"/>
+              </a:rPr>
+              <a:t>Acquisition</a:t>
+            </a:r>
+            <a:r>
+              <a:rPr lang="it-IT" dirty="0">
+                <a:latin typeface="Roboto" panose="02000000000000000000" pitchFamily="2" charset="0"/>
+                <a:ea typeface="Roboto" panose="02000000000000000000" pitchFamily="2" charset="0"/>
+              </a:rPr>
+              <a:t> and Data Exploration</a:t>
+            </a:r>
+          </a:p>
+        </p:txBody>
+      </p:sp>
+    </p:spTree>
+    <p:extLst>
+      <p:ext uri="{BB962C8B-B14F-4D97-AF65-F5344CB8AC3E}">
+        <p14:creationId xmlns:p14="http://schemas.microsoft.com/office/powerpoint/2010/main" val="2862878420"/>
+      </p:ext>
+    </p:extLst>
+  </p:cSld>
+  <p:clrMapOvr>
+    <a:masterClrMapping/>
+  </p:clrMapOvr>
+</p:sld>
+</file>
+
+<file path=ppt/slides/slide5.xml><?xml version="1.0" encoding="utf-8"?>
+<p:sld xmlns:a="http://schemas.openxmlformats.org/drawingml/2006/main" xmlns:r="http://schemas.openxmlformats.org/officeDocument/2006/relationships" xmlns:p="http://schemas.openxmlformats.org/presentationml/2006/main">
+  <p:cSld>
+    <p:spTree>
+      <p:nvGrpSpPr>
+        <p:cNvPr id="1" name=""/>
+        <p:cNvGrpSpPr/>
+        <p:nvPr/>
+      </p:nvGrpSpPr>
+      <p:grpSpPr>
+        <a:xfrm>
+          <a:off x="0" y="0"/>
+          <a:ext cx="0" cy="0"/>
+          <a:chOff x="0" y="0"/>
+          <a:chExt cx="0" cy="0"/>
+        </a:xfrm>
+      </p:grpSpPr>
+      <p:sp>
+        <p:nvSpPr>
+          <p:cNvPr id="4" name="Oval 3">
+            <a:extLst>
+              <a:ext uri="{FF2B5EF4-FFF2-40B4-BE49-F238E27FC236}">
+                <a16:creationId xmlns:a16="http://schemas.microsoft.com/office/drawing/2014/main" id="{5E4D8B98-2C65-321F-AFA2-041CF66723E9}"/>
+              </a:ext>
+            </a:extLst>
+          </p:cNvPr>
+          <p:cNvSpPr/>
+          <p:nvPr/>
+        </p:nvSpPr>
+        <p:spPr>
+          <a:xfrm>
+            <a:off x="277097" y="260062"/>
+            <a:ext cx="514350" cy="514350"/>
+          </a:xfrm>
+          <a:prstGeom prst="ellipse">
+            <a:avLst/>
+          </a:prstGeom>
+          <a:solidFill>
+            <a:srgbClr val="0F4A7C"/>
+          </a:solidFill>
+          <a:ln>
+            <a:noFill/>
+          </a:ln>
+        </p:spPr>
+        <p:style>
+          <a:lnRef idx="2">
+            <a:schemeClr val="accent1">
+              <a:shade val="15000"/>
+            </a:schemeClr>
+          </a:lnRef>
+          <a:fillRef idx="1">
+            <a:schemeClr val="accent1"/>
+          </a:fillRef>
+          <a:effectRef idx="0">
+            <a:schemeClr val="accent1"/>
+          </a:effectRef>
+          <a:fontRef idx="minor">
+            <a:schemeClr val="lt1"/>
+          </a:fontRef>
+        </p:style>
+        <p:txBody>
+          <a:bodyPr rtlCol="0" anchor="ctr"/>
+          <a:lstStyle/>
+          <a:p>
+            <a:pPr algn="ctr"/>
+            <a:endParaRPr lang="it-IT"/>
+          </a:p>
+        </p:txBody>
+      </p:sp>
+      <p:pic>
+        <p:nvPicPr>
+          <p:cNvPr id="5" name="Picture 4" descr="A white line drawing of a graph and a magnifying glass&#10;&#10;AI-generated content may be incorrect.">
+            <a:extLst>
+              <a:ext uri="{FF2B5EF4-FFF2-40B4-BE49-F238E27FC236}">
+                <a16:creationId xmlns:a16="http://schemas.microsoft.com/office/drawing/2014/main" id="{B818DDE9-7CF0-97D3-7107-C80E68DAF8A2}"/>
+              </a:ext>
+            </a:extLst>
+          </p:cNvPr>
+          <p:cNvPicPr>
+            <a:picLocks noChangeAspect="1"/>
+          </p:cNvPicPr>
+          <p:nvPr/>
+        </p:nvPicPr>
+        <p:blipFill>
+          <a:blip r:embed="rId2"/>
+          <a:stretch>
+            <a:fillRect/>
+          </a:stretch>
+        </p:blipFill>
+        <p:spPr>
+          <a:xfrm>
+            <a:off x="372407" y="353437"/>
+            <a:ext cx="327600" cy="327600"/>
+          </a:xfrm>
+          <a:prstGeom prst="rect">
+            <a:avLst/>
+          </a:prstGeom>
+        </p:spPr>
+      </p:pic>
+      <p:sp>
+        <p:nvSpPr>
+          <p:cNvPr id="6" name="TextBox 5">
+            <a:extLst>
+              <a:ext uri="{FF2B5EF4-FFF2-40B4-BE49-F238E27FC236}">
+                <a16:creationId xmlns:a16="http://schemas.microsoft.com/office/drawing/2014/main" id="{57272788-147E-1E9F-7875-9161C15159E9}"/>
+              </a:ext>
+            </a:extLst>
+          </p:cNvPr>
+          <p:cNvSpPr txBox="1"/>
+          <p:nvPr/>
+        </p:nvSpPr>
+        <p:spPr>
+          <a:xfrm>
+            <a:off x="882886" y="328130"/>
+            <a:ext cx="4054315" cy="369332"/>
+          </a:xfrm>
+          <a:prstGeom prst="rect">
+            <a:avLst/>
+          </a:prstGeom>
+          <a:noFill/>
+        </p:spPr>
+        <p:txBody>
+          <a:bodyPr wrap="none" rtlCol="0">
+            <a:spAutoFit/>
+          </a:bodyPr>
+          <a:lstStyle/>
+          <a:p>
+            <a:r>
+              <a:rPr lang="it-IT" dirty="0">
+                <a:latin typeface="Roboto" panose="02000000000000000000" pitchFamily="2" charset="0"/>
+                <a:ea typeface="Roboto" panose="02000000000000000000" pitchFamily="2" charset="0"/>
+              </a:rPr>
+              <a:t>Data </a:t>
+            </a:r>
+            <a:r>
+              <a:rPr lang="it-IT" dirty="0" err="1">
+                <a:latin typeface="Roboto" panose="02000000000000000000" pitchFamily="2" charset="0"/>
+                <a:ea typeface="Roboto" panose="02000000000000000000" pitchFamily="2" charset="0"/>
+              </a:rPr>
+              <a:t>Acquisition</a:t>
+            </a:r>
+            <a:r>
+              <a:rPr lang="it-IT" dirty="0">
+                <a:latin typeface="Roboto" panose="02000000000000000000" pitchFamily="2" charset="0"/>
+                <a:ea typeface="Roboto" panose="02000000000000000000" pitchFamily="2" charset="0"/>
+              </a:rPr>
+              <a:t> and Data Exploration</a:t>
+            </a:r>
+          </a:p>
+        </p:txBody>
+      </p:sp>
+      <p:sp>
+        <p:nvSpPr>
+          <p:cNvPr id="7" name="TextBox 6">
+            <a:extLst>
+              <a:ext uri="{FF2B5EF4-FFF2-40B4-BE49-F238E27FC236}">
+                <a16:creationId xmlns:a16="http://schemas.microsoft.com/office/drawing/2014/main" id="{8607FE29-1586-0E17-C56A-B2B216950B07}"/>
+              </a:ext>
+            </a:extLst>
+          </p:cNvPr>
+          <p:cNvSpPr txBox="1"/>
+          <p:nvPr/>
+        </p:nvSpPr>
+        <p:spPr>
+          <a:xfrm>
+            <a:off x="1982545" y="697462"/>
+            <a:ext cx="1854995" cy="369332"/>
+          </a:xfrm>
+          <a:prstGeom prst="rect">
+            <a:avLst/>
+          </a:prstGeom>
+          <a:noFill/>
+        </p:spPr>
+        <p:txBody>
+          <a:bodyPr wrap="none" rtlCol="0">
+            <a:spAutoFit/>
+          </a:bodyPr>
+          <a:lstStyle/>
+          <a:p>
+            <a:r>
+              <a:rPr lang="it-IT" dirty="0">
+                <a:latin typeface="Roboto" panose="02000000000000000000" pitchFamily="2" charset="0"/>
+                <a:ea typeface="Roboto" panose="02000000000000000000" pitchFamily="2" charset="0"/>
+              </a:rPr>
+              <a:t>Dataset </a:t>
+            </a:r>
+            <a:r>
+              <a:rPr lang="it-IT" dirty="0" err="1">
+                <a:latin typeface="Roboto" panose="02000000000000000000" pitchFamily="2" charset="0"/>
+                <a:ea typeface="Roboto" panose="02000000000000000000" pitchFamily="2" charset="0"/>
+              </a:rPr>
+              <a:t>Feaures</a:t>
+            </a:r>
+            <a:endParaRPr lang="it-IT" dirty="0">
+              <a:latin typeface="Roboto" panose="02000000000000000000" pitchFamily="2" charset="0"/>
+              <a:ea typeface="Roboto" panose="02000000000000000000" pitchFamily="2" charset="0"/>
+            </a:endParaRPr>
+          </a:p>
+        </p:txBody>
+      </p:sp>
+      <p:pic>
+        <p:nvPicPr>
+          <p:cNvPr id="10" name="Picture 9" descr="A table of information&#10;&#10;AI-generated content may be incorrect.">
+            <a:extLst>
+              <a:ext uri="{FF2B5EF4-FFF2-40B4-BE49-F238E27FC236}">
+                <a16:creationId xmlns:a16="http://schemas.microsoft.com/office/drawing/2014/main" id="{9AA3D7EC-9638-F210-CEF2-746F965E04F4}"/>
+              </a:ext>
+            </a:extLst>
+          </p:cNvPr>
+          <p:cNvPicPr>
+            <a:picLocks noChangeAspect="1"/>
+          </p:cNvPicPr>
+          <p:nvPr/>
+        </p:nvPicPr>
+        <p:blipFill>
+          <a:blip r:embed="rId3"/>
+          <a:stretch>
+            <a:fillRect/>
+          </a:stretch>
+        </p:blipFill>
+        <p:spPr>
+          <a:xfrm>
+            <a:off x="5252491" y="628647"/>
+            <a:ext cx="6567102" cy="5600706"/>
+          </a:xfrm>
+          <a:prstGeom prst="rect">
+            <a:avLst/>
+          </a:prstGeom>
+        </p:spPr>
+      </p:pic>
+    </p:spTree>
+    <p:extLst>
+      <p:ext uri="{BB962C8B-B14F-4D97-AF65-F5344CB8AC3E}">
+        <p14:creationId xmlns:p14="http://schemas.microsoft.com/office/powerpoint/2010/main" val="3308532822"/>
+      </p:ext>
+    </p:extLst>
+  </p:cSld>
+  <p:clrMapOvr>
+    <a:masterClrMapping/>
+  </p:clrMapOvr>
+</p:sld>
+</file>
+
+<file path=ppt/slides/slide6.xml><?xml version="1.0" encoding="utf-8"?>
+<p:sld xmlns:a="http://schemas.openxmlformats.org/drawingml/2006/main" xmlns:r="http://schemas.openxmlformats.org/officeDocument/2006/relationships" xmlns:p="http://schemas.openxmlformats.org/presentationml/2006/main">
+  <p:cSld>
+    <p:spTree>
+      <p:nvGrpSpPr>
+        <p:cNvPr id="1" name="">
+          <a:extLst>
+            <a:ext uri="{FF2B5EF4-FFF2-40B4-BE49-F238E27FC236}">
+              <a16:creationId xmlns:a16="http://schemas.microsoft.com/office/drawing/2014/main" id="{124FC546-E684-2792-1F52-C88CE0271E40}"/>
+            </a:ext>
+          </a:extLst>
+        </p:cNvPr>
+        <p:cNvGrpSpPr/>
+        <p:nvPr/>
+      </p:nvGrpSpPr>
+      <p:grpSpPr>
+        <a:xfrm>
+          <a:off x="0" y="0"/>
+          <a:ext cx="0" cy="0"/>
+          <a:chOff x="0" y="0"/>
+          <a:chExt cx="0" cy="0"/>
+        </a:xfrm>
+      </p:grpSpPr>
+      <p:sp>
+        <p:nvSpPr>
+          <p:cNvPr id="4" name="Oval 3">
+            <a:extLst>
+              <a:ext uri="{FF2B5EF4-FFF2-40B4-BE49-F238E27FC236}">
+                <a16:creationId xmlns:a16="http://schemas.microsoft.com/office/drawing/2014/main" id="{74AB43E4-F21C-3F46-0035-FE434838782C}"/>
+              </a:ext>
+            </a:extLst>
+          </p:cNvPr>
+          <p:cNvSpPr/>
+          <p:nvPr/>
+        </p:nvSpPr>
+        <p:spPr>
+          <a:xfrm>
+            <a:off x="277097" y="260062"/>
+            <a:ext cx="514350" cy="514350"/>
+          </a:xfrm>
+          <a:prstGeom prst="ellipse">
+            <a:avLst/>
+          </a:prstGeom>
+          <a:solidFill>
+            <a:srgbClr val="0F4A7C"/>
+          </a:solidFill>
+          <a:ln>
+            <a:noFill/>
+          </a:ln>
+        </p:spPr>
+        <p:style>
+          <a:lnRef idx="2">
+            <a:schemeClr val="accent1">
+              <a:shade val="15000"/>
+            </a:schemeClr>
+          </a:lnRef>
+          <a:fillRef idx="1">
+            <a:schemeClr val="accent1"/>
+          </a:fillRef>
+          <a:effectRef idx="0">
+            <a:schemeClr val="accent1"/>
+          </a:effectRef>
+          <a:fontRef idx="minor">
+            <a:schemeClr val="lt1"/>
+          </a:fontRef>
+        </p:style>
+        <p:txBody>
+          <a:bodyPr rtlCol="0" anchor="ctr"/>
+          <a:lstStyle/>
+          <a:p>
+            <a:pPr algn="ctr"/>
+            <a:endParaRPr lang="it-IT"/>
+          </a:p>
+        </p:txBody>
+      </p:sp>
+      <p:pic>
+        <p:nvPicPr>
+          <p:cNvPr id="5" name="Picture 4" descr="A white line drawing of a graph and a magnifying glass&#10;&#10;AI-generated content may be incorrect.">
+            <a:extLst>
+              <a:ext uri="{FF2B5EF4-FFF2-40B4-BE49-F238E27FC236}">
+                <a16:creationId xmlns:a16="http://schemas.microsoft.com/office/drawing/2014/main" id="{18E8E884-0263-7647-09E7-81D03A5F55AD}"/>
+              </a:ext>
+            </a:extLst>
+          </p:cNvPr>
+          <p:cNvPicPr>
+            <a:picLocks noChangeAspect="1"/>
+          </p:cNvPicPr>
+          <p:nvPr/>
+        </p:nvPicPr>
+        <p:blipFill>
+          <a:blip r:embed="rId2"/>
+          <a:stretch>
+            <a:fillRect/>
+          </a:stretch>
+        </p:blipFill>
+        <p:spPr>
+          <a:xfrm>
+            <a:off x="372407" y="353437"/>
+            <a:ext cx="327600" cy="327600"/>
+          </a:xfrm>
+          <a:prstGeom prst="rect">
+            <a:avLst/>
+          </a:prstGeom>
+        </p:spPr>
+      </p:pic>
+      <p:sp>
+        <p:nvSpPr>
+          <p:cNvPr id="6" name="TextBox 5">
+            <a:extLst>
+              <a:ext uri="{FF2B5EF4-FFF2-40B4-BE49-F238E27FC236}">
+                <a16:creationId xmlns:a16="http://schemas.microsoft.com/office/drawing/2014/main" id="{CA60C221-43B9-7DFA-BD3B-DDA40C66EFBE}"/>
+              </a:ext>
+            </a:extLst>
+          </p:cNvPr>
+          <p:cNvSpPr txBox="1"/>
+          <p:nvPr/>
+        </p:nvSpPr>
+        <p:spPr>
+          <a:xfrm>
+            <a:off x="882886" y="328130"/>
+            <a:ext cx="4054315" cy="369332"/>
+          </a:xfrm>
+          <a:prstGeom prst="rect">
+            <a:avLst/>
+          </a:prstGeom>
+          <a:noFill/>
+        </p:spPr>
+        <p:txBody>
+          <a:bodyPr wrap="none" rtlCol="0">
+            <a:spAutoFit/>
+          </a:bodyPr>
+          <a:lstStyle/>
+          <a:p>
+            <a:r>
+              <a:rPr lang="it-IT" dirty="0">
+                <a:latin typeface="Roboto" panose="02000000000000000000" pitchFamily="2" charset="0"/>
+                <a:ea typeface="Roboto" panose="02000000000000000000" pitchFamily="2" charset="0"/>
+              </a:rPr>
+              <a:t>Data </a:t>
+            </a:r>
+            <a:r>
+              <a:rPr lang="it-IT" dirty="0" err="1">
+                <a:latin typeface="Roboto" panose="02000000000000000000" pitchFamily="2" charset="0"/>
+                <a:ea typeface="Roboto" panose="02000000000000000000" pitchFamily="2" charset="0"/>
+              </a:rPr>
+              <a:t>Acquisition</a:t>
+            </a:r>
+            <a:r>
+              <a:rPr lang="it-IT" dirty="0">
+                <a:latin typeface="Roboto" panose="02000000000000000000" pitchFamily="2" charset="0"/>
+                <a:ea typeface="Roboto" panose="02000000000000000000" pitchFamily="2" charset="0"/>
+              </a:rPr>
+              <a:t> and Data Exploration</a:t>
+            </a:r>
+          </a:p>
+        </p:txBody>
+      </p:sp>
+      <p:sp>
+        <p:nvSpPr>
+          <p:cNvPr id="7" name="TextBox 6">
+            <a:extLst>
+              <a:ext uri="{FF2B5EF4-FFF2-40B4-BE49-F238E27FC236}">
+                <a16:creationId xmlns:a16="http://schemas.microsoft.com/office/drawing/2014/main" id="{82B968B2-580B-7AD2-9C56-D7E18F0B43F1}"/>
+              </a:ext>
+            </a:extLst>
+          </p:cNvPr>
+          <p:cNvSpPr txBox="1"/>
+          <p:nvPr/>
+        </p:nvSpPr>
+        <p:spPr>
+          <a:xfrm>
+            <a:off x="1982545" y="697462"/>
+            <a:ext cx="1854995" cy="369332"/>
+          </a:xfrm>
+          <a:prstGeom prst="rect">
+            <a:avLst/>
+          </a:prstGeom>
+          <a:noFill/>
+        </p:spPr>
+        <p:txBody>
+          <a:bodyPr wrap="none" rtlCol="0">
+            <a:spAutoFit/>
+          </a:bodyPr>
+          <a:lstStyle/>
+          <a:p>
+            <a:r>
+              <a:rPr lang="it-IT" dirty="0">
+                <a:latin typeface="Roboto" panose="02000000000000000000" pitchFamily="2" charset="0"/>
+                <a:ea typeface="Roboto" panose="02000000000000000000" pitchFamily="2" charset="0"/>
+              </a:rPr>
+              <a:t>Dataset </a:t>
+            </a:r>
+            <a:r>
+              <a:rPr lang="it-IT" dirty="0" err="1">
+                <a:latin typeface="Roboto" panose="02000000000000000000" pitchFamily="2" charset="0"/>
+                <a:ea typeface="Roboto" panose="02000000000000000000" pitchFamily="2" charset="0"/>
+              </a:rPr>
+              <a:t>Feaures</a:t>
+            </a:r>
+            <a:endParaRPr lang="it-IT" dirty="0">
+              <a:latin typeface="Roboto" panose="02000000000000000000" pitchFamily="2" charset="0"/>
+              <a:ea typeface="Roboto" panose="02000000000000000000" pitchFamily="2" charset="0"/>
+            </a:endParaRPr>
+          </a:p>
+        </p:txBody>
+      </p:sp>
+      <p:pic>
+        <p:nvPicPr>
+          <p:cNvPr id="3" name="Picture 2" descr="A screenshot of a computer&#10;&#10;AI-generated content may be incorrect.">
+            <a:extLst>
+              <a:ext uri="{FF2B5EF4-FFF2-40B4-BE49-F238E27FC236}">
+                <a16:creationId xmlns:a16="http://schemas.microsoft.com/office/drawing/2014/main" id="{CD84C9A4-CAC6-BD70-1F47-38AE82509EDA}"/>
+              </a:ext>
+            </a:extLst>
+          </p:cNvPr>
+          <p:cNvPicPr>
+            <a:picLocks noChangeAspect="1"/>
+          </p:cNvPicPr>
+          <p:nvPr/>
+        </p:nvPicPr>
+        <p:blipFill>
+          <a:blip r:embed="rId3"/>
+          <a:stretch>
+            <a:fillRect/>
+          </a:stretch>
+        </p:blipFill>
+        <p:spPr>
+          <a:xfrm>
+            <a:off x="6128299" y="353437"/>
+            <a:ext cx="5420182" cy="6176963"/>
+          </a:xfrm>
+          <a:prstGeom prst="rect">
+            <a:avLst/>
+          </a:prstGeom>
+        </p:spPr>
+      </p:pic>
+    </p:spTree>
+    <p:extLst>
+      <p:ext uri="{BB962C8B-B14F-4D97-AF65-F5344CB8AC3E}">
+        <p14:creationId xmlns:p14="http://schemas.microsoft.com/office/powerpoint/2010/main" val="507740058"/>
+      </p:ext>
+    </p:extLst>
+  </p:cSld>
+  <p:clrMapOvr>
+    <a:masterClrMapping/>
+  </p:clrMapOvr>
+</p:sld>
+</file>
+
+<file path=ppt/slides/slide7.xml><?xml version="1.0" encoding="utf-8"?>
+<p:sld xmlns:a="http://schemas.openxmlformats.org/drawingml/2006/main" xmlns:r="http://schemas.openxmlformats.org/officeDocument/2006/relationships" xmlns:p="http://schemas.openxmlformats.org/presentationml/2006/main">
+  <p:cSld>
+    <p:spTree>
+      <p:nvGrpSpPr>
+        <p:cNvPr id="1" name="">
+          <a:extLst>
+            <a:ext uri="{FF2B5EF4-FFF2-40B4-BE49-F238E27FC236}">
+              <a16:creationId xmlns:a16="http://schemas.microsoft.com/office/drawing/2014/main" id="{779CB504-5814-D006-4F91-0B0C51C6328D}"/>
+            </a:ext>
+          </a:extLst>
+        </p:cNvPr>
+        <p:cNvGrpSpPr/>
+        <p:nvPr/>
+      </p:nvGrpSpPr>
+      <p:grpSpPr>
+        <a:xfrm>
+          <a:off x="0" y="0"/>
+          <a:ext cx="0" cy="0"/>
+          <a:chOff x="0" y="0"/>
+          <a:chExt cx="0" cy="0"/>
+        </a:xfrm>
+      </p:grpSpPr>
+      <p:sp>
+        <p:nvSpPr>
+          <p:cNvPr id="4" name="Oval 3">
+            <a:extLst>
+              <a:ext uri="{FF2B5EF4-FFF2-40B4-BE49-F238E27FC236}">
+                <a16:creationId xmlns:a16="http://schemas.microsoft.com/office/drawing/2014/main" id="{2C600F31-BFC2-FAF9-91B4-CF43327B3469}"/>
+              </a:ext>
+            </a:extLst>
+          </p:cNvPr>
+          <p:cNvSpPr/>
+          <p:nvPr/>
+        </p:nvSpPr>
+        <p:spPr>
+          <a:xfrm>
+            <a:off x="277097" y="260062"/>
+            <a:ext cx="514350" cy="514350"/>
+          </a:xfrm>
+          <a:prstGeom prst="ellipse">
+            <a:avLst/>
+          </a:prstGeom>
+          <a:solidFill>
+            <a:srgbClr val="0F4A7C"/>
+          </a:solidFill>
+          <a:ln>
+            <a:noFill/>
+          </a:ln>
+        </p:spPr>
+        <p:style>
+          <a:lnRef idx="2">
+            <a:schemeClr val="accent1">
+              <a:shade val="15000"/>
+            </a:schemeClr>
+          </a:lnRef>
+          <a:fillRef idx="1">
+            <a:schemeClr val="accent1"/>
+          </a:fillRef>
+          <a:effectRef idx="0">
+            <a:schemeClr val="accent1"/>
+          </a:effectRef>
+          <a:fontRef idx="minor">
+            <a:schemeClr val="lt1"/>
+          </a:fontRef>
+        </p:style>
+        <p:txBody>
+          <a:bodyPr rtlCol="0" anchor="ctr"/>
+          <a:lstStyle/>
+          <a:p>
+            <a:pPr algn="ctr"/>
+            <a:endParaRPr lang="it-IT"/>
+          </a:p>
+        </p:txBody>
+      </p:sp>
+      <p:pic>
+        <p:nvPicPr>
+          <p:cNvPr id="5" name="Picture 4" descr="A white line drawing of a graph and a magnifying glass&#10;&#10;AI-generated content may be incorrect.">
+            <a:extLst>
+              <a:ext uri="{FF2B5EF4-FFF2-40B4-BE49-F238E27FC236}">
+                <a16:creationId xmlns:a16="http://schemas.microsoft.com/office/drawing/2014/main" id="{9A8A5A0E-5F0F-A789-381C-FE09F2C08004}"/>
+              </a:ext>
+            </a:extLst>
+          </p:cNvPr>
+          <p:cNvPicPr>
+            <a:picLocks noChangeAspect="1"/>
+          </p:cNvPicPr>
+          <p:nvPr/>
+        </p:nvPicPr>
+        <p:blipFill>
+          <a:blip r:embed="rId2"/>
+          <a:stretch>
+            <a:fillRect/>
+          </a:stretch>
+        </p:blipFill>
+        <p:spPr>
+          <a:xfrm>
+            <a:off x="372407" y="353437"/>
+            <a:ext cx="327600" cy="327600"/>
+          </a:xfrm>
+          <a:prstGeom prst="rect">
+            <a:avLst/>
+          </a:prstGeom>
+        </p:spPr>
+      </p:pic>
+      <p:sp>
+        <p:nvSpPr>
+          <p:cNvPr id="6" name="TextBox 5">
+            <a:extLst>
+              <a:ext uri="{FF2B5EF4-FFF2-40B4-BE49-F238E27FC236}">
+                <a16:creationId xmlns:a16="http://schemas.microsoft.com/office/drawing/2014/main" id="{F90EC15C-DA90-BA14-F0D4-ACA374B57B99}"/>
+              </a:ext>
+            </a:extLst>
+          </p:cNvPr>
+          <p:cNvSpPr txBox="1"/>
+          <p:nvPr/>
+        </p:nvSpPr>
+        <p:spPr>
+          <a:xfrm>
+            <a:off x="882886" y="328130"/>
+            <a:ext cx="4054315" cy="369332"/>
+          </a:xfrm>
+          <a:prstGeom prst="rect">
+            <a:avLst/>
+          </a:prstGeom>
+          <a:noFill/>
+        </p:spPr>
+        <p:txBody>
+          <a:bodyPr wrap="none" rtlCol="0">
+            <a:spAutoFit/>
+          </a:bodyPr>
+          <a:lstStyle/>
+          <a:p>
+            <a:r>
+              <a:rPr lang="it-IT" dirty="0">
+                <a:latin typeface="Roboto" panose="02000000000000000000" pitchFamily="2" charset="0"/>
+                <a:ea typeface="Roboto" panose="02000000000000000000" pitchFamily="2" charset="0"/>
+              </a:rPr>
+              <a:t>Data </a:t>
+            </a:r>
+            <a:r>
+              <a:rPr lang="it-IT" dirty="0" err="1">
+                <a:latin typeface="Roboto" panose="02000000000000000000" pitchFamily="2" charset="0"/>
+                <a:ea typeface="Roboto" panose="02000000000000000000" pitchFamily="2" charset="0"/>
+              </a:rPr>
+              <a:t>Acquisition</a:t>
+            </a:r>
+            <a:r>
+              <a:rPr lang="it-IT" dirty="0">
+                <a:latin typeface="Roboto" panose="02000000000000000000" pitchFamily="2" charset="0"/>
+                <a:ea typeface="Roboto" panose="02000000000000000000" pitchFamily="2" charset="0"/>
+              </a:rPr>
+              <a:t> and Data Exploration</a:t>
+            </a:r>
+          </a:p>
+        </p:txBody>
+      </p:sp>
+      <p:sp>
+        <p:nvSpPr>
+          <p:cNvPr id="7" name="TextBox 6">
+            <a:extLst>
+              <a:ext uri="{FF2B5EF4-FFF2-40B4-BE49-F238E27FC236}">
+                <a16:creationId xmlns:a16="http://schemas.microsoft.com/office/drawing/2014/main" id="{7D0155BA-A209-B6E3-02E3-093134E8385A}"/>
+              </a:ext>
+            </a:extLst>
+          </p:cNvPr>
+          <p:cNvSpPr txBox="1"/>
+          <p:nvPr/>
+        </p:nvSpPr>
+        <p:spPr>
+          <a:xfrm>
+            <a:off x="1982545" y="697462"/>
+            <a:ext cx="1854995" cy="369332"/>
+          </a:xfrm>
+          <a:prstGeom prst="rect">
+            <a:avLst/>
+          </a:prstGeom>
+          <a:noFill/>
+        </p:spPr>
+        <p:txBody>
+          <a:bodyPr wrap="none" rtlCol="0">
+            <a:spAutoFit/>
+          </a:bodyPr>
+          <a:lstStyle/>
+          <a:p>
+            <a:r>
+              <a:rPr lang="it-IT" dirty="0">
+                <a:latin typeface="Roboto" panose="02000000000000000000" pitchFamily="2" charset="0"/>
+                <a:ea typeface="Roboto" panose="02000000000000000000" pitchFamily="2" charset="0"/>
+              </a:rPr>
+              <a:t>Dataset </a:t>
+            </a:r>
+            <a:r>
+              <a:rPr lang="it-IT" dirty="0" err="1">
+                <a:latin typeface="Roboto" panose="02000000000000000000" pitchFamily="2" charset="0"/>
+                <a:ea typeface="Roboto" panose="02000000000000000000" pitchFamily="2" charset="0"/>
+              </a:rPr>
+              <a:t>Feaures</a:t>
+            </a:r>
+            <a:endParaRPr lang="it-IT" dirty="0">
+              <a:latin typeface="Roboto" panose="02000000000000000000" pitchFamily="2" charset="0"/>
+              <a:ea typeface="Roboto" panose="02000000000000000000" pitchFamily="2" charset="0"/>
+            </a:endParaRPr>
+          </a:p>
+        </p:txBody>
+      </p:sp>
+      <p:pic>
+        <p:nvPicPr>
+          <p:cNvPr id="3" name="Picture 2" descr="A table with numbers and letters&#10;&#10;AI-generated content may be incorrect.">
+            <a:extLst>
+              <a:ext uri="{FF2B5EF4-FFF2-40B4-BE49-F238E27FC236}">
+                <a16:creationId xmlns:a16="http://schemas.microsoft.com/office/drawing/2014/main" id="{BCCA6D5A-D0C9-193B-4247-D3922A6E81B5}"/>
+              </a:ext>
+            </a:extLst>
+          </p:cNvPr>
+          <p:cNvPicPr>
+            <a:picLocks noChangeAspect="1"/>
+          </p:cNvPicPr>
+          <p:nvPr/>
+        </p:nvPicPr>
+        <p:blipFill>
+          <a:blip r:embed="rId3"/>
+          <a:stretch>
+            <a:fillRect/>
+          </a:stretch>
+        </p:blipFill>
+        <p:spPr>
+          <a:xfrm>
+            <a:off x="98468" y="1519760"/>
+            <a:ext cx="12093532" cy="1647186"/>
+          </a:xfrm>
+          <a:prstGeom prst="rect">
+            <a:avLst/>
+          </a:prstGeom>
+        </p:spPr>
+      </p:pic>
+    </p:spTree>
+    <p:extLst>
+      <p:ext uri="{BB962C8B-B14F-4D97-AF65-F5344CB8AC3E}">
+        <p14:creationId xmlns:p14="http://schemas.microsoft.com/office/powerpoint/2010/main" val="3002002820"/>
+      </p:ext>
+    </p:extLst>
+  </p:cSld>
+  <p:clrMapOvr>
+    <a:masterClrMapping/>
+  </p:clrMapOvr>
+</p:sld>
+</file>
+
+<file path=ppt/slides/slide8.xml><?xml version="1.0" encoding="utf-8"?>
+<p:sld xmlns:a="http://schemas.openxmlformats.org/drawingml/2006/main" xmlns:r="http://schemas.openxmlformats.org/officeDocument/2006/relationships" xmlns:p="http://schemas.openxmlformats.org/presentationml/2006/main">
+  <p:cSld>
+    <p:spTree>
+      <p:nvGrpSpPr>
+        <p:cNvPr id="1" name="">
+          <a:extLst>
+            <a:ext uri="{FF2B5EF4-FFF2-40B4-BE49-F238E27FC236}">
+              <a16:creationId xmlns:a16="http://schemas.microsoft.com/office/drawing/2014/main" id="{BC7715EC-8C4C-F132-EE8D-12B7086B3493}"/>
+            </a:ext>
+          </a:extLst>
+        </p:cNvPr>
+        <p:cNvGrpSpPr/>
+        <p:nvPr/>
+      </p:nvGrpSpPr>
+      <p:grpSpPr>
+        <a:xfrm>
+          <a:off x="0" y="0"/>
+          <a:ext cx="0" cy="0"/>
+          <a:chOff x="0" y="0"/>
+          <a:chExt cx="0" cy="0"/>
+        </a:xfrm>
+      </p:grpSpPr>
+      <p:sp>
+        <p:nvSpPr>
+          <p:cNvPr id="4" name="Oval 3">
+            <a:extLst>
+              <a:ext uri="{FF2B5EF4-FFF2-40B4-BE49-F238E27FC236}">
+                <a16:creationId xmlns:a16="http://schemas.microsoft.com/office/drawing/2014/main" id="{EEF24FE7-E228-2DEB-B176-7652B00278B2}"/>
+              </a:ext>
+            </a:extLst>
+          </p:cNvPr>
+          <p:cNvSpPr/>
+          <p:nvPr/>
+        </p:nvSpPr>
+        <p:spPr>
+          <a:xfrm>
+            <a:off x="277097" y="260062"/>
+            <a:ext cx="514350" cy="514350"/>
+          </a:xfrm>
+          <a:prstGeom prst="ellipse">
+            <a:avLst/>
+          </a:prstGeom>
+          <a:solidFill>
+            <a:srgbClr val="0F4A7C"/>
+          </a:solidFill>
+          <a:ln>
+            <a:noFill/>
+          </a:ln>
+        </p:spPr>
+        <p:style>
+          <a:lnRef idx="2">
+            <a:schemeClr val="accent1">
+              <a:shade val="15000"/>
+            </a:schemeClr>
+          </a:lnRef>
+          <a:fillRef idx="1">
+            <a:schemeClr val="accent1"/>
+          </a:fillRef>
+          <a:effectRef idx="0">
+            <a:schemeClr val="accent1"/>
+          </a:effectRef>
+          <a:fontRef idx="minor">
+            <a:schemeClr val="lt1"/>
+          </a:fontRef>
+        </p:style>
+        <p:txBody>
+          <a:bodyPr rtlCol="0" anchor="ctr"/>
+          <a:lstStyle/>
+          <a:p>
+            <a:pPr algn="ctr"/>
+            <a:endParaRPr lang="it-IT"/>
+          </a:p>
+        </p:txBody>
+      </p:sp>
+      <p:pic>
+        <p:nvPicPr>
+          <p:cNvPr id="5" name="Picture 4" descr="A white line drawing of a graph and a magnifying glass&#10;&#10;AI-generated content may be incorrect.">
+            <a:extLst>
+              <a:ext uri="{FF2B5EF4-FFF2-40B4-BE49-F238E27FC236}">
+                <a16:creationId xmlns:a16="http://schemas.microsoft.com/office/drawing/2014/main" id="{4947F49A-9E16-D8A1-8012-C03238CBA633}"/>
+              </a:ext>
+            </a:extLst>
+          </p:cNvPr>
+          <p:cNvPicPr>
+            <a:picLocks noChangeAspect="1"/>
+          </p:cNvPicPr>
+          <p:nvPr/>
+        </p:nvPicPr>
+        <p:blipFill>
+          <a:blip r:embed="rId2"/>
+          <a:stretch>
+            <a:fillRect/>
+          </a:stretch>
+        </p:blipFill>
+        <p:spPr>
+          <a:xfrm>
+            <a:off x="372407" y="353437"/>
+            <a:ext cx="327600" cy="327600"/>
+          </a:xfrm>
+          <a:prstGeom prst="rect">
+            <a:avLst/>
+          </a:prstGeom>
+        </p:spPr>
+      </p:pic>
+      <p:sp>
+        <p:nvSpPr>
+          <p:cNvPr id="6" name="TextBox 5">
+            <a:extLst>
+              <a:ext uri="{FF2B5EF4-FFF2-40B4-BE49-F238E27FC236}">
+                <a16:creationId xmlns:a16="http://schemas.microsoft.com/office/drawing/2014/main" id="{5D5DA9FB-431A-0C02-CE22-5B398FCF7EE3}"/>
+              </a:ext>
+            </a:extLst>
+          </p:cNvPr>
+          <p:cNvSpPr txBox="1"/>
+          <p:nvPr/>
+        </p:nvSpPr>
+        <p:spPr>
+          <a:xfrm>
+            <a:off x="882886" y="328130"/>
+            <a:ext cx="4054315" cy="369332"/>
+          </a:xfrm>
+          <a:prstGeom prst="rect">
+            <a:avLst/>
+          </a:prstGeom>
+          <a:noFill/>
+        </p:spPr>
+        <p:txBody>
+          <a:bodyPr wrap="none" rtlCol="0">
+            <a:spAutoFit/>
+          </a:bodyPr>
+          <a:lstStyle/>
+          <a:p>
+            <a:r>
+              <a:rPr lang="it-IT" dirty="0">
+                <a:latin typeface="Roboto" panose="02000000000000000000" pitchFamily="2" charset="0"/>
+                <a:ea typeface="Roboto" panose="02000000000000000000" pitchFamily="2" charset="0"/>
+              </a:rPr>
+              <a:t>Data </a:t>
+            </a:r>
+            <a:r>
+              <a:rPr lang="it-IT" dirty="0" err="1">
+                <a:latin typeface="Roboto" panose="02000000000000000000" pitchFamily="2" charset="0"/>
+                <a:ea typeface="Roboto" panose="02000000000000000000" pitchFamily="2" charset="0"/>
+              </a:rPr>
+              <a:t>Acquisition</a:t>
+            </a:r>
+            <a:r>
+              <a:rPr lang="it-IT" dirty="0">
+                <a:latin typeface="Roboto" panose="02000000000000000000" pitchFamily="2" charset="0"/>
+                <a:ea typeface="Roboto" panose="02000000000000000000" pitchFamily="2" charset="0"/>
+              </a:rPr>
+              <a:t> and Data Exploration</a:t>
+            </a:r>
+          </a:p>
+        </p:txBody>
+      </p:sp>
+      <p:sp>
+        <p:nvSpPr>
+          <p:cNvPr id="7" name="TextBox 6">
+            <a:extLst>
+              <a:ext uri="{FF2B5EF4-FFF2-40B4-BE49-F238E27FC236}">
+                <a16:creationId xmlns:a16="http://schemas.microsoft.com/office/drawing/2014/main" id="{47EDEAEF-BBAD-9B7D-859F-14F37A862F23}"/>
+              </a:ext>
+            </a:extLst>
+          </p:cNvPr>
+          <p:cNvSpPr txBox="1"/>
+          <p:nvPr/>
+        </p:nvSpPr>
+        <p:spPr>
+          <a:xfrm>
+            <a:off x="1982545" y="697462"/>
+            <a:ext cx="1854995" cy="369332"/>
+          </a:xfrm>
+          <a:prstGeom prst="rect">
+            <a:avLst/>
+          </a:prstGeom>
+          <a:noFill/>
+        </p:spPr>
+        <p:txBody>
+          <a:bodyPr wrap="none" rtlCol="0">
+            <a:spAutoFit/>
+          </a:bodyPr>
+          <a:lstStyle/>
+          <a:p>
+            <a:r>
+              <a:rPr lang="it-IT" dirty="0">
+                <a:latin typeface="Roboto" panose="02000000000000000000" pitchFamily="2" charset="0"/>
+                <a:ea typeface="Roboto" panose="02000000000000000000" pitchFamily="2" charset="0"/>
+              </a:rPr>
+              <a:t>Dataset </a:t>
+            </a:r>
+            <a:r>
+              <a:rPr lang="it-IT" dirty="0" err="1">
+                <a:latin typeface="Roboto" panose="02000000000000000000" pitchFamily="2" charset="0"/>
+                <a:ea typeface="Roboto" panose="02000000000000000000" pitchFamily="2" charset="0"/>
+              </a:rPr>
+              <a:t>Feaures</a:t>
+            </a:r>
+            <a:endParaRPr lang="it-IT" dirty="0">
+              <a:latin typeface="Roboto" panose="02000000000000000000" pitchFamily="2" charset="0"/>
+              <a:ea typeface="Roboto" panose="02000000000000000000" pitchFamily="2" charset="0"/>
+            </a:endParaRPr>
+          </a:p>
+        </p:txBody>
+      </p:sp>
+      <p:pic>
+        <p:nvPicPr>
+          <p:cNvPr id="8" name="Picture 7" descr="A screenshot of a computer&#10;&#10;AI-generated content may be incorrect.">
+            <a:extLst>
+              <a:ext uri="{FF2B5EF4-FFF2-40B4-BE49-F238E27FC236}">
+                <a16:creationId xmlns:a16="http://schemas.microsoft.com/office/drawing/2014/main" id="{BB02424D-2E19-CDA7-B20A-63BCC7B886C7}"/>
+              </a:ext>
+            </a:extLst>
+          </p:cNvPr>
+          <p:cNvPicPr>
+            <a:picLocks noChangeAspect="1"/>
+          </p:cNvPicPr>
+          <p:nvPr/>
+        </p:nvPicPr>
+        <p:blipFill>
+          <a:blip r:embed="rId3"/>
+          <a:srcRect r="67241"/>
+          <a:stretch/>
+        </p:blipFill>
+        <p:spPr>
+          <a:xfrm>
+            <a:off x="7254801" y="593944"/>
+            <a:ext cx="2546157" cy="5670112"/>
+          </a:xfrm>
+          <a:prstGeom prst="rect">
+            <a:avLst/>
+          </a:prstGeom>
+        </p:spPr>
+      </p:pic>
+    </p:spTree>
+    <p:extLst>
+      <p:ext uri="{BB962C8B-B14F-4D97-AF65-F5344CB8AC3E}">
+        <p14:creationId xmlns:p14="http://schemas.microsoft.com/office/powerpoint/2010/main" val="1250041342"/>
+      </p:ext>
+    </p:extLst>
+  </p:cSld>
+  <p:clrMapOvr>
+    <a:masterClrMapping/>
+  </p:clrMapOvr>
+</p:sld>
+</file>
+
+<file path=ppt/slides/slide9.xml><?xml version="1.0" encoding="utf-8"?>
+<p:sld xmlns:a="http://schemas.openxmlformats.org/drawingml/2006/main" xmlns:r="http://schemas.openxmlformats.org/officeDocument/2006/relationships" xmlns:p="http://schemas.openxmlformats.org/presentationml/2006/main">
+  <p:cSld>
+    <p:spTree>
+      <p:nvGrpSpPr>
+        <p:cNvPr id="1" name="">
+          <a:extLst>
+            <a:ext uri="{FF2B5EF4-FFF2-40B4-BE49-F238E27FC236}">
+              <a16:creationId xmlns:a16="http://schemas.microsoft.com/office/drawing/2014/main" id="{396FD411-1F4A-56EC-892F-4EB66153C101}"/>
+            </a:ext>
+          </a:extLst>
+        </p:cNvPr>
+        <p:cNvGrpSpPr/>
+        <p:nvPr/>
+      </p:nvGrpSpPr>
+      <p:grpSpPr>
+        <a:xfrm>
+          <a:off x="0" y="0"/>
+          <a:ext cx="0" cy="0"/>
+          <a:chOff x="0" y="0"/>
+          <a:chExt cx="0" cy="0"/>
+        </a:xfrm>
+      </p:grpSpPr>
+      <p:sp>
+        <p:nvSpPr>
+          <p:cNvPr id="4" name="Oval 3">
+            <a:extLst>
+              <a:ext uri="{FF2B5EF4-FFF2-40B4-BE49-F238E27FC236}">
+                <a16:creationId xmlns:a16="http://schemas.microsoft.com/office/drawing/2014/main" id="{37A9A7CF-DB1F-92E3-9FFD-B8B3EF63D215}"/>
+              </a:ext>
+            </a:extLst>
+          </p:cNvPr>
+          <p:cNvSpPr/>
+          <p:nvPr/>
+        </p:nvSpPr>
+        <p:spPr>
+          <a:xfrm>
+            <a:off x="277097" y="260062"/>
+            <a:ext cx="514350" cy="514350"/>
+          </a:xfrm>
+          <a:prstGeom prst="ellipse">
+            <a:avLst/>
+          </a:prstGeom>
+          <a:solidFill>
+            <a:srgbClr val="0F4A7C"/>
+          </a:solidFill>
+          <a:ln>
+            <a:noFill/>
+          </a:ln>
+        </p:spPr>
+        <p:style>
+          <a:lnRef idx="2">
+            <a:schemeClr val="accent1">
+              <a:shade val="15000"/>
+            </a:schemeClr>
+          </a:lnRef>
+          <a:fillRef idx="1">
+            <a:schemeClr val="accent1"/>
+          </a:fillRef>
+          <a:effectRef idx="0">
+            <a:schemeClr val="accent1"/>
+          </a:effectRef>
+          <a:fontRef idx="minor">
+            <a:schemeClr val="lt1"/>
+          </a:fontRef>
+        </p:style>
+        <p:txBody>
+          <a:bodyPr rtlCol="0" anchor="ctr"/>
+          <a:lstStyle/>
+          <a:p>
+            <a:pPr algn="ctr"/>
+            <a:endParaRPr lang="it-IT"/>
+          </a:p>
+        </p:txBody>
+      </p:sp>
+      <p:pic>
+        <p:nvPicPr>
+          <p:cNvPr id="5" name="Picture 4" descr="A white line drawing of a graph and a magnifying glass&#10;&#10;AI-generated content may be incorrect.">
+            <a:extLst>
+              <a:ext uri="{FF2B5EF4-FFF2-40B4-BE49-F238E27FC236}">
+                <a16:creationId xmlns:a16="http://schemas.microsoft.com/office/drawing/2014/main" id="{2B78768C-6B7A-198D-FC90-8CBA1DE9CB6A}"/>
+              </a:ext>
+            </a:extLst>
+          </p:cNvPr>
+          <p:cNvPicPr>
+            <a:picLocks noChangeAspect="1"/>
+          </p:cNvPicPr>
+          <p:nvPr/>
+        </p:nvPicPr>
+        <p:blipFill>
+          <a:blip r:embed="rId2"/>
+          <a:stretch>
+            <a:fillRect/>
+          </a:stretch>
+        </p:blipFill>
+        <p:spPr>
+          <a:xfrm>
+            <a:off x="372407" y="353437"/>
+            <a:ext cx="327600" cy="327600"/>
+          </a:xfrm>
+          <a:prstGeom prst="rect">
+            <a:avLst/>
+          </a:prstGeom>
+        </p:spPr>
+      </p:pic>
+      <p:sp>
+        <p:nvSpPr>
+          <p:cNvPr id="6" name="TextBox 5">
+            <a:extLst>
+              <a:ext uri="{FF2B5EF4-FFF2-40B4-BE49-F238E27FC236}">
+                <a16:creationId xmlns:a16="http://schemas.microsoft.com/office/drawing/2014/main" id="{37C0F6E5-BB8C-6CD9-907E-06D505ABFB79}"/>
+              </a:ext>
+            </a:extLst>
+          </p:cNvPr>
+          <p:cNvSpPr txBox="1"/>
+          <p:nvPr/>
+        </p:nvSpPr>
+        <p:spPr>
+          <a:xfrm>
+            <a:off x="882886" y="328130"/>
+            <a:ext cx="4054315" cy="369332"/>
+          </a:xfrm>
+          <a:prstGeom prst="rect">
+            <a:avLst/>
+          </a:prstGeom>
+          <a:noFill/>
+        </p:spPr>
+        <p:txBody>
+          <a:bodyPr wrap="none" rtlCol="0">
+            <a:spAutoFit/>
+          </a:bodyPr>
+          <a:lstStyle/>
+          <a:p>
+            <a:r>
+              <a:rPr lang="it-IT" dirty="0">
+                <a:latin typeface="Roboto" panose="02000000000000000000" pitchFamily="2" charset="0"/>
+                <a:ea typeface="Roboto" panose="02000000000000000000" pitchFamily="2" charset="0"/>
+              </a:rPr>
+              <a:t>Data </a:t>
+            </a:r>
+            <a:r>
+              <a:rPr lang="it-IT" dirty="0" err="1">
+                <a:latin typeface="Roboto" panose="02000000000000000000" pitchFamily="2" charset="0"/>
+                <a:ea typeface="Roboto" panose="02000000000000000000" pitchFamily="2" charset="0"/>
+              </a:rPr>
+              <a:t>Acquisition</a:t>
+            </a:r>
+            <a:r>
+              <a:rPr lang="it-IT" dirty="0">
+                <a:latin typeface="Roboto" panose="02000000000000000000" pitchFamily="2" charset="0"/>
+                <a:ea typeface="Roboto" panose="02000000000000000000" pitchFamily="2" charset="0"/>
+              </a:rPr>
+              <a:t> and Data Exploration</a:t>
+            </a:r>
+          </a:p>
+        </p:txBody>
+      </p:sp>
+      <p:sp>
+        <p:nvSpPr>
+          <p:cNvPr id="7" name="TextBox 6">
+            <a:extLst>
+              <a:ext uri="{FF2B5EF4-FFF2-40B4-BE49-F238E27FC236}">
+                <a16:creationId xmlns:a16="http://schemas.microsoft.com/office/drawing/2014/main" id="{46FAC961-AD31-3CC8-3A35-02A8B9701619}"/>
+              </a:ext>
+            </a:extLst>
+          </p:cNvPr>
+          <p:cNvSpPr txBox="1"/>
+          <p:nvPr/>
+        </p:nvSpPr>
+        <p:spPr>
+          <a:xfrm>
+            <a:off x="1982545" y="697462"/>
+            <a:ext cx="1854995" cy="369332"/>
+          </a:xfrm>
+          <a:prstGeom prst="rect">
+            <a:avLst/>
+          </a:prstGeom>
+          <a:noFill/>
+        </p:spPr>
+        <p:txBody>
+          <a:bodyPr wrap="none" rtlCol="0">
+            <a:spAutoFit/>
+          </a:bodyPr>
+          <a:lstStyle/>
+          <a:p>
+            <a:r>
+              <a:rPr lang="it-IT" dirty="0">
+                <a:latin typeface="Roboto" panose="02000000000000000000" pitchFamily="2" charset="0"/>
+                <a:ea typeface="Roboto" panose="02000000000000000000" pitchFamily="2" charset="0"/>
+              </a:rPr>
+              <a:t>Dataset </a:t>
+            </a:r>
+            <a:r>
+              <a:rPr lang="it-IT" dirty="0" err="1">
+                <a:latin typeface="Roboto" panose="02000000000000000000" pitchFamily="2" charset="0"/>
+                <a:ea typeface="Roboto" panose="02000000000000000000" pitchFamily="2" charset="0"/>
+              </a:rPr>
+              <a:t>Feaures</a:t>
+            </a:r>
+            <a:endParaRPr lang="it-IT" dirty="0">
+              <a:latin typeface="Roboto" panose="02000000000000000000" pitchFamily="2" charset="0"/>
+              <a:ea typeface="Roboto" panose="02000000000000000000" pitchFamily="2" charset="0"/>
+            </a:endParaRPr>
+          </a:p>
+        </p:txBody>
+      </p:sp>
+      <p:pic>
+        <p:nvPicPr>
+          <p:cNvPr id="3" name="Picture 2" descr="A close-up of a computer screen&#10;&#10;AI-generated content may be incorrect.">
+            <a:extLst>
+              <a:ext uri="{FF2B5EF4-FFF2-40B4-BE49-F238E27FC236}">
+                <a16:creationId xmlns:a16="http://schemas.microsoft.com/office/drawing/2014/main" id="{A273D676-4E75-3540-63E5-66D741CBBECD}"/>
+              </a:ext>
+            </a:extLst>
+          </p:cNvPr>
+          <p:cNvPicPr>
+            <a:picLocks noChangeAspect="1"/>
+          </p:cNvPicPr>
+          <p:nvPr/>
+        </p:nvPicPr>
+        <p:blipFill>
+          <a:blip r:embed="rId3"/>
+          <a:stretch>
+            <a:fillRect/>
+          </a:stretch>
+        </p:blipFill>
+        <p:spPr>
+          <a:xfrm>
+            <a:off x="1127201" y="1892300"/>
+            <a:ext cx="3810000" cy="1536700"/>
+          </a:xfrm>
+          <a:prstGeom prst="rect">
+            <a:avLst/>
+          </a:prstGeom>
+        </p:spPr>
+      </p:pic>
+    </p:spTree>
+    <p:extLst>
+      <p:ext uri="{BB962C8B-B14F-4D97-AF65-F5344CB8AC3E}">
+        <p14:creationId xmlns:p14="http://schemas.microsoft.com/office/powerpoint/2010/main" val="1930668021"/>
+      </p:ext>
+    </p:extLst>
+  </p:cSld>
+  <p:clrMapOvr>
+    <a:masterClrMapping/>
+  </p:clrMapOvr>
 </p:sld>
 </file>
 
